--- a/Html doküman yapısı.pptx
+++ b/Html doküman yapısı.pptx
@@ -5,7 +5,7 @@
     <p:sldMasterId id="2147483648" r:id="rId1"/>
   </p:sldMasterIdLst>
   <p:notesMasterIdLst>
-    <p:notesMasterId r:id="rId16"/>
+    <p:notesMasterId r:id="rId20"/>
   </p:notesMasterIdLst>
   <p:sldIdLst>
     <p:sldId id="257" r:id="rId2"/>
@@ -18,10 +18,14 @@
     <p:sldId id="275" r:id="rId9"/>
     <p:sldId id="274" r:id="rId10"/>
     <p:sldId id="276" r:id="rId11"/>
-    <p:sldId id="266" r:id="rId12"/>
-    <p:sldId id="267" r:id="rId13"/>
-    <p:sldId id="271" r:id="rId14"/>
-    <p:sldId id="269" r:id="rId15"/>
+    <p:sldId id="277" r:id="rId12"/>
+    <p:sldId id="278" r:id="rId13"/>
+    <p:sldId id="279" r:id="rId14"/>
+    <p:sldId id="280" r:id="rId15"/>
+    <p:sldId id="266" r:id="rId16"/>
+    <p:sldId id="267" r:id="rId17"/>
+    <p:sldId id="271" r:id="rId18"/>
+    <p:sldId id="269" r:id="rId19"/>
   </p:sldIdLst>
   <p:sldSz cx="9144000" cy="6858000" type="screen4x3"/>
   <p:notesSz cx="6858000" cy="9144000"/>
@@ -205,7 +209,7 @@
           <a:p>
             <a:fld id="{22755D2D-59CF-4BBB-BD3B-BC44C21BF44E}" type="datetimeFigureOut">
               <a:rPr lang="tr-TR" smtClean="0"/>
-              <a:t>18.6.2015</a:t>
+              <a:t>20.06.2015</a:t>
             </a:fld>
             <a:endParaRPr lang="tr-TR"/>
           </a:p>
@@ -769,191 +773,40 @@
           <a:p>
             <a:r>
               <a:rPr lang="tr-TR" dirty="0" smtClean="0"/>
-              <a:t>Web sayfasının</a:t>
+              <a:t>Karakter</a:t>
             </a:r>
             <a:r>
               <a:rPr lang="tr-TR" baseline="0" dirty="0" smtClean="0"/>
-              <a:t> görüntülenebilmesi ve sayfa içeriği ile etkileşim sağlanması için </a:t>
-            </a:r>
-            <a:r>
-              <a:rPr lang="tr-TR" b="1" baseline="0" dirty="0" err="1" smtClean="0"/>
-              <a:t>bildirimsel</a:t>
-            </a:r>
-            <a:r>
-              <a:rPr lang="tr-TR" baseline="0" dirty="0" smtClean="0"/>
-              <a:t> (</a:t>
-            </a:r>
-            <a:r>
-              <a:rPr lang="tr-TR" b="1" baseline="0" dirty="0" err="1" smtClean="0"/>
-              <a:t>declarative</a:t>
-            </a:r>
-            <a:r>
-              <a:rPr lang="tr-TR" baseline="0" dirty="0" smtClean="0"/>
-              <a:t>) olarak ifade edilen </a:t>
-            </a:r>
-            <a:r>
-              <a:rPr lang="tr-TR" b="1" baseline="0" dirty="0" smtClean="0"/>
-              <a:t>sayfa içeriği</a:t>
-            </a:r>
-            <a:r>
-              <a:rPr lang="tr-TR" baseline="0" dirty="0" smtClean="0"/>
-              <a:t>nin (</a:t>
-            </a:r>
-            <a:r>
-              <a:rPr lang="tr-TR" b="1" baseline="0" dirty="0" err="1" smtClean="0"/>
-              <a:t>page</a:t>
-            </a:r>
-            <a:r>
-              <a:rPr lang="tr-TR" b="1" baseline="0" dirty="0" smtClean="0"/>
-              <a:t> </a:t>
-            </a:r>
-            <a:r>
-              <a:rPr lang="tr-TR" b="1" baseline="0" dirty="0" err="1" smtClean="0"/>
-              <a:t>content</a:t>
-            </a:r>
-            <a:r>
-              <a:rPr lang="tr-TR" baseline="0" dirty="0" smtClean="0"/>
-              <a:t>) tarayıcının üzerinde çalışabileceği </a:t>
-            </a:r>
-            <a:r>
-              <a:rPr lang="tr-TR" b="1" baseline="0" dirty="0" smtClean="0"/>
-              <a:t>i</a:t>
-            </a:r>
-            <a:r>
-              <a:rPr lang="tr-TR" b="1" dirty="0" smtClean="0"/>
-              <a:t>çsel sunum</a:t>
-            </a:r>
-            <a:r>
-              <a:rPr lang="tr-TR" dirty="0" smtClean="0"/>
-              <a:t>a (</a:t>
-            </a:r>
-            <a:r>
-              <a:rPr lang="tr-TR" b="1" dirty="0" err="1" smtClean="0"/>
-              <a:t>internal</a:t>
-            </a:r>
-            <a:r>
-              <a:rPr lang="tr-TR" b="1" dirty="0" smtClean="0"/>
-              <a:t> </a:t>
-            </a:r>
-            <a:r>
-              <a:rPr lang="tr-TR" b="1" dirty="0" err="1" smtClean="0"/>
-              <a:t>representation</a:t>
-            </a:r>
-            <a:r>
-              <a:rPr lang="tr-TR" dirty="0" smtClean="0"/>
-              <a:t>) dönüştürülmüş</a:t>
-            </a:r>
-            <a:r>
-              <a:rPr lang="tr-TR" baseline="0" dirty="0" smtClean="0"/>
-              <a:t> halidir.</a:t>
-            </a:r>
-          </a:p>
-          <a:p>
-            <a:endParaRPr lang="tr-TR" baseline="0" dirty="0" smtClean="0"/>
-          </a:p>
-          <a:p>
-            <a:r>
-              <a:rPr lang="tr-TR" baseline="0" dirty="0" err="1" smtClean="0"/>
-              <a:t>bildirimsel</a:t>
-            </a:r>
-            <a:r>
-              <a:rPr lang="tr-TR" baseline="0" dirty="0" smtClean="0"/>
-              <a:t> olarak ifade edilen DOM nesneleri (</a:t>
-            </a:r>
-            <a:r>
-              <a:rPr lang="tr-TR" b="1" baseline="0" dirty="0" smtClean="0"/>
-              <a:t>DOM </a:t>
-            </a:r>
-            <a:r>
-              <a:rPr lang="tr-TR" b="1" baseline="0" dirty="0" err="1" smtClean="0"/>
-              <a:t>objects</a:t>
-            </a:r>
-            <a:r>
-              <a:rPr lang="tr-TR" baseline="0" dirty="0" smtClean="0"/>
-              <a:t>)</a:t>
-            </a:r>
-          </a:p>
-          <a:p>
-            <a:pPr marL="171450" indent="-171450">
-              <a:buFont typeface="Arial" charset="0"/>
-              <a:buChar char="•"/>
-            </a:pPr>
-            <a:r>
-              <a:rPr lang="tr-TR" baseline="0" dirty="0" smtClean="0"/>
-              <a:t>html elemanları ve </a:t>
-            </a:r>
-            <a:r>
-              <a:rPr lang="tr-TR" baseline="0" dirty="0" err="1" smtClean="0"/>
-              <a:t>style'lar</a:t>
-            </a:r>
-            <a:r>
-              <a:rPr lang="tr-TR" baseline="0" dirty="0" smtClean="0"/>
-              <a:t> (</a:t>
-            </a:r>
-            <a:r>
-              <a:rPr lang="tr-TR" baseline="0" dirty="0" err="1" smtClean="0"/>
-              <a:t>nod'lar</a:t>
-            </a:r>
-            <a:r>
-              <a:rPr lang="tr-TR" baseline="0" dirty="0" smtClean="0"/>
-              <a:t>: element, </a:t>
-            </a:r>
-            <a:r>
-              <a:rPr lang="tr-TR" baseline="0" dirty="0" err="1" smtClean="0"/>
-              <a:t>attribute</a:t>
-            </a:r>
-            <a:r>
-              <a:rPr lang="tr-TR" baseline="0" dirty="0" smtClean="0"/>
-              <a:t>, </a:t>
-            </a:r>
-            <a:r>
-              <a:rPr lang="tr-TR" baseline="0" dirty="0" err="1" smtClean="0"/>
-              <a:t>text</a:t>
-            </a:r>
-            <a:r>
-              <a:rPr lang="tr-TR" baseline="0" dirty="0" smtClean="0"/>
-              <a:t>, </a:t>
-            </a:r>
-            <a:r>
-              <a:rPr lang="tr-TR" baseline="0" dirty="0" err="1" smtClean="0"/>
-              <a:t>comment</a:t>
-            </a:r>
-            <a:r>
-              <a:rPr lang="tr-TR" baseline="0" dirty="0" smtClean="0"/>
-              <a:t>, </a:t>
-            </a:r>
-            <a:r>
-              <a:rPr lang="tr-TR" baseline="0" dirty="0" err="1" smtClean="0"/>
-              <a:t>event</a:t>
-            </a:r>
-            <a:r>
-              <a:rPr lang="tr-TR" baseline="0" dirty="0" smtClean="0"/>
-              <a:t>)</a:t>
-            </a:r>
-          </a:p>
-          <a:p>
-            <a:pPr marL="0" indent="0">
-              <a:buFont typeface="Arial" charset="0"/>
-              <a:buNone/>
-            </a:pPr>
-            <a:endParaRPr lang="tr-TR" baseline="0" dirty="0" smtClean="0"/>
-          </a:p>
-          <a:p>
-            <a:endParaRPr lang="tr-TR" baseline="0" dirty="0" smtClean="0"/>
-          </a:p>
-          <a:p>
-            <a:r>
-              <a:rPr lang="tr-TR" baseline="0" dirty="0" smtClean="0"/>
-              <a:t>DOM</a:t>
-            </a:r>
-          </a:p>
-          <a:p>
-            <a:r>
-              <a:rPr lang="tr-TR" baseline="0" dirty="0" smtClean="0"/>
-              <a:t>http://www.w3.org/DOM</a:t>
-            </a:r>
-          </a:p>
-          <a:p>
+              <a:t> kodlama</a:t>
+            </a:r>
+            <a:endParaRPr lang="tr-TR" dirty="0" smtClean="0"/>
+          </a:p>
+          <a:p>
+            <a:r>
+              <a:rPr lang="en-US" dirty="0" smtClean="0"/>
+              <a:t>Choosing &amp; applying a character encoding</a:t>
+            </a:r>
+          </a:p>
+          <a:p>
+            <a:r>
+              <a:rPr lang="en-US" dirty="0" smtClean="0"/>
+              <a:t>  https://www.w3.org/International/questions/qa-choosing-encodings</a:t>
+            </a:r>
+          </a:p>
+          <a:p>
+            <a:endParaRPr lang="en-US" dirty="0" smtClean="0"/>
+          </a:p>
+          <a:p>
+            <a:r>
+              <a:rPr lang="en-US" dirty="0" smtClean="0"/>
+              <a:t>BOM (Byte Order Mark)  </a:t>
+            </a:r>
+          </a:p>
+          <a:p>
+            <a:r>
+              <a:rPr lang="en-US" dirty="0" smtClean="0"/>
+              <a:t>  http://www.w3.org/International/questions/qa-byte-order-mark.en.php</a:t>
+            </a:r>
             <a:endParaRPr lang="tr-TR" dirty="0"/>
           </a:p>
         </p:txBody>
@@ -984,7 +837,7 @@
     </p:spTree>
     <p:extLst>
       <p:ext uri="{BB962C8B-B14F-4D97-AF65-F5344CB8AC3E}">
-        <p14:creationId xmlns:p14="http://schemas.microsoft.com/office/powerpoint/2010/main" val="2693122929"/>
+        <p14:creationId xmlns:p14="http://schemas.microsoft.com/office/powerpoint/2010/main" val="3205711029"/>
       </p:ext>
     </p:extLst>
   </p:cSld>
@@ -1040,14 +893,191 @@
           <a:p>
             <a:r>
               <a:rPr lang="tr-TR" dirty="0" smtClean="0"/>
-              <a:t>http://www.tutorialspoint.com/javascript/javascript_html_dom.htm</a:t>
-            </a:r>
-          </a:p>
-          <a:p>
+              <a:t>Web sayfasının</a:t>
+            </a:r>
+            <a:r>
+              <a:rPr lang="tr-TR" baseline="0" dirty="0" smtClean="0"/>
+              <a:t> görüntülenebilmesi ve sayfa içeriği ile etkileşim sağlanması için </a:t>
+            </a:r>
+            <a:r>
+              <a:rPr lang="tr-TR" b="1" baseline="0" dirty="0" err="1" smtClean="0"/>
+              <a:t>bildirimsel</a:t>
+            </a:r>
+            <a:r>
+              <a:rPr lang="tr-TR" baseline="0" dirty="0" smtClean="0"/>
+              <a:t> (</a:t>
+            </a:r>
+            <a:r>
+              <a:rPr lang="tr-TR" b="1" baseline="0" dirty="0" err="1" smtClean="0"/>
+              <a:t>declarative</a:t>
+            </a:r>
+            <a:r>
+              <a:rPr lang="tr-TR" baseline="0" dirty="0" smtClean="0"/>
+              <a:t>) olarak ifade edilen </a:t>
+            </a:r>
+            <a:r>
+              <a:rPr lang="tr-TR" b="1" baseline="0" dirty="0" smtClean="0"/>
+              <a:t>sayfa içeriği</a:t>
+            </a:r>
+            <a:r>
+              <a:rPr lang="tr-TR" baseline="0" dirty="0" smtClean="0"/>
+              <a:t>nin (</a:t>
+            </a:r>
+            <a:r>
+              <a:rPr lang="tr-TR" b="1" baseline="0" dirty="0" err="1" smtClean="0"/>
+              <a:t>page</a:t>
+            </a:r>
+            <a:r>
+              <a:rPr lang="tr-TR" b="1" baseline="0" dirty="0" smtClean="0"/>
+              <a:t> </a:t>
+            </a:r>
+            <a:r>
+              <a:rPr lang="tr-TR" b="1" baseline="0" dirty="0" err="1" smtClean="0"/>
+              <a:t>content</a:t>
+            </a:r>
+            <a:r>
+              <a:rPr lang="tr-TR" baseline="0" dirty="0" smtClean="0"/>
+              <a:t>) tarayıcının üzerinde çalışabileceği </a:t>
+            </a:r>
+            <a:r>
+              <a:rPr lang="tr-TR" b="1" baseline="0" dirty="0" smtClean="0"/>
+              <a:t>i</a:t>
+            </a:r>
+            <a:r>
+              <a:rPr lang="tr-TR" b="1" dirty="0" smtClean="0"/>
+              <a:t>çsel sunum</a:t>
+            </a:r>
             <a:r>
               <a:rPr lang="tr-TR" dirty="0" smtClean="0"/>
-              <a:t>https://developer.mozilla.org/en-US/docs/Web/API/Document_Object_Model</a:t>
-            </a:r>
+              <a:t>a (</a:t>
+            </a:r>
+            <a:r>
+              <a:rPr lang="tr-TR" b="1" dirty="0" err="1" smtClean="0"/>
+              <a:t>internal</a:t>
+            </a:r>
+            <a:r>
+              <a:rPr lang="tr-TR" b="1" dirty="0" smtClean="0"/>
+              <a:t> </a:t>
+            </a:r>
+            <a:r>
+              <a:rPr lang="tr-TR" b="1" dirty="0" err="1" smtClean="0"/>
+              <a:t>representation</a:t>
+            </a:r>
+            <a:r>
+              <a:rPr lang="tr-TR" dirty="0" smtClean="0"/>
+              <a:t>) dönüştürülmüş</a:t>
+            </a:r>
+            <a:r>
+              <a:rPr lang="tr-TR" baseline="0" dirty="0" smtClean="0"/>
+              <a:t> halidir.</a:t>
+            </a:r>
+          </a:p>
+          <a:p>
+            <a:endParaRPr lang="tr-TR" baseline="0" dirty="0" smtClean="0"/>
+          </a:p>
+          <a:p>
+            <a:r>
+              <a:rPr lang="tr-TR" baseline="0" dirty="0" err="1" smtClean="0"/>
+              <a:t>bildirimsel</a:t>
+            </a:r>
+            <a:r>
+              <a:rPr lang="tr-TR" baseline="0" dirty="0" smtClean="0"/>
+              <a:t> olarak ifade edilen DOM nesneleri (</a:t>
+            </a:r>
+            <a:r>
+              <a:rPr lang="tr-TR" b="1" baseline="0" dirty="0" smtClean="0"/>
+              <a:t>DOM </a:t>
+            </a:r>
+            <a:r>
+              <a:rPr lang="tr-TR" b="1" baseline="0" dirty="0" err="1" smtClean="0"/>
+              <a:t>objects</a:t>
+            </a:r>
+            <a:r>
+              <a:rPr lang="tr-TR" baseline="0" dirty="0" smtClean="0"/>
+              <a:t>)</a:t>
+            </a:r>
+          </a:p>
+          <a:p>
+            <a:pPr marL="171450" indent="-171450">
+              <a:buFont typeface="Arial" charset="0"/>
+              <a:buChar char="•"/>
+            </a:pPr>
+            <a:r>
+              <a:rPr lang="tr-TR" baseline="0" dirty="0" smtClean="0"/>
+              <a:t>html elemanları ve </a:t>
+            </a:r>
+            <a:r>
+              <a:rPr lang="tr-TR" baseline="0" dirty="0" err="1" smtClean="0"/>
+              <a:t>style'lar</a:t>
+            </a:r>
+            <a:r>
+              <a:rPr lang="tr-TR" baseline="0" dirty="0" smtClean="0"/>
+              <a:t> (</a:t>
+            </a:r>
+            <a:r>
+              <a:rPr lang="tr-TR" baseline="0" dirty="0" err="1" smtClean="0"/>
+              <a:t>nod'lar</a:t>
+            </a:r>
+            <a:r>
+              <a:rPr lang="tr-TR" baseline="0" dirty="0" smtClean="0"/>
+              <a:t>: element, </a:t>
+            </a:r>
+            <a:r>
+              <a:rPr lang="tr-TR" baseline="0" dirty="0" err="1" smtClean="0"/>
+              <a:t>attribute</a:t>
+            </a:r>
+            <a:r>
+              <a:rPr lang="tr-TR" baseline="0" dirty="0" smtClean="0"/>
+              <a:t>, </a:t>
+            </a:r>
+            <a:r>
+              <a:rPr lang="tr-TR" baseline="0" dirty="0" err="1" smtClean="0"/>
+              <a:t>text</a:t>
+            </a:r>
+            <a:r>
+              <a:rPr lang="tr-TR" baseline="0" dirty="0" smtClean="0"/>
+              <a:t>, </a:t>
+            </a:r>
+            <a:r>
+              <a:rPr lang="tr-TR" baseline="0" dirty="0" err="1" smtClean="0"/>
+              <a:t>comment</a:t>
+            </a:r>
+            <a:r>
+              <a:rPr lang="tr-TR" baseline="0" dirty="0" smtClean="0"/>
+              <a:t>, </a:t>
+            </a:r>
+            <a:r>
+              <a:rPr lang="tr-TR" baseline="0" dirty="0" err="1" smtClean="0"/>
+              <a:t>event</a:t>
+            </a:r>
+            <a:r>
+              <a:rPr lang="tr-TR" baseline="0" dirty="0" smtClean="0"/>
+              <a:t>)</a:t>
+            </a:r>
+          </a:p>
+          <a:p>
+            <a:pPr marL="0" indent="0">
+              <a:buFont typeface="Arial" charset="0"/>
+              <a:buNone/>
+            </a:pPr>
+            <a:endParaRPr lang="tr-TR" baseline="0" dirty="0" smtClean="0"/>
+          </a:p>
+          <a:p>
+            <a:endParaRPr lang="tr-TR" baseline="0" dirty="0" smtClean="0"/>
+          </a:p>
+          <a:p>
+            <a:r>
+              <a:rPr lang="tr-TR" baseline="0" dirty="0" smtClean="0"/>
+              <a:t>DOM</a:t>
+            </a:r>
+          </a:p>
+          <a:p>
+            <a:r>
+              <a:rPr lang="tr-TR" baseline="0" dirty="0" smtClean="0"/>
+              <a:t>http://www.w3.org/DOM</a:t>
+            </a:r>
+          </a:p>
+          <a:p>
             <a:endParaRPr lang="tr-TR" dirty="0"/>
           </a:p>
         </p:txBody>
@@ -1069,7 +1099,7 @@
           <a:p>
             <a:fld id="{5DE05AF9-BE5B-4DB2-802A-F4F6F231D690}" type="slidenum">
               <a:rPr lang="tr-TR" smtClean="0"/>
-              <a:t>12</a:t>
+              <a:t>15</a:t>
             </a:fld>
             <a:endParaRPr lang="tr-TR"/>
           </a:p>
@@ -1078,7 +1108,7 @@
     </p:spTree>
     <p:extLst>
       <p:ext uri="{BB962C8B-B14F-4D97-AF65-F5344CB8AC3E}">
-        <p14:creationId xmlns:p14="http://schemas.microsoft.com/office/powerpoint/2010/main" val="833137321"/>
+        <p14:creationId xmlns:p14="http://schemas.microsoft.com/office/powerpoint/2010/main" val="2693122929"/>
       </p:ext>
     </p:extLst>
   </p:cSld>
@@ -1140,17 +1170,7 @@
           <a:p>
             <a:r>
               <a:rPr lang="tr-TR" dirty="0" smtClean="0"/>
-              <a:t>https://</a:t>
-            </a:r>
-            <a:r>
-              <a:rPr lang="tr-TR" dirty="0" smtClean="0"/>
-              <a:t>developer.mozilla.org/en-US/docs/Web/API/Document_Object_Model</a:t>
-            </a:r>
-          </a:p>
-          <a:p>
-            <a:r>
-              <a:rPr lang="tr-TR" dirty="0" smtClean="0"/>
-              <a:t>http://www.w3.org/DOM/</a:t>
+              <a:t>https://developer.mozilla.org/en-US/docs/Web/API/Document_Object_Model</a:t>
             </a:r>
             <a:endParaRPr lang="tr-TR" dirty="0"/>
           </a:p>
@@ -1173,7 +1193,7 @@
           <a:p>
             <a:fld id="{5DE05AF9-BE5B-4DB2-802A-F4F6F231D690}" type="slidenum">
               <a:rPr lang="tr-TR" smtClean="0"/>
-              <a:t>13</a:t>
+              <a:t>16</a:t>
             </a:fld>
             <a:endParaRPr lang="tr-TR"/>
           </a:p>
@@ -1246,6 +1266,12 @@
               <a:rPr lang="tr-TR" dirty="0" smtClean="0"/>
               <a:t>https://developer.mozilla.org/en-US/docs/Web/API/Document_Object_Model</a:t>
             </a:r>
+          </a:p>
+          <a:p>
+            <a:r>
+              <a:rPr lang="tr-TR" dirty="0" smtClean="0"/>
+              <a:t>http://www.w3.org/DOM/</a:t>
+            </a:r>
             <a:endParaRPr lang="tr-TR" dirty="0"/>
           </a:p>
         </p:txBody>
@@ -1267,7 +1293,101 @@
           <a:p>
             <a:fld id="{5DE05AF9-BE5B-4DB2-802A-F4F6F231D690}" type="slidenum">
               <a:rPr lang="tr-TR" smtClean="0"/>
-              <a:t>14</a:t>
+              <a:t>17</a:t>
+            </a:fld>
+            <a:endParaRPr lang="tr-TR"/>
+          </a:p>
+        </p:txBody>
+      </p:sp>
+    </p:spTree>
+    <p:extLst>
+      <p:ext uri="{BB962C8B-B14F-4D97-AF65-F5344CB8AC3E}">
+        <p14:creationId xmlns:p14="http://schemas.microsoft.com/office/powerpoint/2010/main" val="833137321"/>
+      </p:ext>
+    </p:extLst>
+  </p:cSld>
+  <p:clrMapOvr>
+    <a:masterClrMapping/>
+  </p:clrMapOvr>
+</p:notes>
+</file>
+
+<file path=ppt/notesSlides/notesSlide7.xml><?xml version="1.0" encoding="utf-8"?>
+<p:notes xmlns:a="http://schemas.openxmlformats.org/drawingml/2006/main" xmlns:r="http://schemas.openxmlformats.org/officeDocument/2006/relationships" xmlns:p="http://schemas.openxmlformats.org/presentationml/2006/main">
+  <p:cSld>
+    <p:spTree>
+      <p:nvGrpSpPr>
+        <p:cNvPr id="1" name=""/>
+        <p:cNvGrpSpPr/>
+        <p:nvPr/>
+      </p:nvGrpSpPr>
+      <p:grpSpPr>
+        <a:xfrm>
+          <a:off x="0" y="0"/>
+          <a:ext cx="0" cy="0"/>
+          <a:chOff x="0" y="0"/>
+          <a:chExt cx="0" cy="0"/>
+        </a:xfrm>
+      </p:grpSpPr>
+      <p:sp>
+        <p:nvSpPr>
+          <p:cNvPr id="2" name="Slayt Görüntüsü Yer Tutucusu 1"/>
+          <p:cNvSpPr>
+            <a:spLocks noGrp="1" noRot="1" noChangeAspect="1"/>
+          </p:cNvSpPr>
+          <p:nvPr>
+            <p:ph type="sldImg"/>
+          </p:nvPr>
+        </p:nvSpPr>
+        <p:spPr/>
+      </p:sp>
+      <p:sp>
+        <p:nvSpPr>
+          <p:cNvPr id="3" name="Not Yer Tutucusu 2"/>
+          <p:cNvSpPr>
+            <a:spLocks noGrp="1"/>
+          </p:cNvSpPr>
+          <p:nvPr>
+            <p:ph type="body" idx="1"/>
+          </p:nvPr>
+        </p:nvSpPr>
+        <p:spPr/>
+        <p:txBody>
+          <a:bodyPr/>
+          <a:lstStyle/>
+          <a:p>
+            <a:r>
+              <a:rPr lang="tr-TR" dirty="0" smtClean="0"/>
+              <a:t>http://www.tutorialspoint.com/javascript/javascript_html_dom.htm</a:t>
+            </a:r>
+          </a:p>
+          <a:p>
+            <a:r>
+              <a:rPr lang="tr-TR" dirty="0" smtClean="0"/>
+              <a:t>https://developer.mozilla.org/en-US/docs/Web/API/Document_Object_Model</a:t>
+            </a:r>
+            <a:endParaRPr lang="tr-TR" dirty="0"/>
+          </a:p>
+        </p:txBody>
+      </p:sp>
+      <p:sp>
+        <p:nvSpPr>
+          <p:cNvPr id="4" name="Slayt Numarası Yer Tutucusu 3"/>
+          <p:cNvSpPr>
+            <a:spLocks noGrp="1"/>
+          </p:cNvSpPr>
+          <p:nvPr>
+            <p:ph type="sldNum" sz="quarter" idx="10"/>
+          </p:nvPr>
+        </p:nvSpPr>
+        <p:spPr/>
+        <p:txBody>
+          <a:bodyPr/>
+          <a:lstStyle/>
+          <a:p>
+            <a:fld id="{5DE05AF9-BE5B-4DB2-802A-F4F6F231D690}" type="slidenum">
+              <a:rPr lang="tr-TR" smtClean="0"/>
+              <a:t>18</a:t>
             </a:fld>
             <a:endParaRPr lang="tr-TR"/>
           </a:p>
@@ -1467,7 +1587,7 @@
           <a:p>
             <a:fld id="{8B42BDD8-1597-4FFD-A740-152FF39E48FC}" type="datetimeFigureOut">
               <a:rPr lang="tr-TR" smtClean="0"/>
-              <a:t>18.6.2015</a:t>
+              <a:t>20.06.2015</a:t>
             </a:fld>
             <a:endParaRPr lang="tr-TR"/>
           </a:p>
@@ -1637,7 +1757,7 @@
           <a:p>
             <a:fld id="{8B42BDD8-1597-4FFD-A740-152FF39E48FC}" type="datetimeFigureOut">
               <a:rPr lang="tr-TR" smtClean="0"/>
-              <a:t>18.6.2015</a:t>
+              <a:t>20.06.2015</a:t>
             </a:fld>
             <a:endParaRPr lang="tr-TR"/>
           </a:p>
@@ -1817,7 +1937,7 @@
           <a:p>
             <a:fld id="{8B42BDD8-1597-4FFD-A740-152FF39E48FC}" type="datetimeFigureOut">
               <a:rPr lang="tr-TR" smtClean="0"/>
-              <a:t>18.6.2015</a:t>
+              <a:t>20.06.2015</a:t>
             </a:fld>
             <a:endParaRPr lang="tr-TR"/>
           </a:p>
@@ -1987,7 +2107,7 @@
           <a:p>
             <a:fld id="{8B42BDD8-1597-4FFD-A740-152FF39E48FC}" type="datetimeFigureOut">
               <a:rPr lang="tr-TR" smtClean="0"/>
-              <a:t>18.6.2015</a:t>
+              <a:t>20.06.2015</a:t>
             </a:fld>
             <a:endParaRPr lang="tr-TR"/>
           </a:p>
@@ -2233,7 +2353,7 @@
           <a:p>
             <a:fld id="{8B42BDD8-1597-4FFD-A740-152FF39E48FC}" type="datetimeFigureOut">
               <a:rPr lang="tr-TR" smtClean="0"/>
-              <a:t>18.6.2015</a:t>
+              <a:t>20.06.2015</a:t>
             </a:fld>
             <a:endParaRPr lang="tr-TR"/>
           </a:p>
@@ -2521,7 +2641,7 @@
           <a:p>
             <a:fld id="{8B42BDD8-1597-4FFD-A740-152FF39E48FC}" type="datetimeFigureOut">
               <a:rPr lang="tr-TR" smtClean="0"/>
-              <a:t>18.6.2015</a:t>
+              <a:t>20.06.2015</a:t>
             </a:fld>
             <a:endParaRPr lang="tr-TR"/>
           </a:p>
@@ -2943,7 +3063,7 @@
           <a:p>
             <a:fld id="{8B42BDD8-1597-4FFD-A740-152FF39E48FC}" type="datetimeFigureOut">
               <a:rPr lang="tr-TR" smtClean="0"/>
-              <a:t>18.6.2015</a:t>
+              <a:t>20.06.2015</a:t>
             </a:fld>
             <a:endParaRPr lang="tr-TR"/>
           </a:p>
@@ -3061,7 +3181,7 @@
           <a:p>
             <a:fld id="{8B42BDD8-1597-4FFD-A740-152FF39E48FC}" type="datetimeFigureOut">
               <a:rPr lang="tr-TR" smtClean="0"/>
-              <a:t>18.6.2015</a:t>
+              <a:t>20.06.2015</a:t>
             </a:fld>
             <a:endParaRPr lang="tr-TR"/>
           </a:p>
@@ -3156,7 +3276,7 @@
           <a:p>
             <a:fld id="{8B42BDD8-1597-4FFD-A740-152FF39E48FC}" type="datetimeFigureOut">
               <a:rPr lang="tr-TR" smtClean="0"/>
-              <a:t>18.6.2015</a:t>
+              <a:t>20.06.2015</a:t>
             </a:fld>
             <a:endParaRPr lang="tr-TR"/>
           </a:p>
@@ -3433,7 +3553,7 @@
           <a:p>
             <a:fld id="{8B42BDD8-1597-4FFD-A740-152FF39E48FC}" type="datetimeFigureOut">
               <a:rPr lang="tr-TR" smtClean="0"/>
-              <a:t>18.6.2015</a:t>
+              <a:t>20.06.2015</a:t>
             </a:fld>
             <a:endParaRPr lang="tr-TR"/>
           </a:p>
@@ -3686,7 +3806,7 @@
           <a:p>
             <a:fld id="{8B42BDD8-1597-4FFD-A740-152FF39E48FC}" type="datetimeFigureOut">
               <a:rPr lang="tr-TR" smtClean="0"/>
-              <a:t>18.6.2015</a:t>
+              <a:t>20.06.2015</a:t>
             </a:fld>
             <a:endParaRPr lang="tr-TR"/>
           </a:p>
@@ -3899,7 +4019,7 @@
           <a:p>
             <a:fld id="{8B42BDD8-1597-4FFD-A740-152FF39E48FC}" type="datetimeFigureOut">
               <a:rPr lang="tr-TR" smtClean="0"/>
-              <a:t>18.6.2015</a:t>
+              <a:t>20.06.2015</a:t>
             </a:fld>
             <a:endParaRPr lang="tr-TR"/>
           </a:p>
@@ -5193,6 +5313,687 @@
           <a:chExt cx="0" cy="0"/>
         </a:xfrm>
       </p:grpSpPr>
+      <p:pic>
+        <p:nvPicPr>
+          <p:cNvPr id="2" name="Resim 1"/>
+          <p:cNvPicPr>
+            <a:picLocks noChangeAspect="1"/>
+          </p:cNvPicPr>
+          <p:nvPr/>
+        </p:nvPicPr>
+        <p:blipFill>
+          <a:blip r:embed="rId3">
+            <a:extLst>
+              <a:ext uri="{28A0092B-C50C-407E-A947-70E740481C1C}">
+                <a14:useLocalDpi xmlns:a14="http://schemas.microsoft.com/office/drawing/2010/main" val="0"/>
+              </a:ext>
+            </a:extLst>
+          </a:blip>
+          <a:stretch>
+            <a:fillRect/>
+          </a:stretch>
+        </p:blipFill>
+        <p:spPr>
+          <a:xfrm>
+            <a:off x="316720" y="2276872"/>
+            <a:ext cx="8487872" cy="4320480"/>
+          </a:xfrm>
+          <a:prstGeom prst="rect">
+            <a:avLst/>
+          </a:prstGeom>
+        </p:spPr>
+      </p:pic>
+      <p:sp>
+        <p:nvSpPr>
+          <p:cNvPr id="3" name="Başlık 1"/>
+          <p:cNvSpPr txBox="1">
+            <a:spLocks/>
+          </p:cNvSpPr>
+          <p:nvPr/>
+        </p:nvSpPr>
+        <p:spPr>
+          <a:xfrm>
+            <a:off x="457200" y="274638"/>
+            <a:ext cx="8229600" cy="1426170"/>
+          </a:xfrm>
+          <a:prstGeom prst="rect">
+            <a:avLst/>
+          </a:prstGeom>
+        </p:spPr>
+        <p:txBody>
+          <a:bodyPr/>
+          <a:lstStyle>
+            <a:lvl1pPr algn="ctr" defTabSz="914400" rtl="0" eaLnBrk="1" latinLnBrk="0" hangingPunct="1">
+              <a:spcBef>
+                <a:spcPct val="0"/>
+              </a:spcBef>
+              <a:buNone/>
+              <a:defRPr sz="4400" kern="1200">
+                <a:solidFill>
+                  <a:schemeClr val="tx1"/>
+                </a:solidFill>
+                <a:latin typeface="+mj-lt"/>
+                <a:ea typeface="+mj-ea"/>
+                <a:cs typeface="+mj-cs"/>
+              </a:defRPr>
+            </a:lvl1pPr>
+          </a:lstStyle>
+          <a:p>
+            <a:r>
+              <a:rPr lang="tr-TR" dirty="0" err="1" smtClean="0"/>
+              <a:t>Byte</a:t>
+            </a:r>
+            <a:r>
+              <a:rPr lang="tr-TR" dirty="0" smtClean="0"/>
+              <a:t> Sıra Damgası</a:t>
+            </a:r>
+            <a:endParaRPr lang="tr-TR" dirty="0" smtClean="0"/>
+          </a:p>
+          <a:p>
+            <a:r>
+              <a:rPr lang="tr-TR" b="1" dirty="0" err="1" smtClean="0"/>
+              <a:t>Byte</a:t>
+            </a:r>
+            <a:r>
+              <a:rPr lang="tr-TR" b="1" dirty="0" smtClean="0"/>
+              <a:t> </a:t>
+            </a:r>
+            <a:r>
+              <a:rPr lang="tr-TR" b="1" dirty="0" err="1" smtClean="0"/>
+              <a:t>Order</a:t>
+            </a:r>
+            <a:r>
+              <a:rPr lang="tr-TR" b="1" dirty="0" smtClean="0"/>
+              <a:t> Mark (BOM)</a:t>
+            </a:r>
+            <a:endParaRPr lang="tr-TR" b="1" dirty="0" smtClean="0"/>
+          </a:p>
+        </p:txBody>
+      </p:sp>
+    </p:spTree>
+    <p:extLst>
+      <p:ext uri="{BB962C8B-B14F-4D97-AF65-F5344CB8AC3E}">
+        <p14:creationId xmlns:p14="http://schemas.microsoft.com/office/powerpoint/2010/main" val="191641860"/>
+      </p:ext>
+    </p:extLst>
+  </p:cSld>
+  <p:clrMapOvr>
+    <a:masterClrMapping/>
+  </p:clrMapOvr>
+</p:sld>
+</file>
+
+<file path=ppt/slides/slide12.xml><?xml version="1.0" encoding="utf-8"?>
+<p:sld xmlns:a="http://schemas.openxmlformats.org/drawingml/2006/main" xmlns:r="http://schemas.openxmlformats.org/officeDocument/2006/relationships" xmlns:p="http://schemas.openxmlformats.org/presentationml/2006/main">
+  <p:cSld>
+    <p:spTree>
+      <p:nvGrpSpPr>
+        <p:cNvPr id="1" name=""/>
+        <p:cNvGrpSpPr/>
+        <p:nvPr/>
+      </p:nvGrpSpPr>
+      <p:grpSpPr>
+        <a:xfrm>
+          <a:off x="0" y="0"/>
+          <a:ext cx="0" cy="0"/>
+          <a:chOff x="0" y="0"/>
+          <a:chExt cx="0" cy="0"/>
+        </a:xfrm>
+      </p:grpSpPr>
+      <p:sp>
+        <p:nvSpPr>
+          <p:cNvPr id="2" name="Başlık 1"/>
+          <p:cNvSpPr txBox="1">
+            <a:spLocks/>
+          </p:cNvSpPr>
+          <p:nvPr/>
+        </p:nvSpPr>
+        <p:spPr>
+          <a:xfrm>
+            <a:off x="457200" y="274638"/>
+            <a:ext cx="8229600" cy="1426170"/>
+          </a:xfrm>
+          <a:prstGeom prst="rect">
+            <a:avLst/>
+          </a:prstGeom>
+        </p:spPr>
+        <p:txBody>
+          <a:bodyPr/>
+          <a:lstStyle>
+            <a:lvl1pPr algn="ctr" defTabSz="914400" rtl="0" eaLnBrk="1" latinLnBrk="0" hangingPunct="1">
+              <a:spcBef>
+                <a:spcPct val="0"/>
+              </a:spcBef>
+              <a:buNone/>
+              <a:defRPr sz="4400" kern="1200">
+                <a:solidFill>
+                  <a:schemeClr val="tx1"/>
+                </a:solidFill>
+                <a:latin typeface="+mj-lt"/>
+                <a:ea typeface="+mj-ea"/>
+                <a:cs typeface="+mj-cs"/>
+              </a:defRPr>
+            </a:lvl1pPr>
+          </a:lstStyle>
+          <a:p>
+            <a:r>
+              <a:rPr lang="tr-TR" dirty="0" err="1" smtClean="0"/>
+              <a:t>Byte</a:t>
+            </a:r>
+            <a:r>
+              <a:rPr lang="tr-TR" dirty="0" smtClean="0"/>
+              <a:t> Sıra Damgası</a:t>
+            </a:r>
+            <a:endParaRPr lang="tr-TR" dirty="0" smtClean="0"/>
+          </a:p>
+          <a:p>
+            <a:r>
+              <a:rPr lang="tr-TR" b="1" dirty="0" err="1" smtClean="0"/>
+              <a:t>Byte</a:t>
+            </a:r>
+            <a:r>
+              <a:rPr lang="tr-TR" b="1" dirty="0" smtClean="0"/>
+              <a:t> </a:t>
+            </a:r>
+            <a:r>
+              <a:rPr lang="tr-TR" b="1" dirty="0" err="1" smtClean="0"/>
+              <a:t>Order</a:t>
+            </a:r>
+            <a:r>
+              <a:rPr lang="tr-TR" b="1" dirty="0" smtClean="0"/>
+              <a:t> Mark (BOM)</a:t>
+            </a:r>
+            <a:endParaRPr lang="tr-TR" b="1" dirty="0" smtClean="0"/>
+          </a:p>
+          <a:p>
+            <a:endParaRPr lang="tr-TR" b="1" dirty="0"/>
+          </a:p>
+        </p:txBody>
+      </p:sp>
+      <p:sp>
+        <p:nvSpPr>
+          <p:cNvPr id="4" name="İçerik Yer Tutucusu 2"/>
+          <p:cNvSpPr txBox="1">
+            <a:spLocks/>
+          </p:cNvSpPr>
+          <p:nvPr/>
+        </p:nvSpPr>
+        <p:spPr>
+          <a:xfrm>
+            <a:off x="0" y="1988840"/>
+            <a:ext cx="9144000" cy="4869160"/>
+          </a:xfrm>
+          <a:prstGeom prst="rect">
+            <a:avLst/>
+          </a:prstGeom>
+        </p:spPr>
+        <p:txBody>
+          <a:bodyPr/>
+          <a:lstStyle>
+            <a:lvl1pPr marL="342900" indent="-342900" algn="l" defTabSz="914400" rtl="0" eaLnBrk="1" latinLnBrk="0" hangingPunct="1">
+              <a:spcBef>
+                <a:spcPct val="20000"/>
+              </a:spcBef>
+              <a:buFont typeface="Arial" panose="020B0604020202020204" pitchFamily="34" charset="0"/>
+              <a:buChar char="•"/>
+              <a:defRPr sz="3200" kern="1200">
+                <a:solidFill>
+                  <a:schemeClr val="tx1"/>
+                </a:solidFill>
+                <a:latin typeface="+mn-lt"/>
+                <a:ea typeface="+mn-ea"/>
+                <a:cs typeface="+mn-cs"/>
+              </a:defRPr>
+            </a:lvl1pPr>
+            <a:lvl2pPr marL="742950" indent="-285750" algn="l" defTabSz="914400" rtl="0" eaLnBrk="1" latinLnBrk="0" hangingPunct="1">
+              <a:spcBef>
+                <a:spcPct val="20000"/>
+              </a:spcBef>
+              <a:buFont typeface="Arial" panose="020B0604020202020204" pitchFamily="34" charset="0"/>
+              <a:buChar char="–"/>
+              <a:defRPr sz="2800" kern="1200">
+                <a:solidFill>
+                  <a:schemeClr val="tx1"/>
+                </a:solidFill>
+                <a:latin typeface="+mn-lt"/>
+                <a:ea typeface="+mn-ea"/>
+                <a:cs typeface="+mn-cs"/>
+              </a:defRPr>
+            </a:lvl2pPr>
+            <a:lvl3pPr marL="1143000" indent="-228600" algn="l" defTabSz="914400" rtl="0" eaLnBrk="1" latinLnBrk="0" hangingPunct="1">
+              <a:spcBef>
+                <a:spcPct val="20000"/>
+              </a:spcBef>
+              <a:buFont typeface="Arial" panose="020B0604020202020204" pitchFamily="34" charset="0"/>
+              <a:buChar char="•"/>
+              <a:defRPr sz="2400" kern="1200">
+                <a:solidFill>
+                  <a:schemeClr val="tx1"/>
+                </a:solidFill>
+                <a:latin typeface="+mn-lt"/>
+                <a:ea typeface="+mn-ea"/>
+                <a:cs typeface="+mn-cs"/>
+              </a:defRPr>
+            </a:lvl3pPr>
+            <a:lvl4pPr marL="1600200" indent="-228600" algn="l" defTabSz="914400" rtl="0" eaLnBrk="1" latinLnBrk="0" hangingPunct="1">
+              <a:spcBef>
+                <a:spcPct val="20000"/>
+              </a:spcBef>
+              <a:buFont typeface="Arial" panose="020B0604020202020204" pitchFamily="34" charset="0"/>
+              <a:buChar char="–"/>
+              <a:defRPr sz="2000" kern="1200">
+                <a:solidFill>
+                  <a:schemeClr val="tx1"/>
+                </a:solidFill>
+                <a:latin typeface="+mn-lt"/>
+                <a:ea typeface="+mn-ea"/>
+                <a:cs typeface="+mn-cs"/>
+              </a:defRPr>
+            </a:lvl4pPr>
+            <a:lvl5pPr marL="2057400" indent="-228600" algn="l" defTabSz="914400" rtl="0" eaLnBrk="1" latinLnBrk="0" hangingPunct="1">
+              <a:spcBef>
+                <a:spcPct val="20000"/>
+              </a:spcBef>
+              <a:buFont typeface="Arial" panose="020B0604020202020204" pitchFamily="34" charset="0"/>
+              <a:buChar char="»"/>
+              <a:defRPr sz="2000" kern="1200">
+                <a:solidFill>
+                  <a:schemeClr val="tx1"/>
+                </a:solidFill>
+                <a:latin typeface="+mn-lt"/>
+                <a:ea typeface="+mn-ea"/>
+                <a:cs typeface="+mn-cs"/>
+              </a:defRPr>
+            </a:lvl5pPr>
+            <a:lvl6pPr marL="2514600" indent="-228600" algn="l" defTabSz="914400" rtl="0" eaLnBrk="1" latinLnBrk="0" hangingPunct="1">
+              <a:spcBef>
+                <a:spcPct val="20000"/>
+              </a:spcBef>
+              <a:buFont typeface="Arial" panose="020B0604020202020204" pitchFamily="34" charset="0"/>
+              <a:buChar char="•"/>
+              <a:defRPr sz="2000" kern="1200">
+                <a:solidFill>
+                  <a:schemeClr val="tx1"/>
+                </a:solidFill>
+                <a:latin typeface="+mn-lt"/>
+                <a:ea typeface="+mn-ea"/>
+                <a:cs typeface="+mn-cs"/>
+              </a:defRPr>
+            </a:lvl6pPr>
+            <a:lvl7pPr marL="2971800" indent="-228600" algn="l" defTabSz="914400" rtl="0" eaLnBrk="1" latinLnBrk="0" hangingPunct="1">
+              <a:spcBef>
+                <a:spcPct val="20000"/>
+              </a:spcBef>
+              <a:buFont typeface="Arial" panose="020B0604020202020204" pitchFamily="34" charset="0"/>
+              <a:buChar char="•"/>
+              <a:defRPr sz="2000" kern="1200">
+                <a:solidFill>
+                  <a:schemeClr val="tx1"/>
+                </a:solidFill>
+                <a:latin typeface="+mn-lt"/>
+                <a:ea typeface="+mn-ea"/>
+                <a:cs typeface="+mn-cs"/>
+              </a:defRPr>
+            </a:lvl7pPr>
+            <a:lvl8pPr marL="3429000" indent="-228600" algn="l" defTabSz="914400" rtl="0" eaLnBrk="1" latinLnBrk="0" hangingPunct="1">
+              <a:spcBef>
+                <a:spcPct val="20000"/>
+              </a:spcBef>
+              <a:buFont typeface="Arial" panose="020B0604020202020204" pitchFamily="34" charset="0"/>
+              <a:buChar char="•"/>
+              <a:defRPr sz="2000" kern="1200">
+                <a:solidFill>
+                  <a:schemeClr val="tx1"/>
+                </a:solidFill>
+                <a:latin typeface="+mn-lt"/>
+                <a:ea typeface="+mn-ea"/>
+                <a:cs typeface="+mn-cs"/>
+              </a:defRPr>
+            </a:lvl8pPr>
+            <a:lvl9pPr marL="3886200" indent="-228600" algn="l" defTabSz="914400" rtl="0" eaLnBrk="1" latinLnBrk="0" hangingPunct="1">
+              <a:spcBef>
+                <a:spcPct val="20000"/>
+              </a:spcBef>
+              <a:buFont typeface="Arial" panose="020B0604020202020204" pitchFamily="34" charset="0"/>
+              <a:buChar char="•"/>
+              <a:defRPr sz="2000" kern="1200">
+                <a:solidFill>
+                  <a:schemeClr val="tx1"/>
+                </a:solidFill>
+                <a:latin typeface="+mn-lt"/>
+                <a:ea typeface="+mn-ea"/>
+                <a:cs typeface="+mn-cs"/>
+              </a:defRPr>
+            </a:lvl9pPr>
+          </a:lstStyle>
+          <a:p>
+            <a:pPr marL="0" indent="0">
+              <a:buNone/>
+            </a:pPr>
+            <a:r>
+              <a:rPr lang="tr-TR" dirty="0" smtClean="0">
+                <a:solidFill>
+                  <a:schemeClr val="tx2">
+                    <a:lumMod val="75000"/>
+                  </a:schemeClr>
+                </a:solidFill>
+              </a:rPr>
+              <a:t>HTML belgesi düzenlerken önerilen </a:t>
+            </a:r>
+            <a:r>
+              <a:rPr lang="tr-TR" b="1" dirty="0">
+                <a:solidFill>
+                  <a:schemeClr val="tx2">
+                    <a:lumMod val="75000"/>
+                  </a:schemeClr>
+                </a:solidFill>
+              </a:rPr>
+              <a:t>e</a:t>
+            </a:r>
+            <a:r>
+              <a:rPr lang="tr-TR" b="1" dirty="0" smtClean="0">
+                <a:solidFill>
+                  <a:schemeClr val="tx2">
+                    <a:lumMod val="75000"/>
+                  </a:schemeClr>
+                </a:solidFill>
+              </a:rPr>
+              <a:t>ditör ayarları</a:t>
+            </a:r>
+            <a:r>
+              <a:rPr lang="tr-TR" dirty="0" smtClean="0">
+                <a:solidFill>
+                  <a:schemeClr val="tx2">
+                    <a:lumMod val="75000"/>
+                  </a:schemeClr>
+                </a:solidFill>
+              </a:rPr>
+              <a:t>:</a:t>
+            </a:r>
+          </a:p>
+          <a:p>
+            <a:r>
+              <a:rPr lang="tr-TR" sz="5400" dirty="0" smtClean="0"/>
+              <a:t> Sıra damgasız  (</a:t>
+            </a:r>
+            <a:r>
+              <a:rPr lang="tr-TR" sz="5400" b="1" dirty="0" err="1" smtClean="0"/>
+              <a:t>BOM</a:t>
+            </a:r>
+            <a:r>
+              <a:rPr lang="tr-TR" sz="5400" dirty="0" err="1" smtClean="0"/>
+              <a:t>’suz</a:t>
+            </a:r>
+            <a:r>
+              <a:rPr lang="tr-TR" sz="5400" dirty="0" smtClean="0"/>
+              <a:t>)</a:t>
+            </a:r>
+          </a:p>
+          <a:p>
+            <a:r>
+              <a:rPr lang="tr-TR" sz="5400" dirty="0" smtClean="0"/>
+              <a:t> </a:t>
+            </a:r>
+            <a:r>
+              <a:rPr lang="tr-TR" sz="5400" b="1" dirty="0" smtClean="0"/>
+              <a:t>UTF-8 </a:t>
+            </a:r>
+            <a:r>
+              <a:rPr lang="tr-TR" sz="5400" dirty="0" smtClean="0"/>
+              <a:t>kodlama</a:t>
+            </a:r>
+            <a:endParaRPr lang="tr-TR" sz="5400" b="1" dirty="0" smtClean="0">
+              <a:solidFill>
+                <a:srgbClr val="C00000"/>
+              </a:solidFill>
+            </a:endParaRPr>
+          </a:p>
+        </p:txBody>
+      </p:sp>
+    </p:spTree>
+    <p:extLst>
+      <p:ext uri="{BB962C8B-B14F-4D97-AF65-F5344CB8AC3E}">
+        <p14:creationId xmlns:p14="http://schemas.microsoft.com/office/powerpoint/2010/main" val="1979821777"/>
+      </p:ext>
+    </p:extLst>
+  </p:cSld>
+  <p:clrMapOvr>
+    <a:masterClrMapping/>
+  </p:clrMapOvr>
+</p:sld>
+</file>
+
+<file path=ppt/slides/slide13.xml><?xml version="1.0" encoding="utf-8"?>
+<p:sld xmlns:a="http://schemas.openxmlformats.org/drawingml/2006/main" xmlns:r="http://schemas.openxmlformats.org/officeDocument/2006/relationships" xmlns:p="http://schemas.openxmlformats.org/presentationml/2006/main">
+  <p:cSld>
+    <p:spTree>
+      <p:nvGrpSpPr>
+        <p:cNvPr id="1" name=""/>
+        <p:cNvGrpSpPr/>
+        <p:nvPr/>
+      </p:nvGrpSpPr>
+      <p:grpSpPr>
+        <a:xfrm>
+          <a:off x="0" y="0"/>
+          <a:ext cx="0" cy="0"/>
+          <a:chOff x="0" y="0"/>
+          <a:chExt cx="0" cy="0"/>
+        </a:xfrm>
+      </p:grpSpPr>
+      <p:pic>
+        <p:nvPicPr>
+          <p:cNvPr id="2" name="Resim 1"/>
+          <p:cNvPicPr>
+            <a:picLocks noChangeAspect="1"/>
+          </p:cNvPicPr>
+          <p:nvPr/>
+        </p:nvPicPr>
+        <p:blipFill>
+          <a:blip r:embed="rId2">
+            <a:extLst>
+              <a:ext uri="{28A0092B-C50C-407E-A947-70E740481C1C}">
+                <a14:useLocalDpi xmlns:a14="http://schemas.microsoft.com/office/drawing/2010/main" val="0"/>
+              </a:ext>
+            </a:extLst>
+          </a:blip>
+          <a:stretch>
+            <a:fillRect/>
+          </a:stretch>
+        </p:blipFill>
+        <p:spPr>
+          <a:xfrm>
+            <a:off x="45334" y="1230574"/>
+            <a:ext cx="9117461" cy="5638096"/>
+          </a:xfrm>
+          <a:prstGeom prst="rect">
+            <a:avLst/>
+          </a:prstGeom>
+        </p:spPr>
+      </p:pic>
+      <p:sp>
+        <p:nvSpPr>
+          <p:cNvPr id="3" name="Başlık 1"/>
+          <p:cNvSpPr txBox="1">
+            <a:spLocks/>
+          </p:cNvSpPr>
+          <p:nvPr/>
+        </p:nvSpPr>
+        <p:spPr>
+          <a:xfrm>
+            <a:off x="457200" y="274638"/>
+            <a:ext cx="8229600" cy="955936"/>
+          </a:xfrm>
+          <a:prstGeom prst="rect">
+            <a:avLst/>
+          </a:prstGeom>
+        </p:spPr>
+        <p:txBody>
+          <a:bodyPr/>
+          <a:lstStyle>
+            <a:lvl1pPr algn="ctr" defTabSz="914400" rtl="0" eaLnBrk="1" latinLnBrk="0" hangingPunct="1">
+              <a:spcBef>
+                <a:spcPct val="0"/>
+              </a:spcBef>
+              <a:buNone/>
+              <a:defRPr sz="4400" kern="1200">
+                <a:solidFill>
+                  <a:schemeClr val="tx1"/>
+                </a:solidFill>
+                <a:latin typeface="+mj-lt"/>
+                <a:ea typeface="+mj-ea"/>
+                <a:cs typeface="+mj-cs"/>
+              </a:defRPr>
+            </a:lvl1pPr>
+          </a:lstStyle>
+          <a:p>
+            <a:r>
+              <a:rPr lang="tr-TR" b="1" dirty="0" err="1" smtClean="0"/>
+              <a:t>BOM</a:t>
+            </a:r>
+            <a:r>
+              <a:rPr lang="tr-TR" dirty="0" err="1" smtClean="0"/>
+              <a:t>’suz</a:t>
+            </a:r>
+            <a:r>
+              <a:rPr lang="tr-TR" dirty="0" smtClean="0"/>
+              <a:t> UTF-8</a:t>
+            </a:r>
+            <a:endParaRPr lang="tr-TR" dirty="0" smtClean="0"/>
+          </a:p>
+          <a:p>
+            <a:endParaRPr lang="tr-TR" b="1" dirty="0"/>
+          </a:p>
+        </p:txBody>
+      </p:sp>
+    </p:spTree>
+    <p:extLst>
+      <p:ext uri="{BB962C8B-B14F-4D97-AF65-F5344CB8AC3E}">
+        <p14:creationId xmlns:p14="http://schemas.microsoft.com/office/powerpoint/2010/main" val="880024226"/>
+      </p:ext>
+    </p:extLst>
+  </p:cSld>
+  <p:clrMapOvr>
+    <a:masterClrMapping/>
+  </p:clrMapOvr>
+</p:sld>
+</file>
+
+<file path=ppt/slides/slide14.xml><?xml version="1.0" encoding="utf-8"?>
+<p:sld xmlns:a="http://schemas.openxmlformats.org/drawingml/2006/main" xmlns:r="http://schemas.openxmlformats.org/officeDocument/2006/relationships" xmlns:p="http://schemas.openxmlformats.org/presentationml/2006/main">
+  <p:cSld>
+    <p:spTree>
+      <p:nvGrpSpPr>
+        <p:cNvPr id="1" name=""/>
+        <p:cNvGrpSpPr/>
+        <p:nvPr/>
+      </p:nvGrpSpPr>
+      <p:grpSpPr>
+        <a:xfrm>
+          <a:off x="0" y="0"/>
+          <a:ext cx="0" cy="0"/>
+          <a:chOff x="0" y="0"/>
+          <a:chExt cx="0" cy="0"/>
+        </a:xfrm>
+      </p:grpSpPr>
+      <p:sp>
+        <p:nvSpPr>
+          <p:cNvPr id="2" name="Başlık 1"/>
+          <p:cNvSpPr txBox="1">
+            <a:spLocks/>
+          </p:cNvSpPr>
+          <p:nvPr/>
+        </p:nvSpPr>
+        <p:spPr>
+          <a:xfrm>
+            <a:off x="457200" y="274638"/>
+            <a:ext cx="8229600" cy="955936"/>
+          </a:xfrm>
+          <a:prstGeom prst="rect">
+            <a:avLst/>
+          </a:prstGeom>
+        </p:spPr>
+        <p:txBody>
+          <a:bodyPr/>
+          <a:lstStyle>
+            <a:lvl1pPr algn="ctr" defTabSz="914400" rtl="0" eaLnBrk="1" latinLnBrk="0" hangingPunct="1">
+              <a:spcBef>
+                <a:spcPct val="0"/>
+              </a:spcBef>
+              <a:buNone/>
+              <a:defRPr sz="4400" kern="1200">
+                <a:solidFill>
+                  <a:schemeClr val="tx1"/>
+                </a:solidFill>
+                <a:latin typeface="+mj-lt"/>
+                <a:ea typeface="+mj-ea"/>
+                <a:cs typeface="+mj-cs"/>
+              </a:defRPr>
+            </a:lvl1pPr>
+          </a:lstStyle>
+          <a:p>
+            <a:r>
+              <a:rPr lang="tr-TR" b="1" dirty="0" err="1" smtClean="0"/>
+              <a:t>BOM</a:t>
+            </a:r>
+            <a:r>
+              <a:rPr lang="tr-TR" dirty="0" err="1" smtClean="0"/>
+              <a:t>’suz</a:t>
+            </a:r>
+            <a:r>
+              <a:rPr lang="tr-TR" dirty="0" smtClean="0"/>
+              <a:t> UTF-8</a:t>
+            </a:r>
+          </a:p>
+          <a:p>
+            <a:r>
+              <a:rPr lang="tr-TR" dirty="0" smtClean="0"/>
+              <a:t>&lt;</a:t>
+            </a:r>
+            <a:r>
+              <a:rPr lang="tr-TR" dirty="0" err="1" smtClean="0"/>
+              <a:t>notepad</a:t>
+            </a:r>
+            <a:r>
+              <a:rPr lang="tr-TR" dirty="0" smtClean="0"/>
+              <a:t>++&gt;</a:t>
+            </a:r>
+            <a:endParaRPr lang="tr-TR" dirty="0" smtClean="0"/>
+          </a:p>
+          <a:p>
+            <a:endParaRPr lang="tr-TR" b="1" dirty="0"/>
+          </a:p>
+        </p:txBody>
+      </p:sp>
+    </p:spTree>
+    <p:extLst>
+      <p:ext uri="{BB962C8B-B14F-4D97-AF65-F5344CB8AC3E}">
+        <p14:creationId xmlns:p14="http://schemas.microsoft.com/office/powerpoint/2010/main" val="2881727203"/>
+      </p:ext>
+    </p:extLst>
+  </p:cSld>
+  <p:clrMapOvr>
+    <a:masterClrMapping/>
+  </p:clrMapOvr>
+</p:sld>
+</file>
+
+<file path=ppt/slides/slide15.xml><?xml version="1.0" encoding="utf-8"?>
+<p:sld xmlns:a="http://schemas.openxmlformats.org/drawingml/2006/main" xmlns:r="http://schemas.openxmlformats.org/officeDocument/2006/relationships" xmlns:p="http://schemas.openxmlformats.org/presentationml/2006/main">
+  <p:cSld>
+    <p:spTree>
+      <p:nvGrpSpPr>
+        <p:cNvPr id="1" name=""/>
+        <p:cNvGrpSpPr/>
+        <p:nvPr/>
+      </p:nvGrpSpPr>
+      <p:grpSpPr>
+        <a:xfrm>
+          <a:off x="0" y="0"/>
+          <a:ext cx="0" cy="0"/>
+          <a:chOff x="0" y="0"/>
+          <a:chExt cx="0" cy="0"/>
+        </a:xfrm>
+      </p:grpSpPr>
       <p:sp>
         <p:nvSpPr>
           <p:cNvPr id="3" name="İçerik Yer Tutucusu 2"/>
@@ -5373,7 +6174,7 @@
 </p:sld>
 </file>
 
-<file path=ppt/slides/slide12.xml><?xml version="1.0" encoding="utf-8"?>
+<file path=ppt/slides/slide16.xml><?xml version="1.0" encoding="utf-8"?>
 <p:sld xmlns:a="http://schemas.openxmlformats.org/drawingml/2006/main" xmlns:r="http://schemas.openxmlformats.org/officeDocument/2006/relationships" xmlns:p="http://schemas.openxmlformats.org/presentationml/2006/main">
   <p:cSld>
     <p:spTree>
@@ -5485,7 +6286,7 @@
 </p:sld>
 </file>
 
-<file path=ppt/slides/slide13.xml><?xml version="1.0" encoding="utf-8"?>
+<file path=ppt/slides/slide17.xml><?xml version="1.0" encoding="utf-8"?>
 <p:sld xmlns:a="http://schemas.openxmlformats.org/drawingml/2006/main" xmlns:r="http://schemas.openxmlformats.org/officeDocument/2006/relationships" xmlns:p="http://schemas.openxmlformats.org/presentationml/2006/main">
   <p:cSld>
     <p:spTree>
@@ -5705,7 +6506,7 @@
 </p:sld>
 </file>
 
-<file path=ppt/slides/slide14.xml><?xml version="1.0" encoding="utf-8"?>
+<file path=ppt/slides/slide18.xml><?xml version="1.0" encoding="utf-8"?>
 <p:sld xmlns:a="http://schemas.openxmlformats.org/drawingml/2006/main" xmlns:r="http://schemas.openxmlformats.org/officeDocument/2006/relationships" xmlns:p="http://schemas.openxmlformats.org/presentationml/2006/main">
   <p:cSld>
     <p:spTree>

--- a/Html doküman yapısı.pptx
+++ b/Html doküman yapısı.pptx
@@ -5,7 +5,7 @@
     <p:sldMasterId id="2147483648" r:id="rId1"/>
   </p:sldMasterIdLst>
   <p:notesMasterIdLst>
-    <p:notesMasterId r:id="rId20"/>
+    <p:notesMasterId r:id="rId23"/>
   </p:notesMasterIdLst>
   <p:sldIdLst>
     <p:sldId id="257" r:id="rId2"/>
@@ -15,17 +15,20 @@
     <p:sldId id="259" r:id="rId6"/>
     <p:sldId id="273" r:id="rId7"/>
     <p:sldId id="272" r:id="rId8"/>
-    <p:sldId id="275" r:id="rId9"/>
-    <p:sldId id="274" r:id="rId10"/>
-    <p:sldId id="276" r:id="rId11"/>
-    <p:sldId id="277" r:id="rId12"/>
-    <p:sldId id="278" r:id="rId13"/>
-    <p:sldId id="279" r:id="rId14"/>
-    <p:sldId id="280" r:id="rId15"/>
-    <p:sldId id="266" r:id="rId16"/>
-    <p:sldId id="267" r:id="rId17"/>
-    <p:sldId id="271" r:id="rId18"/>
-    <p:sldId id="269" r:id="rId19"/>
+    <p:sldId id="284" r:id="rId9"/>
+    <p:sldId id="275" r:id="rId10"/>
+    <p:sldId id="274" r:id="rId11"/>
+    <p:sldId id="276" r:id="rId12"/>
+    <p:sldId id="277" r:id="rId13"/>
+    <p:sldId id="278" r:id="rId14"/>
+    <p:sldId id="279" r:id="rId15"/>
+    <p:sldId id="280" r:id="rId16"/>
+    <p:sldId id="282" r:id="rId17"/>
+    <p:sldId id="283" r:id="rId18"/>
+    <p:sldId id="266" r:id="rId19"/>
+    <p:sldId id="267" r:id="rId20"/>
+    <p:sldId id="271" r:id="rId21"/>
+    <p:sldId id="269" r:id="rId22"/>
   </p:sldIdLst>
   <p:sldSz cx="9144000" cy="6858000" type="screen4x3"/>
   <p:notesSz cx="6858000" cy="9144000"/>
@@ -209,7 +212,7 @@
           <a:p>
             <a:fld id="{22755D2D-59CF-4BBB-BD3B-BC44C21BF44E}" type="datetimeFigureOut">
               <a:rPr lang="tr-TR" smtClean="0"/>
-              <a:t>20.06.2015</a:t>
+              <a:t>21.6.2015</a:t>
             </a:fld>
             <a:endParaRPr lang="tr-TR"/>
           </a:p>
@@ -593,6 +596,200 @@
 </p:notes>
 </file>
 
+<file path=ppt/notesSlides/notesSlide10.xml><?xml version="1.0" encoding="utf-8"?>
+<p:notes xmlns:a="http://schemas.openxmlformats.org/drawingml/2006/main" xmlns:r="http://schemas.openxmlformats.org/officeDocument/2006/relationships" xmlns:p="http://schemas.openxmlformats.org/presentationml/2006/main">
+  <p:cSld>
+    <p:spTree>
+      <p:nvGrpSpPr>
+        <p:cNvPr id="1" name=""/>
+        <p:cNvGrpSpPr/>
+        <p:nvPr/>
+      </p:nvGrpSpPr>
+      <p:grpSpPr>
+        <a:xfrm>
+          <a:off x="0" y="0"/>
+          <a:ext cx="0" cy="0"/>
+          <a:chOff x="0" y="0"/>
+          <a:chExt cx="0" cy="0"/>
+        </a:xfrm>
+      </p:grpSpPr>
+      <p:sp>
+        <p:nvSpPr>
+          <p:cNvPr id="2" name="Slayt Görüntüsü Yer Tutucusu 1"/>
+          <p:cNvSpPr>
+            <a:spLocks noGrp="1" noRot="1" noChangeAspect="1"/>
+          </p:cNvSpPr>
+          <p:nvPr>
+            <p:ph type="sldImg"/>
+          </p:nvPr>
+        </p:nvSpPr>
+        <p:spPr/>
+      </p:sp>
+      <p:sp>
+        <p:nvSpPr>
+          <p:cNvPr id="3" name="Not Yer Tutucusu 2"/>
+          <p:cNvSpPr>
+            <a:spLocks noGrp="1"/>
+          </p:cNvSpPr>
+          <p:nvPr>
+            <p:ph type="body" idx="1"/>
+          </p:nvPr>
+        </p:nvSpPr>
+        <p:spPr/>
+        <p:txBody>
+          <a:bodyPr/>
+          <a:lstStyle/>
+          <a:p>
+            <a:r>
+              <a:rPr lang="tr-TR" dirty="0" smtClean="0"/>
+              <a:t>http://www.tutorialspoint.com/javascript/javascript_html_dom.htm</a:t>
+            </a:r>
+          </a:p>
+          <a:p>
+            <a:r>
+              <a:rPr lang="tr-TR" dirty="0" smtClean="0"/>
+              <a:t>https://developer.mozilla.org/en-US/docs/Web/API/Document_Object_Model</a:t>
+            </a:r>
+          </a:p>
+          <a:p>
+            <a:r>
+              <a:rPr lang="tr-TR" dirty="0" smtClean="0"/>
+              <a:t>http://www.w3.org/DOM/</a:t>
+            </a:r>
+            <a:endParaRPr lang="tr-TR" dirty="0"/>
+          </a:p>
+        </p:txBody>
+      </p:sp>
+      <p:sp>
+        <p:nvSpPr>
+          <p:cNvPr id="4" name="Slayt Numarası Yer Tutucusu 3"/>
+          <p:cNvSpPr>
+            <a:spLocks noGrp="1"/>
+          </p:cNvSpPr>
+          <p:nvPr>
+            <p:ph type="sldNum" sz="quarter" idx="10"/>
+          </p:nvPr>
+        </p:nvSpPr>
+        <p:spPr/>
+        <p:txBody>
+          <a:bodyPr/>
+          <a:lstStyle/>
+          <a:p>
+            <a:fld id="{5DE05AF9-BE5B-4DB2-802A-F4F6F231D690}" type="slidenum">
+              <a:rPr lang="tr-TR" smtClean="0"/>
+              <a:t>20</a:t>
+            </a:fld>
+            <a:endParaRPr lang="tr-TR"/>
+          </a:p>
+        </p:txBody>
+      </p:sp>
+    </p:spTree>
+    <p:extLst>
+      <p:ext uri="{BB962C8B-B14F-4D97-AF65-F5344CB8AC3E}">
+        <p14:creationId xmlns:p14="http://schemas.microsoft.com/office/powerpoint/2010/main" val="833137321"/>
+      </p:ext>
+    </p:extLst>
+  </p:cSld>
+  <p:clrMapOvr>
+    <a:masterClrMapping/>
+  </p:clrMapOvr>
+</p:notes>
+</file>
+
+<file path=ppt/notesSlides/notesSlide11.xml><?xml version="1.0" encoding="utf-8"?>
+<p:notes xmlns:a="http://schemas.openxmlformats.org/drawingml/2006/main" xmlns:r="http://schemas.openxmlformats.org/officeDocument/2006/relationships" xmlns:p="http://schemas.openxmlformats.org/presentationml/2006/main">
+  <p:cSld>
+    <p:spTree>
+      <p:nvGrpSpPr>
+        <p:cNvPr id="1" name=""/>
+        <p:cNvGrpSpPr/>
+        <p:nvPr/>
+      </p:nvGrpSpPr>
+      <p:grpSpPr>
+        <a:xfrm>
+          <a:off x="0" y="0"/>
+          <a:ext cx="0" cy="0"/>
+          <a:chOff x="0" y="0"/>
+          <a:chExt cx="0" cy="0"/>
+        </a:xfrm>
+      </p:grpSpPr>
+      <p:sp>
+        <p:nvSpPr>
+          <p:cNvPr id="2" name="Slayt Görüntüsü Yer Tutucusu 1"/>
+          <p:cNvSpPr>
+            <a:spLocks noGrp="1" noRot="1" noChangeAspect="1"/>
+          </p:cNvSpPr>
+          <p:nvPr>
+            <p:ph type="sldImg"/>
+          </p:nvPr>
+        </p:nvSpPr>
+        <p:spPr/>
+      </p:sp>
+      <p:sp>
+        <p:nvSpPr>
+          <p:cNvPr id="3" name="Not Yer Tutucusu 2"/>
+          <p:cNvSpPr>
+            <a:spLocks noGrp="1"/>
+          </p:cNvSpPr>
+          <p:nvPr>
+            <p:ph type="body" idx="1"/>
+          </p:nvPr>
+        </p:nvSpPr>
+        <p:spPr/>
+        <p:txBody>
+          <a:bodyPr/>
+          <a:lstStyle/>
+          <a:p>
+            <a:r>
+              <a:rPr lang="tr-TR" dirty="0" smtClean="0"/>
+              <a:t>http://www.tutorialspoint.com/javascript/javascript_html_dom.htm</a:t>
+            </a:r>
+          </a:p>
+          <a:p>
+            <a:r>
+              <a:rPr lang="tr-TR" dirty="0" smtClean="0"/>
+              <a:t>https://developer.mozilla.org/en-US/docs/Web/API/Document_Object_Model</a:t>
+            </a:r>
+            <a:endParaRPr lang="tr-TR" dirty="0"/>
+          </a:p>
+        </p:txBody>
+      </p:sp>
+      <p:sp>
+        <p:nvSpPr>
+          <p:cNvPr id="4" name="Slayt Numarası Yer Tutucusu 3"/>
+          <p:cNvSpPr>
+            <a:spLocks noGrp="1"/>
+          </p:cNvSpPr>
+          <p:nvPr>
+            <p:ph type="sldNum" sz="quarter" idx="10"/>
+          </p:nvPr>
+        </p:nvSpPr>
+        <p:spPr/>
+        <p:txBody>
+          <a:bodyPr/>
+          <a:lstStyle/>
+          <a:p>
+            <a:fld id="{5DE05AF9-BE5B-4DB2-802A-F4F6F231D690}" type="slidenum">
+              <a:rPr lang="tr-TR" smtClean="0"/>
+              <a:t>21</a:t>
+            </a:fld>
+            <a:endParaRPr lang="tr-TR"/>
+          </a:p>
+        </p:txBody>
+      </p:sp>
+    </p:spTree>
+    <p:extLst>
+      <p:ext uri="{BB962C8B-B14F-4D97-AF65-F5344CB8AC3E}">
+        <p14:creationId xmlns:p14="http://schemas.microsoft.com/office/powerpoint/2010/main" val="833137321"/>
+      </p:ext>
+    </p:extLst>
+  </p:cSld>
+  <p:clrMapOvr>
+    <a:masterClrMapping/>
+  </p:clrMapOvr>
+</p:notes>
+</file>
+
 <file path=ppt/notesSlides/notesSlide2.xml><?xml version="1.0" encoding="utf-8"?>
 <p:notes xmlns:a="http://schemas.openxmlformats.org/drawingml/2006/main" xmlns:r="http://schemas.openxmlformats.org/officeDocument/2006/relationships" xmlns:p="http://schemas.openxmlformats.org/presentationml/2006/main">
   <p:cSld>
@@ -772,40 +969,129 @@
           <a:lstStyle/>
           <a:p>
             <a:r>
+              <a:rPr lang="tr-TR" b="1" dirty="0" err="1" smtClean="0"/>
+              <a:t>void</a:t>
+            </a:r>
+            <a:r>
+              <a:rPr lang="tr-TR" b="1" baseline="0" dirty="0" smtClean="0"/>
+              <a:t> </a:t>
+            </a:r>
+            <a:r>
+              <a:rPr lang="tr-TR" b="1" baseline="0" dirty="0" err="1" smtClean="0"/>
+              <a:t>elements</a:t>
+            </a:r>
+            <a:r>
+              <a:rPr lang="tr-TR" b="1" baseline="0" dirty="0" smtClean="0"/>
+              <a:t> </a:t>
+            </a:r>
+            <a:r>
+              <a:rPr lang="tr-TR" b="0" baseline="0" dirty="0" smtClean="0"/>
+              <a:t>(boş elemanlar / boş etiketler)</a:t>
+            </a:r>
+            <a:endParaRPr lang="tr-TR" b="0" dirty="0" smtClean="0"/>
+          </a:p>
+          <a:p>
+            <a:r>
+              <a:rPr lang="tr-TR" dirty="0" err="1" smtClean="0"/>
+              <a:t>area</a:t>
+            </a:r>
+            <a:r>
               <a:rPr lang="tr-TR" dirty="0" smtClean="0"/>
-              <a:t>Karakter</a:t>
-            </a:r>
-            <a:r>
-              <a:rPr lang="tr-TR" baseline="0" dirty="0" smtClean="0"/>
-              <a:t> kodlama</a:t>
-            </a:r>
-            <a:endParaRPr lang="tr-TR" dirty="0" smtClean="0"/>
-          </a:p>
-          <a:p>
-            <a:r>
-              <a:rPr lang="en-US" dirty="0" smtClean="0"/>
-              <a:t>Choosing &amp; applying a character encoding</a:t>
-            </a:r>
-          </a:p>
-          <a:p>
-            <a:r>
-              <a:rPr lang="en-US" dirty="0" smtClean="0"/>
-              <a:t>  https://www.w3.org/International/questions/qa-choosing-encodings</a:t>
-            </a:r>
-          </a:p>
-          <a:p>
-            <a:endParaRPr lang="en-US" dirty="0" smtClean="0"/>
-          </a:p>
-          <a:p>
-            <a:r>
-              <a:rPr lang="en-US" dirty="0" smtClean="0"/>
-              <a:t>BOM (Byte Order Mark)  </a:t>
-            </a:r>
-          </a:p>
-          <a:p>
-            <a:r>
-              <a:rPr lang="en-US" dirty="0" smtClean="0"/>
-              <a:t>  http://www.w3.org/International/questions/qa-byte-order-mark.en.php</a:t>
+              <a:t>, </a:t>
+            </a:r>
+            <a:r>
+              <a:rPr lang="tr-TR" dirty="0" err="1" smtClean="0"/>
+              <a:t>base</a:t>
+            </a:r>
+            <a:r>
+              <a:rPr lang="tr-TR" dirty="0" smtClean="0"/>
+              <a:t>, </a:t>
+            </a:r>
+            <a:r>
+              <a:rPr lang="tr-TR" dirty="0" err="1" smtClean="0"/>
+              <a:t>br</a:t>
+            </a:r>
+            <a:r>
+              <a:rPr lang="tr-TR" dirty="0" smtClean="0"/>
+              <a:t>, </a:t>
+            </a:r>
+            <a:r>
+              <a:rPr lang="tr-TR" dirty="0" err="1" smtClean="0"/>
+              <a:t>col</a:t>
+            </a:r>
+            <a:r>
+              <a:rPr lang="tr-TR" dirty="0" smtClean="0"/>
+              <a:t>, </a:t>
+            </a:r>
+            <a:r>
+              <a:rPr lang="tr-TR" dirty="0" err="1" smtClean="0"/>
+              <a:t>command</a:t>
+            </a:r>
+            <a:r>
+              <a:rPr lang="tr-TR" dirty="0" smtClean="0"/>
+              <a:t>, </a:t>
+            </a:r>
+            <a:r>
+              <a:rPr lang="tr-TR" dirty="0" err="1" smtClean="0"/>
+              <a:t>embed</a:t>
+            </a:r>
+            <a:r>
+              <a:rPr lang="tr-TR" dirty="0" smtClean="0"/>
+              <a:t>, </a:t>
+            </a:r>
+            <a:r>
+              <a:rPr lang="tr-TR" dirty="0" err="1" smtClean="0"/>
+              <a:t>hr</a:t>
+            </a:r>
+            <a:r>
+              <a:rPr lang="tr-TR" dirty="0" smtClean="0"/>
+              <a:t>, </a:t>
+            </a:r>
+            <a:r>
+              <a:rPr lang="tr-TR" dirty="0" err="1" smtClean="0"/>
+              <a:t>img</a:t>
+            </a:r>
+            <a:r>
+              <a:rPr lang="tr-TR" dirty="0" smtClean="0"/>
+              <a:t>, </a:t>
+            </a:r>
+            <a:r>
+              <a:rPr lang="tr-TR" dirty="0" err="1" smtClean="0"/>
+              <a:t>input</a:t>
+            </a:r>
+            <a:r>
+              <a:rPr lang="tr-TR" dirty="0" smtClean="0"/>
+              <a:t>,</a:t>
+            </a:r>
+          </a:p>
+          <a:p>
+            <a:r>
+              <a:rPr lang="tr-TR" dirty="0" err="1" smtClean="0"/>
+              <a:t>keygen</a:t>
+            </a:r>
+            <a:r>
+              <a:rPr lang="tr-TR" dirty="0" smtClean="0"/>
+              <a:t>, link, meta, param, </a:t>
+            </a:r>
+            <a:r>
+              <a:rPr lang="tr-TR" dirty="0" err="1" smtClean="0"/>
+              <a:t>source</a:t>
+            </a:r>
+            <a:r>
+              <a:rPr lang="tr-TR" dirty="0" smtClean="0"/>
+              <a:t>, </a:t>
+            </a:r>
+            <a:r>
+              <a:rPr lang="tr-TR" dirty="0" err="1" smtClean="0"/>
+              <a:t>track</a:t>
+            </a:r>
+            <a:r>
+              <a:rPr lang="tr-TR" dirty="0" smtClean="0"/>
+              <a:t>, </a:t>
+            </a:r>
+            <a:r>
+              <a:rPr lang="tr-TR" dirty="0" err="1" smtClean="0"/>
+              <a:t>wbr</a:t>
             </a:r>
             <a:endParaRPr lang="tr-TR" dirty="0"/>
           </a:p>
@@ -828,7 +1114,7 @@
           <a:p>
             <a:fld id="{5DE05AF9-BE5B-4DB2-802A-F4F6F231D690}" type="slidenum">
               <a:rPr lang="tr-TR" smtClean="0"/>
-              <a:t>11</a:t>
+              <a:t>7</a:t>
             </a:fld>
             <a:endParaRPr lang="tr-TR"/>
           </a:p>
@@ -837,7 +1123,7 @@
     </p:spTree>
     <p:extLst>
       <p:ext uri="{BB962C8B-B14F-4D97-AF65-F5344CB8AC3E}">
-        <p14:creationId xmlns:p14="http://schemas.microsoft.com/office/powerpoint/2010/main" val="3205711029"/>
+        <p14:creationId xmlns:p14="http://schemas.microsoft.com/office/powerpoint/2010/main" val="751918634"/>
       </p:ext>
     </p:extLst>
   </p:cSld>
@@ -892,40 +1178,8 @@
           <a:lstStyle/>
           <a:p>
             <a:r>
-              <a:rPr lang="tr-TR" dirty="0" smtClean="0"/>
-              <a:t>Web sayfasının</a:t>
-            </a:r>
-            <a:r>
-              <a:rPr lang="tr-TR" baseline="0" dirty="0" smtClean="0"/>
-              <a:t> görüntülenebilmesi ve sayfa içeriği ile etkileşim sağlanması için </a:t>
-            </a:r>
-            <a:r>
-              <a:rPr lang="tr-TR" b="1" baseline="0" dirty="0" err="1" smtClean="0"/>
-              <a:t>bildirimsel</a:t>
-            </a:r>
-            <a:r>
-              <a:rPr lang="tr-TR" baseline="0" dirty="0" smtClean="0"/>
-              <a:t> (</a:t>
-            </a:r>
-            <a:r>
-              <a:rPr lang="tr-TR" b="1" baseline="0" dirty="0" err="1" smtClean="0"/>
-              <a:t>declarative</a:t>
-            </a:r>
-            <a:r>
-              <a:rPr lang="tr-TR" baseline="0" dirty="0" smtClean="0"/>
-              <a:t>) olarak ifade edilen </a:t>
-            </a:r>
-            <a:r>
-              <a:rPr lang="tr-TR" b="1" baseline="0" dirty="0" smtClean="0"/>
-              <a:t>sayfa içeriği</a:t>
-            </a:r>
-            <a:r>
-              <a:rPr lang="tr-TR" baseline="0" dirty="0" smtClean="0"/>
-              <a:t>nin (</a:t>
-            </a:r>
-            <a:r>
-              <a:rPr lang="tr-TR" b="1" baseline="0" dirty="0" err="1" smtClean="0"/>
-              <a:t>page</a:t>
+              <a:rPr lang="tr-TR" b="1" dirty="0" err="1" smtClean="0"/>
+              <a:t>void</a:t>
             </a:r>
             <a:r>
               <a:rPr lang="tr-TR" b="1" baseline="0" dirty="0" smtClean="0"/>
@@ -933,151 +1187,121 @@
             </a:r>
             <a:r>
               <a:rPr lang="tr-TR" b="1" baseline="0" dirty="0" err="1" smtClean="0"/>
-              <a:t>content</a:t>
-            </a:r>
-            <a:r>
-              <a:rPr lang="tr-TR" baseline="0" dirty="0" smtClean="0"/>
-              <a:t>) tarayıcının üzerinde çalışabileceği </a:t>
+              <a:t>elements</a:t>
             </a:r>
             <a:r>
               <a:rPr lang="tr-TR" b="1" baseline="0" dirty="0" smtClean="0"/>
-              <a:t>i</a:t>
-            </a:r>
-            <a:r>
-              <a:rPr lang="tr-TR" b="1" dirty="0" smtClean="0"/>
-              <a:t>çsel sunum</a:t>
+              <a:t> </a:t>
+            </a:r>
+            <a:r>
+              <a:rPr lang="tr-TR" b="0" baseline="0" dirty="0" smtClean="0"/>
+              <a:t>(boş elemanlar / boş etiketler)</a:t>
+            </a:r>
+            <a:endParaRPr lang="tr-TR" b="0" dirty="0" smtClean="0"/>
+          </a:p>
+          <a:p>
+            <a:r>
+              <a:rPr lang="tr-TR" dirty="0" err="1" smtClean="0"/>
+              <a:t>area</a:t>
             </a:r>
             <a:r>
               <a:rPr lang="tr-TR" dirty="0" smtClean="0"/>
-              <a:t>a (</a:t>
-            </a:r>
-            <a:r>
-              <a:rPr lang="tr-TR" b="1" dirty="0" err="1" smtClean="0"/>
-              <a:t>internal</a:t>
-            </a:r>
-            <a:r>
-              <a:rPr lang="tr-TR" b="1" dirty="0" smtClean="0"/>
-              <a:t> </a:t>
-            </a:r>
-            <a:r>
-              <a:rPr lang="tr-TR" b="1" dirty="0" err="1" smtClean="0"/>
-              <a:t>representation</a:t>
+              <a:t>, </a:t>
+            </a:r>
+            <a:r>
+              <a:rPr lang="tr-TR" dirty="0" err="1" smtClean="0"/>
+              <a:t>base</a:t>
             </a:r>
             <a:r>
               <a:rPr lang="tr-TR" dirty="0" smtClean="0"/>
-              <a:t>) dönüştürülmüş</a:t>
-            </a:r>
-            <a:r>
-              <a:rPr lang="tr-TR" baseline="0" dirty="0" smtClean="0"/>
-              <a:t> halidir.</a:t>
-            </a:r>
-          </a:p>
-          <a:p>
-            <a:endParaRPr lang="tr-TR" baseline="0" dirty="0" smtClean="0"/>
-          </a:p>
-          <a:p>
-            <a:r>
-              <a:rPr lang="tr-TR" baseline="0" dirty="0" err="1" smtClean="0"/>
-              <a:t>bildirimsel</a:t>
-            </a:r>
-            <a:r>
-              <a:rPr lang="tr-TR" baseline="0" dirty="0" smtClean="0"/>
-              <a:t> olarak ifade edilen DOM nesneleri (</a:t>
-            </a:r>
-            <a:r>
-              <a:rPr lang="tr-TR" b="1" baseline="0" dirty="0" smtClean="0"/>
-              <a:t>DOM </a:t>
-            </a:r>
-            <a:r>
-              <a:rPr lang="tr-TR" b="1" baseline="0" dirty="0" err="1" smtClean="0"/>
-              <a:t>objects</a:t>
-            </a:r>
-            <a:r>
-              <a:rPr lang="tr-TR" baseline="0" dirty="0" smtClean="0"/>
-              <a:t>)</a:t>
-            </a:r>
-          </a:p>
-          <a:p>
-            <a:pPr marL="171450" indent="-171450">
-              <a:buFont typeface="Arial" charset="0"/>
-              <a:buChar char="•"/>
-            </a:pPr>
-            <a:r>
-              <a:rPr lang="tr-TR" baseline="0" dirty="0" smtClean="0"/>
-              <a:t>html elemanları ve </a:t>
-            </a:r>
-            <a:r>
-              <a:rPr lang="tr-TR" baseline="0" dirty="0" err="1" smtClean="0"/>
-              <a:t>style'lar</a:t>
-            </a:r>
-            <a:r>
-              <a:rPr lang="tr-TR" baseline="0" dirty="0" smtClean="0"/>
-              <a:t> (</a:t>
-            </a:r>
-            <a:r>
-              <a:rPr lang="tr-TR" baseline="0" dirty="0" err="1" smtClean="0"/>
-              <a:t>nod'lar</a:t>
-            </a:r>
-            <a:r>
-              <a:rPr lang="tr-TR" baseline="0" dirty="0" smtClean="0"/>
-              <a:t>: element, </a:t>
-            </a:r>
-            <a:r>
-              <a:rPr lang="tr-TR" baseline="0" dirty="0" err="1" smtClean="0"/>
-              <a:t>attribute</a:t>
-            </a:r>
-            <a:r>
-              <a:rPr lang="tr-TR" baseline="0" dirty="0" smtClean="0"/>
               <a:t>, </a:t>
             </a:r>
             <a:r>
-              <a:rPr lang="tr-TR" baseline="0" dirty="0" err="1" smtClean="0"/>
-              <a:t>text</a:t>
-            </a:r>
-            <a:r>
-              <a:rPr lang="tr-TR" baseline="0" dirty="0" smtClean="0"/>
+              <a:rPr lang="tr-TR" dirty="0" err="1" smtClean="0"/>
+              <a:t>br</a:t>
+            </a:r>
+            <a:r>
+              <a:rPr lang="tr-TR" dirty="0" smtClean="0"/>
               <a:t>, </a:t>
             </a:r>
             <a:r>
-              <a:rPr lang="tr-TR" baseline="0" dirty="0" err="1" smtClean="0"/>
-              <a:t>comment</a:t>
-            </a:r>
-            <a:r>
-              <a:rPr lang="tr-TR" baseline="0" dirty="0" smtClean="0"/>
+              <a:rPr lang="tr-TR" dirty="0" err="1" smtClean="0"/>
+              <a:t>col</a:t>
+            </a:r>
+            <a:r>
+              <a:rPr lang="tr-TR" dirty="0" smtClean="0"/>
               <a:t>, </a:t>
             </a:r>
             <a:r>
-              <a:rPr lang="tr-TR" baseline="0" dirty="0" err="1" smtClean="0"/>
-              <a:t>event</a:t>
-            </a:r>
-            <a:r>
-              <a:rPr lang="tr-TR" baseline="0" dirty="0" smtClean="0"/>
-              <a:t>)</a:t>
-            </a:r>
-          </a:p>
-          <a:p>
-            <a:pPr marL="0" indent="0">
-              <a:buFont typeface="Arial" charset="0"/>
-              <a:buNone/>
-            </a:pPr>
-            <a:endParaRPr lang="tr-TR" baseline="0" dirty="0" smtClean="0"/>
-          </a:p>
-          <a:p>
-            <a:endParaRPr lang="tr-TR" baseline="0" dirty="0" smtClean="0"/>
-          </a:p>
-          <a:p>
-            <a:r>
-              <a:rPr lang="tr-TR" baseline="0" dirty="0" smtClean="0"/>
-              <a:t>DOM</a:t>
-            </a:r>
-          </a:p>
-          <a:p>
-            <a:r>
-              <a:rPr lang="tr-TR" baseline="0" dirty="0" smtClean="0"/>
-              <a:t>http://www.w3.org/DOM</a:t>
-            </a:r>
-          </a:p>
-          <a:p>
+              <a:rPr lang="tr-TR" dirty="0" err="1" smtClean="0"/>
+              <a:t>command</a:t>
+            </a:r>
+            <a:r>
+              <a:rPr lang="tr-TR" dirty="0" smtClean="0"/>
+              <a:t>, </a:t>
+            </a:r>
+            <a:r>
+              <a:rPr lang="tr-TR" dirty="0" err="1" smtClean="0"/>
+              <a:t>embed</a:t>
+            </a:r>
+            <a:r>
+              <a:rPr lang="tr-TR" dirty="0" smtClean="0"/>
+              <a:t>, </a:t>
+            </a:r>
+            <a:r>
+              <a:rPr lang="tr-TR" dirty="0" err="1" smtClean="0"/>
+              <a:t>hr</a:t>
+            </a:r>
+            <a:r>
+              <a:rPr lang="tr-TR" dirty="0" smtClean="0"/>
+              <a:t>, </a:t>
+            </a:r>
+            <a:r>
+              <a:rPr lang="tr-TR" dirty="0" err="1" smtClean="0"/>
+              <a:t>img</a:t>
+            </a:r>
+            <a:r>
+              <a:rPr lang="tr-TR" dirty="0" smtClean="0"/>
+              <a:t>, </a:t>
+            </a:r>
+            <a:r>
+              <a:rPr lang="tr-TR" dirty="0" err="1" smtClean="0"/>
+              <a:t>input</a:t>
+            </a:r>
+            <a:r>
+              <a:rPr lang="tr-TR" dirty="0" smtClean="0"/>
+              <a:t>,</a:t>
+            </a:r>
+          </a:p>
+          <a:p>
+            <a:r>
+              <a:rPr lang="tr-TR" dirty="0" err="1" smtClean="0"/>
+              <a:t>keygen</a:t>
+            </a:r>
+            <a:r>
+              <a:rPr lang="tr-TR" dirty="0" smtClean="0"/>
+              <a:t>, link, meta, param, </a:t>
+            </a:r>
+            <a:r>
+              <a:rPr lang="tr-TR" dirty="0" err="1" smtClean="0"/>
+              <a:t>source</a:t>
+            </a:r>
+            <a:r>
+              <a:rPr lang="tr-TR" dirty="0" smtClean="0"/>
+              <a:t>, </a:t>
+            </a:r>
+            <a:r>
+              <a:rPr lang="tr-TR" dirty="0" err="1" smtClean="0"/>
+              <a:t>track</a:t>
+            </a:r>
+            <a:r>
+              <a:rPr lang="tr-TR" dirty="0" smtClean="0"/>
+              <a:t>, </a:t>
+            </a:r>
+            <a:r>
+              <a:rPr lang="tr-TR" dirty="0" err="1" smtClean="0"/>
+              <a:t>wbr</a:t>
+            </a:r>
             <a:endParaRPr lang="tr-TR" dirty="0"/>
           </a:p>
         </p:txBody>
@@ -1099,7 +1323,7 @@
           <a:p>
             <a:fld id="{5DE05AF9-BE5B-4DB2-802A-F4F6F231D690}" type="slidenum">
               <a:rPr lang="tr-TR" smtClean="0"/>
-              <a:t>15</a:t>
+              <a:t>8</a:t>
             </a:fld>
             <a:endParaRPr lang="tr-TR"/>
           </a:p>
@@ -1108,7 +1332,7 @@
     </p:spTree>
     <p:extLst>
       <p:ext uri="{BB962C8B-B14F-4D97-AF65-F5344CB8AC3E}">
-        <p14:creationId xmlns:p14="http://schemas.microsoft.com/office/powerpoint/2010/main" val="2693122929"/>
+        <p14:creationId xmlns:p14="http://schemas.microsoft.com/office/powerpoint/2010/main" val="751918634"/>
       </p:ext>
     </p:extLst>
   </p:cSld>
@@ -1164,13 +1388,39 @@
           <a:p>
             <a:r>
               <a:rPr lang="tr-TR" dirty="0" smtClean="0"/>
-              <a:t>http://www.tutorialspoint.com/javascript/javascript_html_dom.htm</a:t>
-            </a:r>
-          </a:p>
-          <a:p>
-            <a:r>
-              <a:rPr lang="tr-TR" dirty="0" smtClean="0"/>
-              <a:t>https://developer.mozilla.org/en-US/docs/Web/API/Document_Object_Model</a:t>
+              <a:t>Karakter</a:t>
+            </a:r>
+            <a:r>
+              <a:rPr lang="tr-TR" baseline="0" dirty="0" smtClean="0"/>
+              <a:t> kodlama</a:t>
+            </a:r>
+            <a:endParaRPr lang="tr-TR" dirty="0" smtClean="0"/>
+          </a:p>
+          <a:p>
+            <a:r>
+              <a:rPr lang="en-US" dirty="0" smtClean="0"/>
+              <a:t>Choosing &amp; applying a character encoding</a:t>
+            </a:r>
+          </a:p>
+          <a:p>
+            <a:r>
+              <a:rPr lang="en-US" dirty="0" smtClean="0"/>
+              <a:t>  https://www.w3.org/International/questions/qa-choosing-encodings</a:t>
+            </a:r>
+          </a:p>
+          <a:p>
+            <a:endParaRPr lang="en-US" dirty="0" smtClean="0"/>
+          </a:p>
+          <a:p>
+            <a:r>
+              <a:rPr lang="en-US" dirty="0" smtClean="0"/>
+              <a:t>BOM (Byte Order Mark)  </a:t>
+            </a:r>
+          </a:p>
+          <a:p>
+            <a:r>
+              <a:rPr lang="en-US" dirty="0" smtClean="0"/>
+              <a:t>  http://www.w3.org/International/questions/qa-byte-order-mark.en.php</a:t>
             </a:r>
             <a:endParaRPr lang="tr-TR" dirty="0"/>
           </a:p>
@@ -1193,7 +1443,7 @@
           <a:p>
             <a:fld id="{5DE05AF9-BE5B-4DB2-802A-F4F6F231D690}" type="slidenum">
               <a:rPr lang="tr-TR" smtClean="0"/>
-              <a:t>16</a:t>
+              <a:t>12</a:t>
             </a:fld>
             <a:endParaRPr lang="tr-TR"/>
           </a:p>
@@ -1202,7 +1452,7 @@
     </p:spTree>
     <p:extLst>
       <p:ext uri="{BB962C8B-B14F-4D97-AF65-F5344CB8AC3E}">
-        <p14:creationId xmlns:p14="http://schemas.microsoft.com/office/powerpoint/2010/main" val="833137321"/>
+        <p14:creationId xmlns:p14="http://schemas.microsoft.com/office/powerpoint/2010/main" val="3205711029"/>
       </p:ext>
     </p:extLst>
   </p:cSld>
@@ -1256,22 +1506,6 @@
           <a:bodyPr/>
           <a:lstStyle/>
           <a:p>
-            <a:r>
-              <a:rPr lang="tr-TR" dirty="0" smtClean="0"/>
-              <a:t>http://www.tutorialspoint.com/javascript/javascript_html_dom.htm</a:t>
-            </a:r>
-          </a:p>
-          <a:p>
-            <a:r>
-              <a:rPr lang="tr-TR" dirty="0" smtClean="0"/>
-              <a:t>https://developer.mozilla.org/en-US/docs/Web/API/Document_Object_Model</a:t>
-            </a:r>
-          </a:p>
-          <a:p>
-            <a:r>
-              <a:rPr lang="tr-TR" dirty="0" smtClean="0"/>
-              <a:t>http://www.w3.org/DOM/</a:t>
-            </a:r>
             <a:endParaRPr lang="tr-TR" dirty="0"/>
           </a:p>
         </p:txBody>
@@ -1293,7 +1527,7 @@
           <a:p>
             <a:fld id="{5DE05AF9-BE5B-4DB2-802A-F4F6F231D690}" type="slidenum">
               <a:rPr lang="tr-TR" smtClean="0"/>
-              <a:t>17</a:t>
+              <a:t>15</a:t>
             </a:fld>
             <a:endParaRPr lang="tr-TR"/>
           </a:p>
@@ -1302,7 +1536,7 @@
     </p:spTree>
     <p:extLst>
       <p:ext uri="{BB962C8B-B14F-4D97-AF65-F5344CB8AC3E}">
-        <p14:creationId xmlns:p14="http://schemas.microsoft.com/office/powerpoint/2010/main" val="833137321"/>
+        <p14:creationId xmlns:p14="http://schemas.microsoft.com/office/powerpoint/2010/main" val="2485533628"/>
       </p:ext>
     </p:extLst>
   </p:cSld>
@@ -1356,16 +1590,6 @@
           <a:bodyPr/>
           <a:lstStyle/>
           <a:p>
-            <a:r>
-              <a:rPr lang="tr-TR" dirty="0" smtClean="0"/>
-              <a:t>http://www.tutorialspoint.com/javascript/javascript_html_dom.htm</a:t>
-            </a:r>
-          </a:p>
-          <a:p>
-            <a:r>
-              <a:rPr lang="tr-TR" dirty="0" smtClean="0"/>
-              <a:t>https://developer.mozilla.org/en-US/docs/Web/API/Document_Object_Model</a:t>
-            </a:r>
             <a:endParaRPr lang="tr-TR" dirty="0"/>
           </a:p>
         </p:txBody>
@@ -1387,7 +1611,372 @@
           <a:p>
             <a:fld id="{5DE05AF9-BE5B-4DB2-802A-F4F6F231D690}" type="slidenum">
               <a:rPr lang="tr-TR" smtClean="0"/>
+              <a:t>16</a:t>
+            </a:fld>
+            <a:endParaRPr lang="tr-TR"/>
+          </a:p>
+        </p:txBody>
+      </p:sp>
+    </p:spTree>
+    <p:extLst>
+      <p:ext uri="{BB962C8B-B14F-4D97-AF65-F5344CB8AC3E}">
+        <p14:creationId xmlns:p14="http://schemas.microsoft.com/office/powerpoint/2010/main" val="626022406"/>
+      </p:ext>
+    </p:extLst>
+  </p:cSld>
+  <p:clrMapOvr>
+    <a:masterClrMapping/>
+  </p:clrMapOvr>
+</p:notes>
+</file>
+
+<file path=ppt/notesSlides/notesSlide8.xml><?xml version="1.0" encoding="utf-8"?>
+<p:notes xmlns:a="http://schemas.openxmlformats.org/drawingml/2006/main" xmlns:r="http://schemas.openxmlformats.org/officeDocument/2006/relationships" xmlns:p="http://schemas.openxmlformats.org/presentationml/2006/main">
+  <p:cSld>
+    <p:spTree>
+      <p:nvGrpSpPr>
+        <p:cNvPr id="1" name=""/>
+        <p:cNvGrpSpPr/>
+        <p:nvPr/>
+      </p:nvGrpSpPr>
+      <p:grpSpPr>
+        <a:xfrm>
+          <a:off x="0" y="0"/>
+          <a:ext cx="0" cy="0"/>
+          <a:chOff x="0" y="0"/>
+          <a:chExt cx="0" cy="0"/>
+        </a:xfrm>
+      </p:grpSpPr>
+      <p:sp>
+        <p:nvSpPr>
+          <p:cNvPr id="2" name="Slayt Görüntüsü Yer Tutucusu 1"/>
+          <p:cNvSpPr>
+            <a:spLocks noGrp="1" noRot="1" noChangeAspect="1"/>
+          </p:cNvSpPr>
+          <p:nvPr>
+            <p:ph type="sldImg"/>
+          </p:nvPr>
+        </p:nvSpPr>
+        <p:spPr/>
+      </p:sp>
+      <p:sp>
+        <p:nvSpPr>
+          <p:cNvPr id="3" name="Not Yer Tutucusu 2"/>
+          <p:cNvSpPr>
+            <a:spLocks noGrp="1"/>
+          </p:cNvSpPr>
+          <p:nvPr>
+            <p:ph type="body" idx="1"/>
+          </p:nvPr>
+        </p:nvSpPr>
+        <p:spPr/>
+        <p:txBody>
+          <a:bodyPr/>
+          <a:lstStyle/>
+          <a:p>
+            <a:r>
+              <a:rPr lang="tr-TR" dirty="0" smtClean="0"/>
+              <a:t>Web sayfasının</a:t>
+            </a:r>
+            <a:r>
+              <a:rPr lang="tr-TR" baseline="0" dirty="0" smtClean="0"/>
+              <a:t> görüntülenebilmesi ve sayfa içeriği ile etkileşim sağlanması için </a:t>
+            </a:r>
+            <a:r>
+              <a:rPr lang="tr-TR" b="1" baseline="0" dirty="0" err="1" smtClean="0"/>
+              <a:t>bildirimsel</a:t>
+            </a:r>
+            <a:r>
+              <a:rPr lang="tr-TR" baseline="0" dirty="0" smtClean="0"/>
+              <a:t> (</a:t>
+            </a:r>
+            <a:r>
+              <a:rPr lang="tr-TR" b="1" baseline="0" dirty="0" err="1" smtClean="0"/>
+              <a:t>declarative</a:t>
+            </a:r>
+            <a:r>
+              <a:rPr lang="tr-TR" baseline="0" dirty="0" smtClean="0"/>
+              <a:t>) olarak ifade edilen </a:t>
+            </a:r>
+            <a:r>
+              <a:rPr lang="tr-TR" b="1" baseline="0" dirty="0" smtClean="0"/>
+              <a:t>sayfa içeriği</a:t>
+            </a:r>
+            <a:r>
+              <a:rPr lang="tr-TR" baseline="0" dirty="0" smtClean="0"/>
+              <a:t>nin (</a:t>
+            </a:r>
+            <a:r>
+              <a:rPr lang="tr-TR" b="1" baseline="0" dirty="0" err="1" smtClean="0"/>
+              <a:t>page</a:t>
+            </a:r>
+            <a:r>
+              <a:rPr lang="tr-TR" b="1" baseline="0" dirty="0" smtClean="0"/>
+              <a:t> </a:t>
+            </a:r>
+            <a:r>
+              <a:rPr lang="tr-TR" b="1" baseline="0" dirty="0" err="1" smtClean="0"/>
+              <a:t>content</a:t>
+            </a:r>
+            <a:r>
+              <a:rPr lang="tr-TR" baseline="0" dirty="0" smtClean="0"/>
+              <a:t>) tarayıcının üzerinde çalışabileceği </a:t>
+            </a:r>
+            <a:r>
+              <a:rPr lang="tr-TR" b="1" baseline="0" dirty="0" smtClean="0"/>
+              <a:t>i</a:t>
+            </a:r>
+            <a:r>
+              <a:rPr lang="tr-TR" b="1" dirty="0" smtClean="0"/>
+              <a:t>çsel sunum</a:t>
+            </a:r>
+            <a:r>
+              <a:rPr lang="tr-TR" dirty="0" smtClean="0"/>
+              <a:t>a (</a:t>
+            </a:r>
+            <a:r>
+              <a:rPr lang="tr-TR" b="1" dirty="0" err="1" smtClean="0"/>
+              <a:t>internal</a:t>
+            </a:r>
+            <a:r>
+              <a:rPr lang="tr-TR" b="1" dirty="0" smtClean="0"/>
+              <a:t> </a:t>
+            </a:r>
+            <a:r>
+              <a:rPr lang="tr-TR" b="1" dirty="0" err="1" smtClean="0"/>
+              <a:t>representation</a:t>
+            </a:r>
+            <a:r>
+              <a:rPr lang="tr-TR" dirty="0" smtClean="0"/>
+              <a:t>) dönüştürülmüş</a:t>
+            </a:r>
+            <a:r>
+              <a:rPr lang="tr-TR" baseline="0" dirty="0" smtClean="0"/>
+              <a:t> halidir.</a:t>
+            </a:r>
+          </a:p>
+          <a:p>
+            <a:endParaRPr lang="tr-TR" baseline="0" dirty="0" smtClean="0"/>
+          </a:p>
+          <a:p>
+            <a:r>
+              <a:rPr lang="tr-TR" baseline="0" dirty="0" err="1" smtClean="0"/>
+              <a:t>bildirimsel</a:t>
+            </a:r>
+            <a:r>
+              <a:rPr lang="tr-TR" baseline="0" dirty="0" smtClean="0"/>
+              <a:t> olarak ifade edilen DOM nesneleri (</a:t>
+            </a:r>
+            <a:r>
+              <a:rPr lang="tr-TR" b="1" baseline="0" dirty="0" smtClean="0"/>
+              <a:t>DOM </a:t>
+            </a:r>
+            <a:r>
+              <a:rPr lang="tr-TR" b="1" baseline="0" dirty="0" err="1" smtClean="0"/>
+              <a:t>objects</a:t>
+            </a:r>
+            <a:r>
+              <a:rPr lang="tr-TR" baseline="0" dirty="0" smtClean="0"/>
+              <a:t>)</a:t>
+            </a:r>
+          </a:p>
+          <a:p>
+            <a:pPr marL="171450" indent="-171450">
+              <a:buFont typeface="Arial" charset="0"/>
+              <a:buChar char="•"/>
+            </a:pPr>
+            <a:r>
+              <a:rPr lang="tr-TR" baseline="0" dirty="0" smtClean="0"/>
+              <a:t>html elemanları ve </a:t>
+            </a:r>
+            <a:r>
+              <a:rPr lang="tr-TR" baseline="0" dirty="0" err="1" smtClean="0"/>
+              <a:t>style'lar</a:t>
+            </a:r>
+            <a:r>
+              <a:rPr lang="tr-TR" baseline="0" dirty="0" smtClean="0"/>
+              <a:t> (</a:t>
+            </a:r>
+            <a:r>
+              <a:rPr lang="tr-TR" baseline="0" dirty="0" err="1" smtClean="0"/>
+              <a:t>nod'lar</a:t>
+            </a:r>
+            <a:r>
+              <a:rPr lang="tr-TR" baseline="0" dirty="0" smtClean="0"/>
+              <a:t>: element, </a:t>
+            </a:r>
+            <a:r>
+              <a:rPr lang="tr-TR" baseline="0" dirty="0" err="1" smtClean="0"/>
+              <a:t>attribute</a:t>
+            </a:r>
+            <a:r>
+              <a:rPr lang="tr-TR" baseline="0" dirty="0" smtClean="0"/>
+              <a:t>, </a:t>
+            </a:r>
+            <a:r>
+              <a:rPr lang="tr-TR" baseline="0" dirty="0" err="1" smtClean="0"/>
+              <a:t>text</a:t>
+            </a:r>
+            <a:r>
+              <a:rPr lang="tr-TR" baseline="0" dirty="0" smtClean="0"/>
+              <a:t>, </a:t>
+            </a:r>
+            <a:r>
+              <a:rPr lang="tr-TR" baseline="0" dirty="0" err="1" smtClean="0"/>
+              <a:t>comment</a:t>
+            </a:r>
+            <a:r>
+              <a:rPr lang="tr-TR" baseline="0" dirty="0" smtClean="0"/>
+              <a:t>, </a:t>
+            </a:r>
+            <a:r>
+              <a:rPr lang="tr-TR" baseline="0" dirty="0" err="1" smtClean="0"/>
+              <a:t>event</a:t>
+            </a:r>
+            <a:r>
+              <a:rPr lang="tr-TR" baseline="0" dirty="0" smtClean="0"/>
+              <a:t>)</a:t>
+            </a:r>
+          </a:p>
+          <a:p>
+            <a:pPr marL="0" indent="0">
+              <a:buFont typeface="Arial" charset="0"/>
+              <a:buNone/>
+            </a:pPr>
+            <a:endParaRPr lang="tr-TR" baseline="0" dirty="0" smtClean="0"/>
+          </a:p>
+          <a:p>
+            <a:endParaRPr lang="tr-TR" baseline="0" dirty="0" smtClean="0"/>
+          </a:p>
+          <a:p>
+            <a:r>
+              <a:rPr lang="tr-TR" baseline="0" dirty="0" smtClean="0"/>
+              <a:t>DOM</a:t>
+            </a:r>
+          </a:p>
+          <a:p>
+            <a:r>
+              <a:rPr lang="tr-TR" baseline="0" dirty="0" smtClean="0"/>
+              <a:t>http://www.w3.org/DOM</a:t>
+            </a:r>
+          </a:p>
+          <a:p>
+            <a:endParaRPr lang="tr-TR" dirty="0"/>
+          </a:p>
+        </p:txBody>
+      </p:sp>
+      <p:sp>
+        <p:nvSpPr>
+          <p:cNvPr id="4" name="Slayt Numarası Yer Tutucusu 3"/>
+          <p:cNvSpPr>
+            <a:spLocks noGrp="1"/>
+          </p:cNvSpPr>
+          <p:nvPr>
+            <p:ph type="sldNum" sz="quarter" idx="10"/>
+          </p:nvPr>
+        </p:nvSpPr>
+        <p:spPr/>
+        <p:txBody>
+          <a:bodyPr/>
+          <a:lstStyle/>
+          <a:p>
+            <a:fld id="{5DE05AF9-BE5B-4DB2-802A-F4F6F231D690}" type="slidenum">
+              <a:rPr lang="tr-TR" smtClean="0"/>
               <a:t>18</a:t>
+            </a:fld>
+            <a:endParaRPr lang="tr-TR"/>
+          </a:p>
+        </p:txBody>
+      </p:sp>
+    </p:spTree>
+    <p:extLst>
+      <p:ext uri="{BB962C8B-B14F-4D97-AF65-F5344CB8AC3E}">
+        <p14:creationId xmlns:p14="http://schemas.microsoft.com/office/powerpoint/2010/main" val="2693122929"/>
+      </p:ext>
+    </p:extLst>
+  </p:cSld>
+  <p:clrMapOvr>
+    <a:masterClrMapping/>
+  </p:clrMapOvr>
+</p:notes>
+</file>
+
+<file path=ppt/notesSlides/notesSlide9.xml><?xml version="1.0" encoding="utf-8"?>
+<p:notes xmlns:a="http://schemas.openxmlformats.org/drawingml/2006/main" xmlns:r="http://schemas.openxmlformats.org/officeDocument/2006/relationships" xmlns:p="http://schemas.openxmlformats.org/presentationml/2006/main">
+  <p:cSld>
+    <p:spTree>
+      <p:nvGrpSpPr>
+        <p:cNvPr id="1" name=""/>
+        <p:cNvGrpSpPr/>
+        <p:nvPr/>
+      </p:nvGrpSpPr>
+      <p:grpSpPr>
+        <a:xfrm>
+          <a:off x="0" y="0"/>
+          <a:ext cx="0" cy="0"/>
+          <a:chOff x="0" y="0"/>
+          <a:chExt cx="0" cy="0"/>
+        </a:xfrm>
+      </p:grpSpPr>
+      <p:sp>
+        <p:nvSpPr>
+          <p:cNvPr id="2" name="Slayt Görüntüsü Yer Tutucusu 1"/>
+          <p:cNvSpPr>
+            <a:spLocks noGrp="1" noRot="1" noChangeAspect="1"/>
+          </p:cNvSpPr>
+          <p:nvPr>
+            <p:ph type="sldImg"/>
+          </p:nvPr>
+        </p:nvSpPr>
+        <p:spPr/>
+      </p:sp>
+      <p:sp>
+        <p:nvSpPr>
+          <p:cNvPr id="3" name="Not Yer Tutucusu 2"/>
+          <p:cNvSpPr>
+            <a:spLocks noGrp="1"/>
+          </p:cNvSpPr>
+          <p:nvPr>
+            <p:ph type="body" idx="1"/>
+          </p:nvPr>
+        </p:nvSpPr>
+        <p:spPr/>
+        <p:txBody>
+          <a:bodyPr/>
+          <a:lstStyle/>
+          <a:p>
+            <a:r>
+              <a:rPr lang="tr-TR" dirty="0" smtClean="0"/>
+              <a:t>http://www.tutorialspoint.com/javascript/javascript_html_dom.htm</a:t>
+            </a:r>
+          </a:p>
+          <a:p>
+            <a:r>
+              <a:rPr lang="tr-TR" dirty="0" smtClean="0"/>
+              <a:t>https://developer.mozilla.org/en-US/docs/Web/API/Document_Object_Model</a:t>
+            </a:r>
+            <a:endParaRPr lang="tr-TR" dirty="0"/>
+          </a:p>
+        </p:txBody>
+      </p:sp>
+      <p:sp>
+        <p:nvSpPr>
+          <p:cNvPr id="4" name="Slayt Numarası Yer Tutucusu 3"/>
+          <p:cNvSpPr>
+            <a:spLocks noGrp="1"/>
+          </p:cNvSpPr>
+          <p:nvPr>
+            <p:ph type="sldNum" sz="quarter" idx="10"/>
+          </p:nvPr>
+        </p:nvSpPr>
+        <p:spPr/>
+        <p:txBody>
+          <a:bodyPr/>
+          <a:lstStyle/>
+          <a:p>
+            <a:fld id="{5DE05AF9-BE5B-4DB2-802A-F4F6F231D690}" type="slidenum">
+              <a:rPr lang="tr-TR" smtClean="0"/>
+              <a:t>19</a:t>
             </a:fld>
             <a:endParaRPr lang="tr-TR"/>
           </a:p>
@@ -1587,7 +2176,7 @@
           <a:p>
             <a:fld id="{8B42BDD8-1597-4FFD-A740-152FF39E48FC}" type="datetimeFigureOut">
               <a:rPr lang="tr-TR" smtClean="0"/>
-              <a:t>20.06.2015</a:t>
+              <a:t>21.6.2015</a:t>
             </a:fld>
             <a:endParaRPr lang="tr-TR"/>
           </a:p>
@@ -1757,7 +2346,7 @@
           <a:p>
             <a:fld id="{8B42BDD8-1597-4FFD-A740-152FF39E48FC}" type="datetimeFigureOut">
               <a:rPr lang="tr-TR" smtClean="0"/>
-              <a:t>20.06.2015</a:t>
+              <a:t>21.6.2015</a:t>
             </a:fld>
             <a:endParaRPr lang="tr-TR"/>
           </a:p>
@@ -1937,7 +2526,7 @@
           <a:p>
             <a:fld id="{8B42BDD8-1597-4FFD-A740-152FF39E48FC}" type="datetimeFigureOut">
               <a:rPr lang="tr-TR" smtClean="0"/>
-              <a:t>20.06.2015</a:t>
+              <a:t>21.6.2015</a:t>
             </a:fld>
             <a:endParaRPr lang="tr-TR"/>
           </a:p>
@@ -2107,7 +2696,7 @@
           <a:p>
             <a:fld id="{8B42BDD8-1597-4FFD-A740-152FF39E48FC}" type="datetimeFigureOut">
               <a:rPr lang="tr-TR" smtClean="0"/>
-              <a:t>20.06.2015</a:t>
+              <a:t>21.6.2015</a:t>
             </a:fld>
             <a:endParaRPr lang="tr-TR"/>
           </a:p>
@@ -2353,7 +2942,7 @@
           <a:p>
             <a:fld id="{8B42BDD8-1597-4FFD-A740-152FF39E48FC}" type="datetimeFigureOut">
               <a:rPr lang="tr-TR" smtClean="0"/>
-              <a:t>20.06.2015</a:t>
+              <a:t>21.6.2015</a:t>
             </a:fld>
             <a:endParaRPr lang="tr-TR"/>
           </a:p>
@@ -2641,7 +3230,7 @@
           <a:p>
             <a:fld id="{8B42BDD8-1597-4FFD-A740-152FF39E48FC}" type="datetimeFigureOut">
               <a:rPr lang="tr-TR" smtClean="0"/>
-              <a:t>20.06.2015</a:t>
+              <a:t>21.6.2015</a:t>
             </a:fld>
             <a:endParaRPr lang="tr-TR"/>
           </a:p>
@@ -3063,7 +3652,7 @@
           <a:p>
             <a:fld id="{8B42BDD8-1597-4FFD-A740-152FF39E48FC}" type="datetimeFigureOut">
               <a:rPr lang="tr-TR" smtClean="0"/>
-              <a:t>20.06.2015</a:t>
+              <a:t>21.6.2015</a:t>
             </a:fld>
             <a:endParaRPr lang="tr-TR"/>
           </a:p>
@@ -3181,7 +3770,7 @@
           <a:p>
             <a:fld id="{8B42BDD8-1597-4FFD-A740-152FF39E48FC}" type="datetimeFigureOut">
               <a:rPr lang="tr-TR" smtClean="0"/>
-              <a:t>20.06.2015</a:t>
+              <a:t>21.6.2015</a:t>
             </a:fld>
             <a:endParaRPr lang="tr-TR"/>
           </a:p>
@@ -3276,7 +3865,7 @@
           <a:p>
             <a:fld id="{8B42BDD8-1597-4FFD-A740-152FF39E48FC}" type="datetimeFigureOut">
               <a:rPr lang="tr-TR" smtClean="0"/>
-              <a:t>20.06.2015</a:t>
+              <a:t>21.6.2015</a:t>
             </a:fld>
             <a:endParaRPr lang="tr-TR"/>
           </a:p>
@@ -3553,7 +4142,7 @@
           <a:p>
             <a:fld id="{8B42BDD8-1597-4FFD-A740-152FF39E48FC}" type="datetimeFigureOut">
               <a:rPr lang="tr-TR" smtClean="0"/>
-              <a:t>20.06.2015</a:t>
+              <a:t>21.6.2015</a:t>
             </a:fld>
             <a:endParaRPr lang="tr-TR"/>
           </a:p>
@@ -3806,7 +4395,7 @@
           <a:p>
             <a:fld id="{8B42BDD8-1597-4FFD-A740-152FF39E48FC}" type="datetimeFigureOut">
               <a:rPr lang="tr-TR" smtClean="0"/>
-              <a:t>20.06.2015</a:t>
+              <a:t>21.6.2015</a:t>
             </a:fld>
             <a:endParaRPr lang="tr-TR"/>
           </a:p>
@@ -4019,7 +4608,7 @@
           <a:p>
             <a:fld id="{8B42BDD8-1597-4FFD-A740-152FF39E48FC}" type="datetimeFigureOut">
               <a:rPr lang="tr-TR" smtClean="0"/>
-              <a:t>20.06.2015</a:t>
+              <a:t>21.6.2015</a:t>
             </a:fld>
             <a:endParaRPr lang="tr-TR"/>
           </a:p>
@@ -4838,6 +5427,407 @@
           <a:p>
             <a:r>
               <a:rPr lang="tr-TR" dirty="0" smtClean="0"/>
+              <a:t>beyaz boşluklar </a:t>
+            </a:r>
+          </a:p>
+          <a:p>
+            <a:r>
+              <a:rPr lang="tr-TR" dirty="0" err="1" smtClean="0"/>
+              <a:t>white</a:t>
+            </a:r>
+            <a:r>
+              <a:rPr lang="tr-TR" dirty="0" smtClean="0"/>
+              <a:t> </a:t>
+            </a:r>
+            <a:r>
+              <a:rPr lang="tr-TR" dirty="0" err="1" smtClean="0"/>
+              <a:t>spaces</a:t>
+            </a:r>
+            <a:endParaRPr lang="tr-TR" dirty="0"/>
+          </a:p>
+        </p:txBody>
+      </p:sp>
+      <p:sp>
+        <p:nvSpPr>
+          <p:cNvPr id="4" name="İçerik Yer Tutucusu 1"/>
+          <p:cNvSpPr txBox="1">
+            <a:spLocks/>
+          </p:cNvSpPr>
+          <p:nvPr/>
+        </p:nvSpPr>
+        <p:spPr>
+          <a:xfrm>
+            <a:off x="457200" y="1600200"/>
+            <a:ext cx="8579296" cy="4525963"/>
+          </a:xfrm>
+          <a:prstGeom prst="rect">
+            <a:avLst/>
+          </a:prstGeom>
+        </p:spPr>
+        <p:txBody>
+          <a:bodyPr/>
+          <a:lstStyle>
+            <a:lvl1pPr marL="342900" indent="-342900" algn="l" defTabSz="914400" rtl="0" eaLnBrk="1" latinLnBrk="0" hangingPunct="1">
+              <a:spcBef>
+                <a:spcPct val="20000"/>
+              </a:spcBef>
+              <a:buFont typeface="Arial" panose="020B0604020202020204" pitchFamily="34" charset="0"/>
+              <a:buChar char="•"/>
+              <a:defRPr sz="3200" kern="1200">
+                <a:solidFill>
+                  <a:schemeClr val="tx1"/>
+                </a:solidFill>
+                <a:latin typeface="+mn-lt"/>
+                <a:ea typeface="+mn-ea"/>
+                <a:cs typeface="+mn-cs"/>
+              </a:defRPr>
+            </a:lvl1pPr>
+            <a:lvl2pPr marL="742950" indent="-285750" algn="l" defTabSz="914400" rtl="0" eaLnBrk="1" latinLnBrk="0" hangingPunct="1">
+              <a:spcBef>
+                <a:spcPct val="20000"/>
+              </a:spcBef>
+              <a:buFont typeface="Arial" panose="020B0604020202020204" pitchFamily="34" charset="0"/>
+              <a:buChar char="–"/>
+              <a:defRPr sz="2800" kern="1200">
+                <a:solidFill>
+                  <a:schemeClr val="tx1"/>
+                </a:solidFill>
+                <a:latin typeface="+mn-lt"/>
+                <a:ea typeface="+mn-ea"/>
+                <a:cs typeface="+mn-cs"/>
+              </a:defRPr>
+            </a:lvl2pPr>
+            <a:lvl3pPr marL="1143000" indent="-228600" algn="l" defTabSz="914400" rtl="0" eaLnBrk="1" latinLnBrk="0" hangingPunct="1">
+              <a:spcBef>
+                <a:spcPct val="20000"/>
+              </a:spcBef>
+              <a:buFont typeface="Arial" panose="020B0604020202020204" pitchFamily="34" charset="0"/>
+              <a:buChar char="•"/>
+              <a:defRPr sz="2400" kern="1200">
+                <a:solidFill>
+                  <a:schemeClr val="tx1"/>
+                </a:solidFill>
+                <a:latin typeface="+mn-lt"/>
+                <a:ea typeface="+mn-ea"/>
+                <a:cs typeface="+mn-cs"/>
+              </a:defRPr>
+            </a:lvl3pPr>
+            <a:lvl4pPr marL="1600200" indent="-228600" algn="l" defTabSz="914400" rtl="0" eaLnBrk="1" latinLnBrk="0" hangingPunct="1">
+              <a:spcBef>
+                <a:spcPct val="20000"/>
+              </a:spcBef>
+              <a:buFont typeface="Arial" panose="020B0604020202020204" pitchFamily="34" charset="0"/>
+              <a:buChar char="–"/>
+              <a:defRPr sz="2000" kern="1200">
+                <a:solidFill>
+                  <a:schemeClr val="tx1"/>
+                </a:solidFill>
+                <a:latin typeface="+mn-lt"/>
+                <a:ea typeface="+mn-ea"/>
+                <a:cs typeface="+mn-cs"/>
+              </a:defRPr>
+            </a:lvl4pPr>
+            <a:lvl5pPr marL="2057400" indent="-228600" algn="l" defTabSz="914400" rtl="0" eaLnBrk="1" latinLnBrk="0" hangingPunct="1">
+              <a:spcBef>
+                <a:spcPct val="20000"/>
+              </a:spcBef>
+              <a:buFont typeface="Arial" panose="020B0604020202020204" pitchFamily="34" charset="0"/>
+              <a:buChar char="»"/>
+              <a:defRPr sz="2000" kern="1200">
+                <a:solidFill>
+                  <a:schemeClr val="tx1"/>
+                </a:solidFill>
+                <a:latin typeface="+mn-lt"/>
+                <a:ea typeface="+mn-ea"/>
+                <a:cs typeface="+mn-cs"/>
+              </a:defRPr>
+            </a:lvl5pPr>
+            <a:lvl6pPr marL="2514600" indent="-228600" algn="l" defTabSz="914400" rtl="0" eaLnBrk="1" latinLnBrk="0" hangingPunct="1">
+              <a:spcBef>
+                <a:spcPct val="20000"/>
+              </a:spcBef>
+              <a:buFont typeface="Arial" panose="020B0604020202020204" pitchFamily="34" charset="0"/>
+              <a:buChar char="•"/>
+              <a:defRPr sz="2000" kern="1200">
+                <a:solidFill>
+                  <a:schemeClr val="tx1"/>
+                </a:solidFill>
+                <a:latin typeface="+mn-lt"/>
+                <a:ea typeface="+mn-ea"/>
+                <a:cs typeface="+mn-cs"/>
+              </a:defRPr>
+            </a:lvl6pPr>
+            <a:lvl7pPr marL="2971800" indent="-228600" algn="l" defTabSz="914400" rtl="0" eaLnBrk="1" latinLnBrk="0" hangingPunct="1">
+              <a:spcBef>
+                <a:spcPct val="20000"/>
+              </a:spcBef>
+              <a:buFont typeface="Arial" panose="020B0604020202020204" pitchFamily="34" charset="0"/>
+              <a:buChar char="•"/>
+              <a:defRPr sz="2000" kern="1200">
+                <a:solidFill>
+                  <a:schemeClr val="tx1"/>
+                </a:solidFill>
+                <a:latin typeface="+mn-lt"/>
+                <a:ea typeface="+mn-ea"/>
+                <a:cs typeface="+mn-cs"/>
+              </a:defRPr>
+            </a:lvl7pPr>
+            <a:lvl8pPr marL="3429000" indent="-228600" algn="l" defTabSz="914400" rtl="0" eaLnBrk="1" latinLnBrk="0" hangingPunct="1">
+              <a:spcBef>
+                <a:spcPct val="20000"/>
+              </a:spcBef>
+              <a:buFont typeface="Arial" panose="020B0604020202020204" pitchFamily="34" charset="0"/>
+              <a:buChar char="•"/>
+              <a:defRPr sz="2000" kern="1200">
+                <a:solidFill>
+                  <a:schemeClr val="tx1"/>
+                </a:solidFill>
+                <a:latin typeface="+mn-lt"/>
+                <a:ea typeface="+mn-ea"/>
+                <a:cs typeface="+mn-cs"/>
+              </a:defRPr>
+            </a:lvl8pPr>
+            <a:lvl9pPr marL="3886200" indent="-228600" algn="l" defTabSz="914400" rtl="0" eaLnBrk="1" latinLnBrk="0" hangingPunct="1">
+              <a:spcBef>
+                <a:spcPct val="20000"/>
+              </a:spcBef>
+              <a:buFont typeface="Arial" panose="020B0604020202020204" pitchFamily="34" charset="0"/>
+              <a:buChar char="•"/>
+              <a:defRPr sz="2000" kern="1200">
+                <a:solidFill>
+                  <a:schemeClr val="tx1"/>
+                </a:solidFill>
+                <a:latin typeface="+mn-lt"/>
+                <a:ea typeface="+mn-ea"/>
+                <a:cs typeface="+mn-cs"/>
+              </a:defRPr>
+            </a:lvl9pPr>
+          </a:lstStyle>
+          <a:p>
+            <a:pPr marL="0" indent="0" algn="just">
+              <a:buNone/>
+            </a:pPr>
+            <a:r>
+              <a:rPr lang="tr-TR" sz="3600" dirty="0" smtClean="0">
+                <a:solidFill>
+                  <a:schemeClr val="tx1">
+                    <a:lumMod val="65000"/>
+                    <a:lumOff val="35000"/>
+                  </a:schemeClr>
+                </a:solidFill>
+                <a:latin typeface="+mj-lt"/>
+                <a:cs typeface="Consolas" panose="020B0609020204030204" pitchFamily="49" charset="0"/>
+              </a:rPr>
+              <a:t>Html </a:t>
+            </a:r>
+            <a:r>
+              <a:rPr lang="tr-TR" sz="3600" b="1" dirty="0" smtClean="0">
+                <a:solidFill>
+                  <a:schemeClr val="tx1">
+                    <a:lumMod val="65000"/>
+                    <a:lumOff val="35000"/>
+                  </a:schemeClr>
+                </a:solidFill>
+                <a:latin typeface="+mj-lt"/>
+                <a:cs typeface="Consolas" panose="020B0609020204030204" pitchFamily="49" charset="0"/>
+              </a:rPr>
+              <a:t>içeriğinde</a:t>
+            </a:r>
+            <a:r>
+              <a:rPr lang="tr-TR" sz="3600" dirty="0" smtClean="0">
+                <a:solidFill>
+                  <a:schemeClr val="tx1">
+                    <a:lumMod val="65000"/>
+                    <a:lumOff val="35000"/>
+                  </a:schemeClr>
+                </a:solidFill>
+                <a:latin typeface="+mj-lt"/>
+                <a:cs typeface="Consolas" panose="020B0609020204030204" pitchFamily="49" charset="0"/>
+              </a:rPr>
+              <a:t> </a:t>
+            </a:r>
+            <a:r>
+              <a:rPr lang="tr-TR" sz="3600" dirty="0" err="1" smtClean="0">
+                <a:solidFill>
+                  <a:schemeClr val="tx1">
+                    <a:lumMod val="65000"/>
+                    <a:lumOff val="35000"/>
+                  </a:schemeClr>
+                </a:solidFill>
+                <a:latin typeface="+mj-lt"/>
+                <a:cs typeface="Consolas" panose="020B0609020204030204" pitchFamily="49" charset="0"/>
+              </a:rPr>
+              <a:t>yeralan</a:t>
+            </a:r>
+            <a:r>
+              <a:rPr lang="tr-TR" sz="3600" dirty="0" smtClean="0">
+                <a:solidFill>
+                  <a:schemeClr val="tx1">
+                    <a:lumMod val="65000"/>
+                    <a:lumOff val="35000"/>
+                  </a:schemeClr>
+                </a:solidFill>
+                <a:latin typeface="+mj-lt"/>
+                <a:cs typeface="Consolas" panose="020B0609020204030204" pitchFamily="49" charset="0"/>
+              </a:rPr>
+              <a:t> aşağıdaki karakterler (beyaz boşluklar) </a:t>
+            </a:r>
+            <a:r>
+              <a:rPr lang="tr-TR" sz="3600" b="1" dirty="0" smtClean="0">
+                <a:solidFill>
+                  <a:schemeClr val="tx1">
+                    <a:lumMod val="65000"/>
+                    <a:lumOff val="35000"/>
+                  </a:schemeClr>
+                </a:solidFill>
+                <a:latin typeface="+mj-lt"/>
+                <a:cs typeface="Consolas" panose="020B0609020204030204" pitchFamily="49" charset="0"/>
+              </a:rPr>
+              <a:t>sayfa gösterimi</a:t>
+            </a:r>
+            <a:r>
+              <a:rPr lang="tr-TR" sz="3600" dirty="0" smtClean="0">
+                <a:solidFill>
+                  <a:schemeClr val="tx1">
+                    <a:lumMod val="65000"/>
+                    <a:lumOff val="35000"/>
+                  </a:schemeClr>
+                </a:solidFill>
+                <a:latin typeface="+mj-lt"/>
+                <a:cs typeface="Consolas" panose="020B0609020204030204" pitchFamily="49" charset="0"/>
+              </a:rPr>
+              <a:t> sırasında </a:t>
+            </a:r>
+            <a:r>
+              <a:rPr lang="tr-TR" sz="3600" dirty="0" err="1" smtClean="0">
+                <a:solidFill>
+                  <a:schemeClr val="tx1">
+                    <a:lumMod val="65000"/>
+                    <a:lumOff val="35000"/>
+                  </a:schemeClr>
+                </a:solidFill>
+                <a:latin typeface="+mj-lt"/>
+                <a:cs typeface="Consolas" panose="020B0609020204030204" pitchFamily="49" charset="0"/>
+              </a:rPr>
+              <a:t>gözardı</a:t>
+            </a:r>
+            <a:r>
+              <a:rPr lang="tr-TR" sz="3600" dirty="0" smtClean="0">
+                <a:solidFill>
+                  <a:schemeClr val="tx1">
+                    <a:lumMod val="65000"/>
+                    <a:lumOff val="35000"/>
+                  </a:schemeClr>
+                </a:solidFill>
+                <a:latin typeface="+mj-lt"/>
+                <a:cs typeface="Consolas" panose="020B0609020204030204" pitchFamily="49" charset="0"/>
+              </a:rPr>
+              <a:t> edilirler.</a:t>
+            </a:r>
+          </a:p>
+          <a:p>
+            <a:r>
+              <a:rPr lang="tr-TR" sz="3600" dirty="0" smtClean="0">
+                <a:latin typeface="Consolas" panose="020B0609020204030204" pitchFamily="49" charset="0"/>
+                <a:cs typeface="Consolas" panose="020B0609020204030204" pitchFamily="49" charset="0"/>
+              </a:rPr>
+              <a:t>TAB   (sekme)</a:t>
+            </a:r>
+          </a:p>
+          <a:p>
+            <a:r>
+              <a:rPr lang="tr-TR" sz="3600" dirty="0" smtClean="0">
+                <a:latin typeface="Consolas" panose="020B0609020204030204" pitchFamily="49" charset="0"/>
+                <a:cs typeface="Consolas" panose="020B0609020204030204" pitchFamily="49" charset="0"/>
+              </a:rPr>
+              <a:t>ENTER (satır sonu)</a:t>
+            </a:r>
+          </a:p>
+          <a:p>
+            <a:r>
+              <a:rPr lang="tr-TR" sz="3600" dirty="0" smtClean="0">
+                <a:latin typeface="Consolas" panose="020B0609020204030204" pitchFamily="49" charset="0"/>
+                <a:cs typeface="Consolas" panose="020B0609020204030204" pitchFamily="49" charset="0"/>
+              </a:rPr>
+              <a:t>SPACE (birden fazla boşluk)</a:t>
+            </a:r>
+          </a:p>
+          <a:p>
+            <a:endParaRPr lang="tr-TR" dirty="0">
+              <a:latin typeface="Consolas" panose="020B0609020204030204" pitchFamily="49" charset="0"/>
+              <a:cs typeface="Consolas" panose="020B0609020204030204" pitchFamily="49" charset="0"/>
+            </a:endParaRPr>
+          </a:p>
+        </p:txBody>
+      </p:sp>
+    </p:spTree>
+    <p:extLst>
+      <p:ext uri="{BB962C8B-B14F-4D97-AF65-F5344CB8AC3E}">
+        <p14:creationId xmlns:p14="http://schemas.microsoft.com/office/powerpoint/2010/main" val="2518625489"/>
+      </p:ext>
+    </p:extLst>
+  </p:cSld>
+  <p:clrMapOvr>
+    <a:masterClrMapping/>
+  </p:clrMapOvr>
+</p:sld>
+</file>
+
+<file path=ppt/slides/slide11.xml><?xml version="1.0" encoding="utf-8"?>
+<p:sld xmlns:a="http://schemas.openxmlformats.org/drawingml/2006/main" xmlns:r="http://schemas.openxmlformats.org/officeDocument/2006/relationships" xmlns:p="http://schemas.openxmlformats.org/presentationml/2006/main">
+  <p:cSld>
+    <p:spTree>
+      <p:nvGrpSpPr>
+        <p:cNvPr id="1" name=""/>
+        <p:cNvGrpSpPr/>
+        <p:nvPr/>
+      </p:nvGrpSpPr>
+      <p:grpSpPr>
+        <a:xfrm>
+          <a:off x="0" y="0"/>
+          <a:ext cx="0" cy="0"/>
+          <a:chOff x="0" y="0"/>
+          <a:chExt cx="0" cy="0"/>
+        </a:xfrm>
+      </p:grpSpPr>
+      <p:sp>
+        <p:nvSpPr>
+          <p:cNvPr id="2" name="Başlık 1"/>
+          <p:cNvSpPr txBox="1">
+            <a:spLocks/>
+          </p:cNvSpPr>
+          <p:nvPr/>
+        </p:nvSpPr>
+        <p:spPr>
+          <a:xfrm>
+            <a:off x="457200" y="274638"/>
+            <a:ext cx="8229600" cy="1426170"/>
+          </a:xfrm>
+          <a:prstGeom prst="rect">
+            <a:avLst/>
+          </a:prstGeom>
+        </p:spPr>
+        <p:txBody>
+          <a:bodyPr/>
+          <a:lstStyle>
+            <a:lvl1pPr algn="ctr" defTabSz="914400" rtl="0" eaLnBrk="1" latinLnBrk="0" hangingPunct="1">
+              <a:spcBef>
+                <a:spcPct val="0"/>
+              </a:spcBef>
+              <a:buNone/>
+              <a:defRPr sz="4400" kern="1200">
+                <a:solidFill>
+                  <a:schemeClr val="tx1"/>
+                </a:solidFill>
+                <a:latin typeface="+mj-lt"/>
+                <a:ea typeface="+mj-ea"/>
+                <a:cs typeface="+mj-cs"/>
+              </a:defRPr>
+            </a:lvl1pPr>
+          </a:lstStyle>
+          <a:p>
+            <a:r>
+              <a:rPr lang="tr-TR" dirty="0" smtClean="0"/>
               <a:t>adlandırılmış karakter başvurusu</a:t>
             </a:r>
           </a:p>
@@ -5296,7 +6286,7 @@
 </p:sld>
 </file>
 
-<file path=ppt/slides/slide11.xml><?xml version="1.0" encoding="utf-8"?>
+<file path=ppt/slides/slide12.xml><?xml version="1.0" encoding="utf-8"?>
 <p:sld xmlns:a="http://schemas.openxmlformats.org/drawingml/2006/main" xmlns:r="http://schemas.openxmlformats.org/officeDocument/2006/relationships" xmlns:p="http://schemas.openxmlformats.org/presentationml/2006/main">
   <p:cSld>
     <p:spTree>
@@ -5387,7 +6377,6 @@
               <a:rPr lang="tr-TR" dirty="0" smtClean="0"/>
               <a:t> Sıra Damgası</a:t>
             </a:r>
-            <a:endParaRPr lang="tr-TR" dirty="0" smtClean="0"/>
           </a:p>
           <a:p>
             <a:r>
@@ -5406,7 +6395,6 @@
               <a:rPr lang="tr-TR" b="1" dirty="0" smtClean="0"/>
               <a:t> Mark (BOM)</a:t>
             </a:r>
-            <a:endParaRPr lang="tr-TR" b="1" dirty="0" smtClean="0"/>
           </a:p>
         </p:txBody>
       </p:sp>
@@ -5423,7 +6411,7 @@
 </p:sld>
 </file>
 
-<file path=ppt/slides/slide12.xml><?xml version="1.0" encoding="utf-8"?>
+<file path=ppt/slides/slide13.xml><?xml version="1.0" encoding="utf-8"?>
 <p:sld xmlns:a="http://schemas.openxmlformats.org/drawingml/2006/main" xmlns:r="http://schemas.openxmlformats.org/officeDocument/2006/relationships" xmlns:p="http://schemas.openxmlformats.org/presentationml/2006/main">
   <p:cSld>
     <p:spTree>
@@ -5484,7 +6472,6 @@
               <a:rPr lang="tr-TR" dirty="0" smtClean="0"/>
               <a:t> Sıra Damgası</a:t>
             </a:r>
-            <a:endParaRPr lang="tr-TR" dirty="0" smtClean="0"/>
           </a:p>
           <a:p>
             <a:r>
@@ -5503,7 +6490,6 @@
               <a:rPr lang="tr-TR" b="1" dirty="0" smtClean="0"/>
               <a:t> Mark (BOM)</a:t>
             </a:r>
-            <a:endParaRPr lang="tr-TR" b="1" dirty="0" smtClean="0"/>
           </a:p>
           <a:p>
             <a:endParaRPr lang="tr-TR" b="1" dirty="0"/>
@@ -5763,7 +6749,7 @@
 </p:sld>
 </file>
 
-<file path=ppt/slides/slide13.xml><?xml version="1.0" encoding="utf-8"?>
+<file path=ppt/slides/slide14.xml><?xml version="1.0" encoding="utf-8"?>
 <p:sld xmlns:a="http://schemas.openxmlformats.org/drawingml/2006/main" xmlns:r="http://schemas.openxmlformats.org/officeDocument/2006/relationships" xmlns:p="http://schemas.openxmlformats.org/presentationml/2006/main">
   <p:cSld>
     <p:spTree>
@@ -5858,7 +6844,6 @@
               <a:rPr lang="tr-TR" dirty="0" smtClean="0"/>
               <a:t> UTF-8</a:t>
             </a:r>
-            <a:endParaRPr lang="tr-TR" dirty="0" smtClean="0"/>
           </a:p>
           <a:p>
             <a:endParaRPr lang="tr-TR" b="1" dirty="0"/>
@@ -5869,105 +6854,6 @@
     <p:extLst>
       <p:ext uri="{BB962C8B-B14F-4D97-AF65-F5344CB8AC3E}">
         <p14:creationId xmlns:p14="http://schemas.microsoft.com/office/powerpoint/2010/main" val="880024226"/>
-      </p:ext>
-    </p:extLst>
-  </p:cSld>
-  <p:clrMapOvr>
-    <a:masterClrMapping/>
-  </p:clrMapOvr>
-</p:sld>
-</file>
-
-<file path=ppt/slides/slide14.xml><?xml version="1.0" encoding="utf-8"?>
-<p:sld xmlns:a="http://schemas.openxmlformats.org/drawingml/2006/main" xmlns:r="http://schemas.openxmlformats.org/officeDocument/2006/relationships" xmlns:p="http://schemas.openxmlformats.org/presentationml/2006/main">
-  <p:cSld>
-    <p:spTree>
-      <p:nvGrpSpPr>
-        <p:cNvPr id="1" name=""/>
-        <p:cNvGrpSpPr/>
-        <p:nvPr/>
-      </p:nvGrpSpPr>
-      <p:grpSpPr>
-        <a:xfrm>
-          <a:off x="0" y="0"/>
-          <a:ext cx="0" cy="0"/>
-          <a:chOff x="0" y="0"/>
-          <a:chExt cx="0" cy="0"/>
-        </a:xfrm>
-      </p:grpSpPr>
-      <p:sp>
-        <p:nvSpPr>
-          <p:cNvPr id="2" name="Başlık 1"/>
-          <p:cNvSpPr txBox="1">
-            <a:spLocks/>
-          </p:cNvSpPr>
-          <p:nvPr/>
-        </p:nvSpPr>
-        <p:spPr>
-          <a:xfrm>
-            <a:off x="457200" y="274638"/>
-            <a:ext cx="8229600" cy="955936"/>
-          </a:xfrm>
-          <a:prstGeom prst="rect">
-            <a:avLst/>
-          </a:prstGeom>
-        </p:spPr>
-        <p:txBody>
-          <a:bodyPr/>
-          <a:lstStyle>
-            <a:lvl1pPr algn="ctr" defTabSz="914400" rtl="0" eaLnBrk="1" latinLnBrk="0" hangingPunct="1">
-              <a:spcBef>
-                <a:spcPct val="0"/>
-              </a:spcBef>
-              <a:buNone/>
-              <a:defRPr sz="4400" kern="1200">
-                <a:solidFill>
-                  <a:schemeClr val="tx1"/>
-                </a:solidFill>
-                <a:latin typeface="+mj-lt"/>
-                <a:ea typeface="+mj-ea"/>
-                <a:cs typeface="+mj-cs"/>
-              </a:defRPr>
-            </a:lvl1pPr>
-          </a:lstStyle>
-          <a:p>
-            <a:r>
-              <a:rPr lang="tr-TR" b="1" dirty="0" err="1" smtClean="0"/>
-              <a:t>BOM</a:t>
-            </a:r>
-            <a:r>
-              <a:rPr lang="tr-TR" dirty="0" err="1" smtClean="0"/>
-              <a:t>’suz</a:t>
-            </a:r>
-            <a:r>
-              <a:rPr lang="tr-TR" dirty="0" smtClean="0"/>
-              <a:t> UTF-8</a:t>
-            </a:r>
-          </a:p>
-          <a:p>
-            <a:r>
-              <a:rPr lang="tr-TR" dirty="0" smtClean="0"/>
-              <a:t>&lt;</a:t>
-            </a:r>
-            <a:r>
-              <a:rPr lang="tr-TR" dirty="0" err="1" smtClean="0"/>
-              <a:t>notepad</a:t>
-            </a:r>
-            <a:r>
-              <a:rPr lang="tr-TR" dirty="0" smtClean="0"/>
-              <a:t>++&gt;</a:t>
-            </a:r>
-            <a:endParaRPr lang="tr-TR" dirty="0" smtClean="0"/>
-          </a:p>
-          <a:p>
-            <a:endParaRPr lang="tr-TR" b="1" dirty="0"/>
-          </a:p>
-        </p:txBody>
-      </p:sp>
-    </p:spTree>
-    <p:extLst>
-      <p:ext uri="{BB962C8B-B14F-4D97-AF65-F5344CB8AC3E}">
-        <p14:creationId xmlns:p14="http://schemas.microsoft.com/office/powerpoint/2010/main" val="2881727203"/>
       </p:ext>
     </p:extLst>
   </p:cSld>
@@ -5996,6 +6882,1347 @@
       </p:grpSpPr>
       <p:sp>
         <p:nvSpPr>
+          <p:cNvPr id="2" name="Başlık 1"/>
+          <p:cNvSpPr txBox="1">
+            <a:spLocks/>
+          </p:cNvSpPr>
+          <p:nvPr/>
+        </p:nvSpPr>
+        <p:spPr>
+          <a:xfrm>
+            <a:off x="457200" y="274638"/>
+            <a:ext cx="8229600" cy="955936"/>
+          </a:xfrm>
+          <a:prstGeom prst="rect">
+            <a:avLst/>
+          </a:prstGeom>
+        </p:spPr>
+        <p:txBody>
+          <a:bodyPr/>
+          <a:lstStyle>
+            <a:lvl1pPr algn="ctr" defTabSz="914400" rtl="0" eaLnBrk="1" latinLnBrk="0" hangingPunct="1">
+              <a:spcBef>
+                <a:spcPct val="0"/>
+              </a:spcBef>
+              <a:buNone/>
+              <a:defRPr sz="4400" kern="1200">
+                <a:solidFill>
+                  <a:schemeClr val="tx1"/>
+                </a:solidFill>
+                <a:latin typeface="+mj-lt"/>
+                <a:ea typeface="+mj-ea"/>
+                <a:cs typeface="+mj-cs"/>
+              </a:defRPr>
+            </a:lvl1pPr>
+          </a:lstStyle>
+          <a:p>
+            <a:r>
+              <a:rPr lang="tr-TR" b="1" dirty="0" err="1" smtClean="0"/>
+              <a:t>BOM</a:t>
+            </a:r>
+            <a:r>
+              <a:rPr lang="tr-TR" dirty="0" err="1" smtClean="0"/>
+              <a:t>’suz</a:t>
+            </a:r>
+            <a:r>
+              <a:rPr lang="tr-TR" dirty="0" smtClean="0"/>
+              <a:t> UTF-8</a:t>
+            </a:r>
+          </a:p>
+          <a:p>
+            <a:r>
+              <a:rPr lang="tr-TR" dirty="0" err="1" smtClean="0"/>
+              <a:t>notepad</a:t>
+            </a:r>
+            <a:r>
+              <a:rPr lang="tr-TR" dirty="0" smtClean="0"/>
+              <a:t>++</a:t>
+            </a:r>
+            <a:endParaRPr lang="tr-TR" dirty="0" smtClean="0"/>
+          </a:p>
+          <a:p>
+            <a:endParaRPr lang="tr-TR" b="1" dirty="0"/>
+          </a:p>
+        </p:txBody>
+      </p:sp>
+      <p:pic>
+        <p:nvPicPr>
+          <p:cNvPr id="3" name="Resim 2"/>
+          <p:cNvPicPr>
+            <a:picLocks noChangeAspect="1"/>
+          </p:cNvPicPr>
+          <p:nvPr/>
+        </p:nvPicPr>
+        <p:blipFill>
+          <a:blip r:embed="rId3">
+            <a:extLst>
+              <a:ext uri="{28A0092B-C50C-407E-A947-70E740481C1C}">
+                <a14:useLocalDpi xmlns:a14="http://schemas.microsoft.com/office/drawing/2010/main" val="0"/>
+              </a:ext>
+            </a:extLst>
+          </a:blip>
+          <a:stretch>
+            <a:fillRect/>
+          </a:stretch>
+        </p:blipFill>
+        <p:spPr>
+          <a:xfrm>
+            <a:off x="157758" y="1844824"/>
+            <a:ext cx="8784976" cy="4918110"/>
+          </a:xfrm>
+          <a:prstGeom prst="rect">
+            <a:avLst/>
+          </a:prstGeom>
+        </p:spPr>
+      </p:pic>
+      <p:sp>
+        <p:nvSpPr>
+          <p:cNvPr id="4" name="Yuvarlatılmış Dikdörtgen 3"/>
+          <p:cNvSpPr/>
+          <p:nvPr/>
+        </p:nvSpPr>
+        <p:spPr>
+          <a:xfrm>
+            <a:off x="2411760" y="2564904"/>
+            <a:ext cx="4176464" cy="576064"/>
+          </a:xfrm>
+          <a:prstGeom prst="roundRect">
+            <a:avLst/>
+          </a:prstGeom>
+          <a:noFill/>
+          <a:ln w="76200">
+            <a:solidFill>
+              <a:srgbClr val="FF0000"/>
+            </a:solidFill>
+          </a:ln>
+          <a:effectLst>
+            <a:outerShdw blurRad="50800" dist="38100" dir="2700000" algn="tl" rotWithShape="0">
+              <a:prstClr val="black">
+                <a:alpha val="40000"/>
+              </a:prstClr>
+            </a:outerShdw>
+          </a:effectLst>
+        </p:spPr>
+        <p:style>
+          <a:lnRef idx="2">
+            <a:schemeClr val="accent1">
+              <a:shade val="50000"/>
+            </a:schemeClr>
+          </a:lnRef>
+          <a:fillRef idx="1">
+            <a:schemeClr val="accent1"/>
+          </a:fillRef>
+          <a:effectRef idx="0">
+            <a:schemeClr val="accent1"/>
+          </a:effectRef>
+          <a:fontRef idx="minor">
+            <a:schemeClr val="lt1"/>
+          </a:fontRef>
+        </p:style>
+        <p:txBody>
+          <a:bodyPr rtlCol="0" anchor="ctr"/>
+          <a:lstStyle/>
+          <a:p>
+            <a:pPr algn="ctr"/>
+            <a:endParaRPr lang="tr-TR"/>
+          </a:p>
+        </p:txBody>
+      </p:sp>
+    </p:spTree>
+    <p:extLst>
+      <p:ext uri="{BB962C8B-B14F-4D97-AF65-F5344CB8AC3E}">
+        <p14:creationId xmlns:p14="http://schemas.microsoft.com/office/powerpoint/2010/main" val="2881727203"/>
+      </p:ext>
+    </p:extLst>
+  </p:cSld>
+  <p:clrMapOvr>
+    <a:masterClrMapping/>
+  </p:clrMapOvr>
+</p:sld>
+</file>
+
+<file path=ppt/slides/slide16.xml><?xml version="1.0" encoding="utf-8"?>
+<p:sld xmlns:a="http://schemas.openxmlformats.org/drawingml/2006/main" xmlns:r="http://schemas.openxmlformats.org/officeDocument/2006/relationships" xmlns:p="http://schemas.openxmlformats.org/presentationml/2006/main">
+  <p:cSld>
+    <p:spTree>
+      <p:nvGrpSpPr>
+        <p:cNvPr id="1" name=""/>
+        <p:cNvGrpSpPr/>
+        <p:nvPr/>
+      </p:nvGrpSpPr>
+      <p:grpSpPr>
+        <a:xfrm>
+          <a:off x="0" y="0"/>
+          <a:ext cx="0" cy="0"/>
+          <a:chOff x="0" y="0"/>
+          <a:chExt cx="0" cy="0"/>
+        </a:xfrm>
+      </p:grpSpPr>
+      <p:sp>
+        <p:nvSpPr>
+          <p:cNvPr id="2" name="Başlık 1"/>
+          <p:cNvSpPr txBox="1">
+            <a:spLocks/>
+          </p:cNvSpPr>
+          <p:nvPr/>
+        </p:nvSpPr>
+        <p:spPr>
+          <a:xfrm>
+            <a:off x="457200" y="274638"/>
+            <a:ext cx="8229600" cy="955936"/>
+          </a:xfrm>
+          <a:prstGeom prst="rect">
+            <a:avLst/>
+          </a:prstGeom>
+        </p:spPr>
+        <p:txBody>
+          <a:bodyPr/>
+          <a:lstStyle>
+            <a:lvl1pPr algn="ctr" defTabSz="914400" rtl="0" eaLnBrk="1" latinLnBrk="0" hangingPunct="1">
+              <a:spcBef>
+                <a:spcPct val="0"/>
+              </a:spcBef>
+              <a:buNone/>
+              <a:defRPr sz="4400" kern="1200">
+                <a:solidFill>
+                  <a:schemeClr val="tx1"/>
+                </a:solidFill>
+                <a:latin typeface="+mj-lt"/>
+                <a:ea typeface="+mj-ea"/>
+                <a:cs typeface="+mj-cs"/>
+              </a:defRPr>
+            </a:lvl1pPr>
+          </a:lstStyle>
+          <a:p>
+            <a:r>
+              <a:rPr lang="tr-TR" dirty="0">
+                <a:solidFill>
+                  <a:schemeClr val="accent6">
+                    <a:lumMod val="50000"/>
+                  </a:schemeClr>
+                </a:solidFill>
+                <a:latin typeface="Consolas" panose="020B0609020204030204" pitchFamily="49" charset="0"/>
+                <a:cs typeface="Consolas" panose="020B0609020204030204" pitchFamily="49" charset="0"/>
+              </a:rPr>
+              <a:t>&lt;</a:t>
+            </a:r>
+            <a:r>
+              <a:rPr lang="tr-TR" dirty="0" err="1">
+                <a:solidFill>
+                  <a:srgbClr val="0070C0"/>
+                </a:solidFill>
+                <a:latin typeface="Consolas" panose="020B0609020204030204" pitchFamily="49" charset="0"/>
+                <a:cs typeface="Consolas" panose="020B0609020204030204" pitchFamily="49" charset="0"/>
+              </a:rPr>
+              <a:t>head</a:t>
+            </a:r>
+            <a:r>
+              <a:rPr lang="tr-TR" dirty="0">
+                <a:solidFill>
+                  <a:schemeClr val="accent6">
+                    <a:lumMod val="50000"/>
+                  </a:schemeClr>
+                </a:solidFill>
+                <a:latin typeface="Consolas" panose="020B0609020204030204" pitchFamily="49" charset="0"/>
+                <a:cs typeface="Consolas" panose="020B0609020204030204" pitchFamily="49" charset="0"/>
+              </a:rPr>
+              <a:t>&gt;</a:t>
+            </a:r>
+          </a:p>
+          <a:p>
+            <a:endParaRPr lang="tr-TR" b="1" dirty="0"/>
+          </a:p>
+        </p:txBody>
+      </p:sp>
+      <p:sp>
+        <p:nvSpPr>
+          <p:cNvPr id="3" name="İçerik Yer Tutucusu 1"/>
+          <p:cNvSpPr txBox="1">
+            <a:spLocks/>
+          </p:cNvSpPr>
+          <p:nvPr/>
+        </p:nvSpPr>
+        <p:spPr>
+          <a:xfrm>
+            <a:off x="457200" y="1600200"/>
+            <a:ext cx="8579296" cy="5069160"/>
+          </a:xfrm>
+          <a:prstGeom prst="rect">
+            <a:avLst/>
+          </a:prstGeom>
+        </p:spPr>
+        <p:txBody>
+          <a:bodyPr/>
+          <a:lstStyle>
+            <a:lvl1pPr marL="342900" indent="-342900" algn="l" defTabSz="914400" rtl="0" eaLnBrk="1" latinLnBrk="0" hangingPunct="1">
+              <a:spcBef>
+                <a:spcPct val="20000"/>
+              </a:spcBef>
+              <a:buFont typeface="Arial" panose="020B0604020202020204" pitchFamily="34" charset="0"/>
+              <a:buChar char="•"/>
+              <a:defRPr sz="3200" kern="1200">
+                <a:solidFill>
+                  <a:schemeClr val="tx1"/>
+                </a:solidFill>
+                <a:latin typeface="+mn-lt"/>
+                <a:ea typeface="+mn-ea"/>
+                <a:cs typeface="+mn-cs"/>
+              </a:defRPr>
+            </a:lvl1pPr>
+            <a:lvl2pPr marL="742950" indent="-285750" algn="l" defTabSz="914400" rtl="0" eaLnBrk="1" latinLnBrk="0" hangingPunct="1">
+              <a:spcBef>
+                <a:spcPct val="20000"/>
+              </a:spcBef>
+              <a:buFont typeface="Arial" panose="020B0604020202020204" pitchFamily="34" charset="0"/>
+              <a:buChar char="–"/>
+              <a:defRPr sz="2800" kern="1200">
+                <a:solidFill>
+                  <a:schemeClr val="tx1"/>
+                </a:solidFill>
+                <a:latin typeface="+mn-lt"/>
+                <a:ea typeface="+mn-ea"/>
+                <a:cs typeface="+mn-cs"/>
+              </a:defRPr>
+            </a:lvl2pPr>
+            <a:lvl3pPr marL="1143000" indent="-228600" algn="l" defTabSz="914400" rtl="0" eaLnBrk="1" latinLnBrk="0" hangingPunct="1">
+              <a:spcBef>
+                <a:spcPct val="20000"/>
+              </a:spcBef>
+              <a:buFont typeface="Arial" panose="020B0604020202020204" pitchFamily="34" charset="0"/>
+              <a:buChar char="•"/>
+              <a:defRPr sz="2400" kern="1200">
+                <a:solidFill>
+                  <a:schemeClr val="tx1"/>
+                </a:solidFill>
+                <a:latin typeface="+mn-lt"/>
+                <a:ea typeface="+mn-ea"/>
+                <a:cs typeface="+mn-cs"/>
+              </a:defRPr>
+            </a:lvl3pPr>
+            <a:lvl4pPr marL="1600200" indent="-228600" algn="l" defTabSz="914400" rtl="0" eaLnBrk="1" latinLnBrk="0" hangingPunct="1">
+              <a:spcBef>
+                <a:spcPct val="20000"/>
+              </a:spcBef>
+              <a:buFont typeface="Arial" panose="020B0604020202020204" pitchFamily="34" charset="0"/>
+              <a:buChar char="–"/>
+              <a:defRPr sz="2000" kern="1200">
+                <a:solidFill>
+                  <a:schemeClr val="tx1"/>
+                </a:solidFill>
+                <a:latin typeface="+mn-lt"/>
+                <a:ea typeface="+mn-ea"/>
+                <a:cs typeface="+mn-cs"/>
+              </a:defRPr>
+            </a:lvl4pPr>
+            <a:lvl5pPr marL="2057400" indent="-228600" algn="l" defTabSz="914400" rtl="0" eaLnBrk="1" latinLnBrk="0" hangingPunct="1">
+              <a:spcBef>
+                <a:spcPct val="20000"/>
+              </a:spcBef>
+              <a:buFont typeface="Arial" panose="020B0604020202020204" pitchFamily="34" charset="0"/>
+              <a:buChar char="»"/>
+              <a:defRPr sz="2000" kern="1200">
+                <a:solidFill>
+                  <a:schemeClr val="tx1"/>
+                </a:solidFill>
+                <a:latin typeface="+mn-lt"/>
+                <a:ea typeface="+mn-ea"/>
+                <a:cs typeface="+mn-cs"/>
+              </a:defRPr>
+            </a:lvl5pPr>
+            <a:lvl6pPr marL="2514600" indent="-228600" algn="l" defTabSz="914400" rtl="0" eaLnBrk="1" latinLnBrk="0" hangingPunct="1">
+              <a:spcBef>
+                <a:spcPct val="20000"/>
+              </a:spcBef>
+              <a:buFont typeface="Arial" panose="020B0604020202020204" pitchFamily="34" charset="0"/>
+              <a:buChar char="•"/>
+              <a:defRPr sz="2000" kern="1200">
+                <a:solidFill>
+                  <a:schemeClr val="tx1"/>
+                </a:solidFill>
+                <a:latin typeface="+mn-lt"/>
+                <a:ea typeface="+mn-ea"/>
+                <a:cs typeface="+mn-cs"/>
+              </a:defRPr>
+            </a:lvl6pPr>
+            <a:lvl7pPr marL="2971800" indent="-228600" algn="l" defTabSz="914400" rtl="0" eaLnBrk="1" latinLnBrk="0" hangingPunct="1">
+              <a:spcBef>
+                <a:spcPct val="20000"/>
+              </a:spcBef>
+              <a:buFont typeface="Arial" panose="020B0604020202020204" pitchFamily="34" charset="0"/>
+              <a:buChar char="•"/>
+              <a:defRPr sz="2000" kern="1200">
+                <a:solidFill>
+                  <a:schemeClr val="tx1"/>
+                </a:solidFill>
+                <a:latin typeface="+mn-lt"/>
+                <a:ea typeface="+mn-ea"/>
+                <a:cs typeface="+mn-cs"/>
+              </a:defRPr>
+            </a:lvl7pPr>
+            <a:lvl8pPr marL="3429000" indent="-228600" algn="l" defTabSz="914400" rtl="0" eaLnBrk="1" latinLnBrk="0" hangingPunct="1">
+              <a:spcBef>
+                <a:spcPct val="20000"/>
+              </a:spcBef>
+              <a:buFont typeface="Arial" panose="020B0604020202020204" pitchFamily="34" charset="0"/>
+              <a:buChar char="•"/>
+              <a:defRPr sz="2000" kern="1200">
+                <a:solidFill>
+                  <a:schemeClr val="tx1"/>
+                </a:solidFill>
+                <a:latin typeface="+mn-lt"/>
+                <a:ea typeface="+mn-ea"/>
+                <a:cs typeface="+mn-cs"/>
+              </a:defRPr>
+            </a:lvl8pPr>
+            <a:lvl9pPr marL="3886200" indent="-228600" algn="l" defTabSz="914400" rtl="0" eaLnBrk="1" latinLnBrk="0" hangingPunct="1">
+              <a:spcBef>
+                <a:spcPct val="20000"/>
+              </a:spcBef>
+              <a:buFont typeface="Arial" panose="020B0604020202020204" pitchFamily="34" charset="0"/>
+              <a:buChar char="•"/>
+              <a:defRPr sz="2000" kern="1200">
+                <a:solidFill>
+                  <a:schemeClr val="tx1"/>
+                </a:solidFill>
+                <a:latin typeface="+mn-lt"/>
+                <a:ea typeface="+mn-ea"/>
+                <a:cs typeface="+mn-cs"/>
+              </a:defRPr>
+            </a:lvl9pPr>
+          </a:lstStyle>
+          <a:p>
+            <a:pPr marL="0" indent="0">
+              <a:buNone/>
+            </a:pPr>
+            <a:r>
+              <a:rPr lang="tr-TR" sz="2800" dirty="0" err="1" smtClean="0">
+                <a:latin typeface="Consolas" panose="020B0609020204030204" pitchFamily="49" charset="0"/>
+                <a:cs typeface="Consolas" panose="020B0609020204030204" pitchFamily="49" charset="0"/>
+              </a:rPr>
+              <a:t>h</a:t>
+            </a:r>
+            <a:r>
+              <a:rPr lang="tr-TR" sz="2800" dirty="0" err="1" smtClean="0">
+                <a:latin typeface="Consolas" panose="020B0609020204030204" pitchFamily="49" charset="0"/>
+                <a:cs typeface="Consolas" panose="020B0609020204030204" pitchFamily="49" charset="0"/>
+              </a:rPr>
+              <a:t>ead</a:t>
+            </a:r>
+            <a:r>
+              <a:rPr lang="tr-TR" sz="2800" dirty="0" smtClean="0">
+                <a:latin typeface="Consolas" panose="020B0609020204030204" pitchFamily="49" charset="0"/>
+                <a:cs typeface="Consolas" panose="020B0609020204030204" pitchFamily="49" charset="0"/>
+              </a:rPr>
+              <a:t>,</a:t>
+            </a:r>
+            <a:r>
+              <a:rPr lang="tr-TR" sz="2800" dirty="0" smtClean="0">
+                <a:solidFill>
+                  <a:schemeClr val="tx1">
+                    <a:lumMod val="65000"/>
+                    <a:lumOff val="35000"/>
+                  </a:schemeClr>
+                </a:solidFill>
+                <a:latin typeface="+mj-lt"/>
+                <a:cs typeface="Consolas" panose="020B0609020204030204" pitchFamily="49" charset="0"/>
+              </a:rPr>
+              <a:t> html dokümanıyla ilgili bilgi taşır. Bu bilgiler, web tarayıcısı, web sunucusu, editörler,  arama motorlarını bilgilendirir. </a:t>
+            </a:r>
+            <a:r>
+              <a:rPr lang="tr-TR" sz="2800" dirty="0" err="1" smtClean="0">
+                <a:latin typeface="Consolas" panose="020B0609020204030204" pitchFamily="49" charset="0"/>
+                <a:cs typeface="Consolas" panose="020B0609020204030204" pitchFamily="49" charset="0"/>
+              </a:rPr>
+              <a:t>Head</a:t>
+            </a:r>
+            <a:r>
+              <a:rPr lang="tr-TR" sz="2800" dirty="0" err="1" smtClean="0">
+                <a:cs typeface="Consolas" panose="020B0609020204030204" pitchFamily="49" charset="0"/>
+              </a:rPr>
+              <a:t>'in</a:t>
+            </a:r>
+            <a:r>
+              <a:rPr lang="tr-TR" sz="2800" dirty="0" smtClean="0">
+                <a:latin typeface="Consolas" panose="020B0609020204030204" pitchFamily="49" charset="0"/>
+                <a:cs typeface="Consolas" panose="020B0609020204030204" pitchFamily="49" charset="0"/>
+              </a:rPr>
+              <a:t> </a:t>
+            </a:r>
+            <a:r>
+              <a:rPr lang="tr-TR" sz="2800" dirty="0" smtClean="0">
+                <a:solidFill>
+                  <a:schemeClr val="tx1">
+                    <a:lumMod val="65000"/>
+                    <a:lumOff val="35000"/>
+                  </a:schemeClr>
+                </a:solidFill>
+                <a:latin typeface="+mj-lt"/>
+                <a:cs typeface="Consolas" panose="020B0609020204030204" pitchFamily="49" charset="0"/>
+              </a:rPr>
+              <a:t>içeriği </a:t>
+            </a:r>
+            <a:r>
+              <a:rPr lang="tr-TR" sz="2800" b="1" dirty="0" smtClean="0">
+                <a:solidFill>
+                  <a:schemeClr val="tx1">
+                    <a:lumMod val="65000"/>
+                    <a:lumOff val="35000"/>
+                  </a:schemeClr>
+                </a:solidFill>
+                <a:latin typeface="+mj-lt"/>
+                <a:cs typeface="Consolas" panose="020B0609020204030204" pitchFamily="49" charset="0"/>
+              </a:rPr>
+              <a:t>görüntülenmez. </a:t>
+            </a:r>
+            <a:r>
+              <a:rPr lang="tr-TR" sz="2800" dirty="0" err="1" smtClean="0">
+                <a:latin typeface="Consolas" panose="020B0609020204030204" pitchFamily="49" charset="0"/>
+                <a:cs typeface="Consolas" panose="020B0609020204030204" pitchFamily="49" charset="0"/>
+              </a:rPr>
+              <a:t>Head'</a:t>
+            </a:r>
+            <a:r>
+              <a:rPr lang="tr-TR" sz="2800" dirty="0" err="1" smtClean="0">
+                <a:latin typeface="+mj-lt"/>
+                <a:cs typeface="Consolas" panose="020B0609020204030204" pitchFamily="49" charset="0"/>
+              </a:rPr>
+              <a:t>in</a:t>
+            </a:r>
+            <a:r>
+              <a:rPr lang="tr-TR" sz="2800" dirty="0" smtClean="0">
+                <a:latin typeface="+mj-lt"/>
+                <a:cs typeface="Consolas" panose="020B0609020204030204" pitchFamily="49" charset="0"/>
+              </a:rPr>
+              <a:t> </a:t>
+            </a:r>
+            <a:r>
+              <a:rPr lang="tr-TR" sz="2800" dirty="0" smtClean="0">
+                <a:solidFill>
+                  <a:schemeClr val="tx1">
+                    <a:lumMod val="65000"/>
+                    <a:lumOff val="35000"/>
+                  </a:schemeClr>
+                </a:solidFill>
+                <a:latin typeface="+mj-lt"/>
+                <a:cs typeface="Consolas" panose="020B0609020204030204" pitchFamily="49" charset="0"/>
+              </a:rPr>
+              <a:t>içermesi beklenen en önemli bilgiler sırasıyla şöyledir:</a:t>
+            </a:r>
+            <a:endParaRPr lang="tr-TR" sz="2800" b="1" dirty="0" smtClean="0">
+              <a:solidFill>
+                <a:schemeClr val="tx1">
+                  <a:lumMod val="65000"/>
+                  <a:lumOff val="35000"/>
+                </a:schemeClr>
+              </a:solidFill>
+              <a:latin typeface="+mj-lt"/>
+              <a:cs typeface="Consolas" panose="020B0609020204030204" pitchFamily="49" charset="0"/>
+            </a:endParaRPr>
+          </a:p>
+          <a:p>
+            <a:pPr algn="just"/>
+            <a:r>
+              <a:rPr lang="tr-TR" dirty="0" smtClean="0">
+                <a:cs typeface="Consolas" panose="020B0609020204030204" pitchFamily="49" charset="0"/>
+              </a:rPr>
+              <a:t>karakter kodlaması </a:t>
+            </a:r>
+            <a:r>
+              <a:rPr lang="tr-TR" sz="3000" dirty="0" smtClean="0">
+                <a:solidFill>
+                  <a:schemeClr val="tx1">
+                    <a:lumMod val="65000"/>
+                    <a:lumOff val="35000"/>
+                  </a:schemeClr>
+                </a:solidFill>
+                <a:cs typeface="Consolas" panose="020B0609020204030204" pitchFamily="49" charset="0"/>
+              </a:rPr>
+              <a:t>(ilk 512 karakter içinde olmalı)</a:t>
+            </a:r>
+          </a:p>
+          <a:p>
+            <a:pPr algn="just"/>
+            <a:r>
+              <a:rPr lang="tr-TR" dirty="0" smtClean="0">
+                <a:cs typeface="Consolas" panose="020B0609020204030204" pitchFamily="49" charset="0"/>
+              </a:rPr>
+              <a:t>dokümanın  başlığı </a:t>
+            </a:r>
+            <a:r>
+              <a:rPr lang="tr-TR" dirty="0" smtClean="0">
+                <a:solidFill>
+                  <a:schemeClr val="tx1">
+                    <a:lumMod val="65000"/>
+                    <a:lumOff val="35000"/>
+                  </a:schemeClr>
+                </a:solidFill>
+                <a:cs typeface="Consolas" panose="020B0609020204030204" pitchFamily="49" charset="0"/>
+              </a:rPr>
+              <a:t>&lt;</a:t>
+            </a:r>
+            <a:r>
+              <a:rPr lang="tr-TR" dirty="0" err="1" smtClean="0">
+                <a:solidFill>
+                  <a:schemeClr val="tx1">
+                    <a:lumMod val="65000"/>
+                    <a:lumOff val="35000"/>
+                  </a:schemeClr>
+                </a:solidFill>
+                <a:cs typeface="Consolas" panose="020B0609020204030204" pitchFamily="49" charset="0"/>
+              </a:rPr>
+              <a:t>title</a:t>
+            </a:r>
+            <a:r>
+              <a:rPr lang="tr-TR" dirty="0" smtClean="0">
+                <a:solidFill>
+                  <a:schemeClr val="tx1">
+                    <a:lumMod val="65000"/>
+                    <a:lumOff val="35000"/>
+                  </a:schemeClr>
+                </a:solidFill>
+                <a:cs typeface="Consolas" panose="020B0609020204030204" pitchFamily="49" charset="0"/>
+              </a:rPr>
+              <a:t>…</a:t>
+            </a:r>
+          </a:p>
+          <a:p>
+            <a:pPr algn="just"/>
+            <a:r>
+              <a:rPr lang="tr-TR" dirty="0" smtClean="0">
+                <a:cs typeface="Consolas" panose="020B0609020204030204" pitchFamily="49" charset="0"/>
+              </a:rPr>
+              <a:t>doküman tanımı </a:t>
+            </a:r>
+            <a:r>
+              <a:rPr lang="tr-TR" dirty="0" smtClean="0">
+                <a:solidFill>
+                  <a:schemeClr val="tx1">
+                    <a:lumMod val="65000"/>
+                    <a:lumOff val="35000"/>
+                  </a:schemeClr>
+                </a:solidFill>
+                <a:cs typeface="Consolas" panose="020B0609020204030204" pitchFamily="49" charset="0"/>
+              </a:rPr>
+              <a:t>&lt;meta </a:t>
+            </a:r>
+            <a:r>
+              <a:rPr lang="tr-TR" dirty="0" err="1" smtClean="0">
+                <a:solidFill>
+                  <a:schemeClr val="tx1">
+                    <a:lumMod val="65000"/>
+                    <a:lumOff val="35000"/>
+                  </a:schemeClr>
+                </a:solidFill>
+                <a:cs typeface="Consolas" panose="020B0609020204030204" pitchFamily="49" charset="0"/>
+              </a:rPr>
+              <a:t>description</a:t>
+            </a:r>
+            <a:r>
+              <a:rPr lang="tr-TR" dirty="0" smtClean="0">
+                <a:solidFill>
+                  <a:schemeClr val="tx1">
+                    <a:lumMod val="65000"/>
+                    <a:lumOff val="35000"/>
+                  </a:schemeClr>
+                </a:solidFill>
+                <a:cs typeface="Consolas" panose="020B0609020204030204" pitchFamily="49" charset="0"/>
+              </a:rPr>
+              <a:t>…</a:t>
+            </a:r>
+            <a:endParaRPr lang="tr-TR" dirty="0" smtClean="0">
+              <a:solidFill>
+                <a:schemeClr val="tx1">
+                  <a:lumMod val="65000"/>
+                  <a:lumOff val="35000"/>
+                </a:schemeClr>
+              </a:solidFill>
+              <a:cs typeface="Consolas" panose="020B0609020204030204" pitchFamily="49" charset="0"/>
+            </a:endParaRPr>
+          </a:p>
+          <a:p>
+            <a:r>
+              <a:rPr lang="tr-TR" dirty="0" smtClean="0">
+                <a:cs typeface="Consolas" panose="020B0609020204030204" pitchFamily="49" charset="0"/>
+              </a:rPr>
+              <a:t>ilgili stil ve </a:t>
+            </a:r>
+            <a:r>
+              <a:rPr lang="tr-TR" dirty="0" err="1" smtClean="0">
+                <a:cs typeface="Consolas" panose="020B0609020204030204" pitchFamily="49" charset="0"/>
+              </a:rPr>
+              <a:t>script</a:t>
+            </a:r>
+            <a:r>
+              <a:rPr lang="tr-TR" dirty="0" smtClean="0">
+                <a:cs typeface="Consolas" panose="020B0609020204030204" pitchFamily="49" charset="0"/>
+              </a:rPr>
+              <a:t> dosyaları </a:t>
+            </a:r>
+            <a:r>
+              <a:rPr lang="tr-TR" dirty="0" smtClean="0">
+                <a:solidFill>
+                  <a:schemeClr val="tx1">
+                    <a:lumMod val="65000"/>
+                    <a:lumOff val="35000"/>
+                  </a:schemeClr>
+                </a:solidFill>
+                <a:cs typeface="Consolas" panose="020B0609020204030204" pitchFamily="49" charset="0"/>
+              </a:rPr>
+              <a:t>&lt;</a:t>
+            </a:r>
+            <a:r>
+              <a:rPr lang="tr-TR" dirty="0" err="1" smtClean="0">
+                <a:solidFill>
+                  <a:schemeClr val="tx1">
+                    <a:lumMod val="65000"/>
+                    <a:lumOff val="35000"/>
+                  </a:schemeClr>
+                </a:solidFill>
+                <a:cs typeface="Consolas" panose="020B0609020204030204" pitchFamily="49" charset="0"/>
+              </a:rPr>
+              <a:t>script</a:t>
+            </a:r>
+            <a:r>
+              <a:rPr lang="tr-TR" dirty="0" smtClean="0">
+                <a:solidFill>
+                  <a:schemeClr val="tx1">
+                    <a:lumMod val="65000"/>
+                    <a:lumOff val="35000"/>
+                  </a:schemeClr>
+                </a:solidFill>
+                <a:cs typeface="Consolas" panose="020B0609020204030204" pitchFamily="49" charset="0"/>
+              </a:rPr>
+              <a:t>&gt;, &lt;link&gt;</a:t>
+            </a:r>
+            <a:endParaRPr lang="tr-TR" dirty="0">
+              <a:solidFill>
+                <a:schemeClr val="tx1">
+                  <a:lumMod val="65000"/>
+                  <a:lumOff val="35000"/>
+                </a:schemeClr>
+              </a:solidFill>
+              <a:cs typeface="Consolas" panose="020B0609020204030204" pitchFamily="49" charset="0"/>
+            </a:endParaRPr>
+          </a:p>
+          <a:p>
+            <a:endParaRPr lang="tr-TR" dirty="0" smtClean="0">
+              <a:latin typeface="Consolas" panose="020B0609020204030204" pitchFamily="49" charset="0"/>
+              <a:cs typeface="Consolas" panose="020B0609020204030204" pitchFamily="49" charset="0"/>
+            </a:endParaRPr>
+          </a:p>
+          <a:p>
+            <a:pPr marL="0" indent="0">
+              <a:buNone/>
+            </a:pPr>
+            <a:endParaRPr lang="tr-TR" dirty="0">
+              <a:latin typeface="Consolas" panose="020B0609020204030204" pitchFamily="49" charset="0"/>
+              <a:cs typeface="Consolas" panose="020B0609020204030204" pitchFamily="49" charset="0"/>
+            </a:endParaRPr>
+          </a:p>
+        </p:txBody>
+      </p:sp>
+    </p:spTree>
+    <p:extLst>
+      <p:ext uri="{BB962C8B-B14F-4D97-AF65-F5344CB8AC3E}">
+        <p14:creationId xmlns:p14="http://schemas.microsoft.com/office/powerpoint/2010/main" val="2069126261"/>
+      </p:ext>
+    </p:extLst>
+  </p:cSld>
+  <p:clrMapOvr>
+    <a:masterClrMapping/>
+  </p:clrMapOvr>
+</p:sld>
+</file>
+
+<file path=ppt/slides/slide17.xml><?xml version="1.0" encoding="utf-8"?>
+<p:sld xmlns:a="http://schemas.openxmlformats.org/drawingml/2006/main" xmlns:r="http://schemas.openxmlformats.org/officeDocument/2006/relationships" xmlns:p="http://schemas.openxmlformats.org/presentationml/2006/main">
+  <p:cSld>
+    <p:spTree>
+      <p:nvGrpSpPr>
+        <p:cNvPr id="1" name=""/>
+        <p:cNvGrpSpPr/>
+        <p:nvPr/>
+      </p:nvGrpSpPr>
+      <p:grpSpPr>
+        <a:xfrm>
+          <a:off x="0" y="0"/>
+          <a:ext cx="0" cy="0"/>
+          <a:chOff x="0" y="0"/>
+          <a:chExt cx="0" cy="0"/>
+        </a:xfrm>
+      </p:grpSpPr>
+      <p:sp>
+        <p:nvSpPr>
+          <p:cNvPr id="2" name="Başlık 1"/>
+          <p:cNvSpPr txBox="1">
+            <a:spLocks/>
+          </p:cNvSpPr>
+          <p:nvPr/>
+        </p:nvSpPr>
+        <p:spPr>
+          <a:xfrm>
+            <a:off x="457200" y="274638"/>
+            <a:ext cx="8229600" cy="955936"/>
+          </a:xfrm>
+          <a:prstGeom prst="rect">
+            <a:avLst/>
+          </a:prstGeom>
+        </p:spPr>
+        <p:txBody>
+          <a:bodyPr/>
+          <a:lstStyle>
+            <a:lvl1pPr algn="ctr" defTabSz="914400" rtl="0" eaLnBrk="1" latinLnBrk="0" hangingPunct="1">
+              <a:spcBef>
+                <a:spcPct val="0"/>
+              </a:spcBef>
+              <a:buNone/>
+              <a:defRPr sz="4400" kern="1200">
+                <a:solidFill>
+                  <a:schemeClr val="tx1"/>
+                </a:solidFill>
+                <a:latin typeface="+mj-lt"/>
+                <a:ea typeface="+mj-ea"/>
+                <a:cs typeface="+mj-cs"/>
+              </a:defRPr>
+            </a:lvl1pPr>
+          </a:lstStyle>
+          <a:p>
+            <a:r>
+              <a:rPr lang="tr-TR" dirty="0">
+                <a:solidFill>
+                  <a:schemeClr val="accent6">
+                    <a:lumMod val="50000"/>
+                  </a:schemeClr>
+                </a:solidFill>
+                <a:latin typeface="Consolas" panose="020B0609020204030204" pitchFamily="49" charset="0"/>
+                <a:cs typeface="Consolas" panose="020B0609020204030204" pitchFamily="49" charset="0"/>
+              </a:rPr>
+              <a:t>&lt;</a:t>
+            </a:r>
+            <a:r>
+              <a:rPr lang="tr-TR" dirty="0" err="1">
+                <a:solidFill>
+                  <a:srgbClr val="0070C0"/>
+                </a:solidFill>
+                <a:latin typeface="Consolas" panose="020B0609020204030204" pitchFamily="49" charset="0"/>
+                <a:cs typeface="Consolas" panose="020B0609020204030204" pitchFamily="49" charset="0"/>
+              </a:rPr>
+              <a:t>head</a:t>
+            </a:r>
+            <a:r>
+              <a:rPr lang="tr-TR" dirty="0">
+                <a:solidFill>
+                  <a:schemeClr val="accent6">
+                    <a:lumMod val="50000"/>
+                  </a:schemeClr>
+                </a:solidFill>
+                <a:latin typeface="Consolas" panose="020B0609020204030204" pitchFamily="49" charset="0"/>
+                <a:cs typeface="Consolas" panose="020B0609020204030204" pitchFamily="49" charset="0"/>
+              </a:rPr>
+              <a:t>&gt;</a:t>
+            </a:r>
+          </a:p>
+          <a:p>
+            <a:endParaRPr lang="tr-TR" b="1" dirty="0"/>
+          </a:p>
+        </p:txBody>
+      </p:sp>
+      <p:sp>
+        <p:nvSpPr>
+          <p:cNvPr id="3" name="İçerik Yer Tutucusu 1"/>
+          <p:cNvSpPr txBox="1">
+            <a:spLocks/>
+          </p:cNvSpPr>
+          <p:nvPr/>
+        </p:nvSpPr>
+        <p:spPr>
+          <a:xfrm>
+            <a:off x="107504" y="1600200"/>
+            <a:ext cx="8928992" cy="5069160"/>
+          </a:xfrm>
+          <a:prstGeom prst="rect">
+            <a:avLst/>
+          </a:prstGeom>
+        </p:spPr>
+        <p:txBody>
+          <a:bodyPr/>
+          <a:lstStyle>
+            <a:lvl1pPr marL="342900" indent="-342900" algn="l" defTabSz="914400" rtl="0" eaLnBrk="1" latinLnBrk="0" hangingPunct="1">
+              <a:spcBef>
+                <a:spcPct val="20000"/>
+              </a:spcBef>
+              <a:buFont typeface="Arial" panose="020B0604020202020204" pitchFamily="34" charset="0"/>
+              <a:buChar char="•"/>
+              <a:defRPr sz="3200" kern="1200">
+                <a:solidFill>
+                  <a:schemeClr val="tx1"/>
+                </a:solidFill>
+                <a:latin typeface="+mn-lt"/>
+                <a:ea typeface="+mn-ea"/>
+                <a:cs typeface="+mn-cs"/>
+              </a:defRPr>
+            </a:lvl1pPr>
+            <a:lvl2pPr marL="742950" indent="-285750" algn="l" defTabSz="914400" rtl="0" eaLnBrk="1" latinLnBrk="0" hangingPunct="1">
+              <a:spcBef>
+                <a:spcPct val="20000"/>
+              </a:spcBef>
+              <a:buFont typeface="Arial" panose="020B0604020202020204" pitchFamily="34" charset="0"/>
+              <a:buChar char="–"/>
+              <a:defRPr sz="2800" kern="1200">
+                <a:solidFill>
+                  <a:schemeClr val="tx1"/>
+                </a:solidFill>
+                <a:latin typeface="+mn-lt"/>
+                <a:ea typeface="+mn-ea"/>
+                <a:cs typeface="+mn-cs"/>
+              </a:defRPr>
+            </a:lvl2pPr>
+            <a:lvl3pPr marL="1143000" indent="-228600" algn="l" defTabSz="914400" rtl="0" eaLnBrk="1" latinLnBrk="0" hangingPunct="1">
+              <a:spcBef>
+                <a:spcPct val="20000"/>
+              </a:spcBef>
+              <a:buFont typeface="Arial" panose="020B0604020202020204" pitchFamily="34" charset="0"/>
+              <a:buChar char="•"/>
+              <a:defRPr sz="2400" kern="1200">
+                <a:solidFill>
+                  <a:schemeClr val="tx1"/>
+                </a:solidFill>
+                <a:latin typeface="+mn-lt"/>
+                <a:ea typeface="+mn-ea"/>
+                <a:cs typeface="+mn-cs"/>
+              </a:defRPr>
+            </a:lvl3pPr>
+            <a:lvl4pPr marL="1600200" indent="-228600" algn="l" defTabSz="914400" rtl="0" eaLnBrk="1" latinLnBrk="0" hangingPunct="1">
+              <a:spcBef>
+                <a:spcPct val="20000"/>
+              </a:spcBef>
+              <a:buFont typeface="Arial" panose="020B0604020202020204" pitchFamily="34" charset="0"/>
+              <a:buChar char="–"/>
+              <a:defRPr sz="2000" kern="1200">
+                <a:solidFill>
+                  <a:schemeClr val="tx1"/>
+                </a:solidFill>
+                <a:latin typeface="+mn-lt"/>
+                <a:ea typeface="+mn-ea"/>
+                <a:cs typeface="+mn-cs"/>
+              </a:defRPr>
+            </a:lvl4pPr>
+            <a:lvl5pPr marL="2057400" indent="-228600" algn="l" defTabSz="914400" rtl="0" eaLnBrk="1" latinLnBrk="0" hangingPunct="1">
+              <a:spcBef>
+                <a:spcPct val="20000"/>
+              </a:spcBef>
+              <a:buFont typeface="Arial" panose="020B0604020202020204" pitchFamily="34" charset="0"/>
+              <a:buChar char="»"/>
+              <a:defRPr sz="2000" kern="1200">
+                <a:solidFill>
+                  <a:schemeClr val="tx1"/>
+                </a:solidFill>
+                <a:latin typeface="+mn-lt"/>
+                <a:ea typeface="+mn-ea"/>
+                <a:cs typeface="+mn-cs"/>
+              </a:defRPr>
+            </a:lvl5pPr>
+            <a:lvl6pPr marL="2514600" indent="-228600" algn="l" defTabSz="914400" rtl="0" eaLnBrk="1" latinLnBrk="0" hangingPunct="1">
+              <a:spcBef>
+                <a:spcPct val="20000"/>
+              </a:spcBef>
+              <a:buFont typeface="Arial" panose="020B0604020202020204" pitchFamily="34" charset="0"/>
+              <a:buChar char="•"/>
+              <a:defRPr sz="2000" kern="1200">
+                <a:solidFill>
+                  <a:schemeClr val="tx1"/>
+                </a:solidFill>
+                <a:latin typeface="+mn-lt"/>
+                <a:ea typeface="+mn-ea"/>
+                <a:cs typeface="+mn-cs"/>
+              </a:defRPr>
+            </a:lvl6pPr>
+            <a:lvl7pPr marL="2971800" indent="-228600" algn="l" defTabSz="914400" rtl="0" eaLnBrk="1" latinLnBrk="0" hangingPunct="1">
+              <a:spcBef>
+                <a:spcPct val="20000"/>
+              </a:spcBef>
+              <a:buFont typeface="Arial" panose="020B0604020202020204" pitchFamily="34" charset="0"/>
+              <a:buChar char="•"/>
+              <a:defRPr sz="2000" kern="1200">
+                <a:solidFill>
+                  <a:schemeClr val="tx1"/>
+                </a:solidFill>
+                <a:latin typeface="+mn-lt"/>
+                <a:ea typeface="+mn-ea"/>
+                <a:cs typeface="+mn-cs"/>
+              </a:defRPr>
+            </a:lvl7pPr>
+            <a:lvl8pPr marL="3429000" indent="-228600" algn="l" defTabSz="914400" rtl="0" eaLnBrk="1" latinLnBrk="0" hangingPunct="1">
+              <a:spcBef>
+                <a:spcPct val="20000"/>
+              </a:spcBef>
+              <a:buFont typeface="Arial" panose="020B0604020202020204" pitchFamily="34" charset="0"/>
+              <a:buChar char="•"/>
+              <a:defRPr sz="2000" kern="1200">
+                <a:solidFill>
+                  <a:schemeClr val="tx1"/>
+                </a:solidFill>
+                <a:latin typeface="+mn-lt"/>
+                <a:ea typeface="+mn-ea"/>
+                <a:cs typeface="+mn-cs"/>
+              </a:defRPr>
+            </a:lvl8pPr>
+            <a:lvl9pPr marL="3886200" indent="-228600" algn="l" defTabSz="914400" rtl="0" eaLnBrk="1" latinLnBrk="0" hangingPunct="1">
+              <a:spcBef>
+                <a:spcPct val="20000"/>
+              </a:spcBef>
+              <a:buFont typeface="Arial" panose="020B0604020202020204" pitchFamily="34" charset="0"/>
+              <a:buChar char="•"/>
+              <a:defRPr sz="2000" kern="1200">
+                <a:solidFill>
+                  <a:schemeClr val="tx1"/>
+                </a:solidFill>
+                <a:latin typeface="+mn-lt"/>
+                <a:ea typeface="+mn-ea"/>
+                <a:cs typeface="+mn-cs"/>
+              </a:defRPr>
+            </a:lvl9pPr>
+          </a:lstStyle>
+          <a:p>
+            <a:pPr marL="0" indent="0">
+              <a:buNone/>
+            </a:pPr>
+            <a:r>
+              <a:rPr lang="tr-TR" sz="2800" b="1" dirty="0" err="1" smtClean="0">
+                <a:latin typeface="Consolas" panose="020B0609020204030204" pitchFamily="49" charset="0"/>
+                <a:cs typeface="Consolas" panose="020B0609020204030204" pitchFamily="49" charset="0"/>
+              </a:rPr>
+              <a:t>h</a:t>
+            </a:r>
+            <a:r>
+              <a:rPr lang="tr-TR" sz="2800" b="1" dirty="0" err="1" smtClean="0">
+                <a:latin typeface="Consolas" panose="020B0609020204030204" pitchFamily="49" charset="0"/>
+                <a:cs typeface="Consolas" panose="020B0609020204030204" pitchFamily="49" charset="0"/>
+              </a:rPr>
+              <a:t>ead</a:t>
+            </a:r>
+            <a:r>
+              <a:rPr lang="tr-TR" sz="2800" dirty="0" smtClean="0">
+                <a:latin typeface="Consolas" panose="020B0609020204030204" pitchFamily="49" charset="0"/>
+                <a:cs typeface="Consolas" panose="020B0609020204030204" pitchFamily="49" charset="0"/>
+              </a:rPr>
+              <a:t> </a:t>
+            </a:r>
+            <a:r>
+              <a:rPr lang="tr-TR" sz="2800" dirty="0" smtClean="0">
+                <a:cs typeface="Consolas" panose="020B0609020204030204" pitchFamily="49" charset="0"/>
+              </a:rPr>
+              <a:t>içinde </a:t>
+            </a:r>
+            <a:r>
+              <a:rPr lang="tr-TR" sz="2800" dirty="0" err="1" smtClean="0">
+                <a:cs typeface="Consolas" panose="020B0609020204030204" pitchFamily="49" charset="0"/>
+              </a:rPr>
+              <a:t>yeralan</a:t>
+            </a:r>
+            <a:r>
+              <a:rPr lang="tr-TR" sz="2800" dirty="0" smtClean="0">
+                <a:cs typeface="Consolas" panose="020B0609020204030204" pitchFamily="49" charset="0"/>
+              </a:rPr>
+              <a:t> </a:t>
+            </a:r>
+            <a:r>
+              <a:rPr lang="tr-TR" sz="2800" b="1" dirty="0" smtClean="0">
+                <a:latin typeface="Consolas" panose="020B0609020204030204" pitchFamily="49" charset="0"/>
+                <a:cs typeface="Consolas" panose="020B0609020204030204" pitchFamily="49" charset="0"/>
+              </a:rPr>
+              <a:t>meta</a:t>
+            </a:r>
+            <a:r>
+              <a:rPr lang="tr-TR" sz="2800" dirty="0" smtClean="0">
+                <a:cs typeface="Consolas" panose="020B0609020204030204" pitchFamily="49" charset="0"/>
+              </a:rPr>
+              <a:t> etiketleri ön tanımlı değildir</a:t>
+            </a:r>
+            <a:r>
+              <a:rPr lang="tr-TR" sz="2800" b="1" dirty="0" smtClean="0">
+                <a:cs typeface="Consolas" panose="020B0609020204030204" pitchFamily="49" charset="0"/>
+              </a:rPr>
+              <a:t>. </a:t>
+            </a:r>
+            <a:r>
+              <a:rPr lang="tr-TR" sz="2800" dirty="0" smtClean="0">
+                <a:cs typeface="Consolas" panose="020B0609020204030204" pitchFamily="49" charset="0"/>
+              </a:rPr>
+              <a:t>Meta adı ve meta içerik değeri yazar tarafından belirlenir. </a:t>
+            </a:r>
+            <a:r>
+              <a:rPr lang="tr-TR" sz="2800" b="1" dirty="0" smtClean="0">
+                <a:cs typeface="Consolas" panose="020B0609020204030204" pitchFamily="49" charset="0"/>
+              </a:rPr>
+              <a:t>name-</a:t>
+            </a:r>
+            <a:r>
+              <a:rPr lang="tr-TR" sz="2800" b="1" dirty="0" err="1" smtClean="0">
+                <a:cs typeface="Consolas" panose="020B0609020204030204" pitchFamily="49" charset="0"/>
+              </a:rPr>
+              <a:t>content</a:t>
+            </a:r>
+            <a:r>
+              <a:rPr lang="tr-TR" sz="2800" dirty="0" smtClean="0">
+                <a:cs typeface="Consolas" panose="020B0609020204030204" pitchFamily="49" charset="0"/>
+              </a:rPr>
+              <a:t> </a:t>
+            </a:r>
+            <a:r>
+              <a:rPr lang="tr-TR" sz="2800" dirty="0">
+                <a:cs typeface="Consolas" panose="020B0609020204030204" pitchFamily="49" charset="0"/>
+              </a:rPr>
+              <a:t>(</a:t>
+            </a:r>
+            <a:r>
+              <a:rPr lang="tr-TR" sz="2800" b="1" dirty="0">
+                <a:cs typeface="Consolas" panose="020B0609020204030204" pitchFamily="49" charset="0"/>
+              </a:rPr>
+              <a:t>ad-içerik)</a:t>
+            </a:r>
+            <a:r>
+              <a:rPr lang="tr-TR" sz="2800" dirty="0">
+                <a:cs typeface="Consolas" panose="020B0609020204030204" pitchFamily="49" charset="0"/>
+              </a:rPr>
+              <a:t> çiftleri halinde yazılırlar. </a:t>
+            </a:r>
+            <a:endParaRPr lang="tr-TR" sz="2800" dirty="0" smtClean="0">
+              <a:cs typeface="Consolas" panose="020B0609020204030204" pitchFamily="49" charset="0"/>
+            </a:endParaRPr>
+          </a:p>
+          <a:p>
+            <a:pPr marL="0" indent="0">
+              <a:buNone/>
+            </a:pPr>
+            <a:endParaRPr lang="tr-TR" dirty="0">
+              <a:latin typeface="Consolas" panose="020B0609020204030204" pitchFamily="49" charset="0"/>
+              <a:cs typeface="Consolas" panose="020B0609020204030204" pitchFamily="49" charset="0"/>
+            </a:endParaRPr>
+          </a:p>
+        </p:txBody>
+      </p:sp>
+      <p:sp>
+        <p:nvSpPr>
+          <p:cNvPr id="5" name="Metin kutusu 4"/>
+          <p:cNvSpPr txBox="1"/>
+          <p:nvPr/>
+        </p:nvSpPr>
+        <p:spPr>
+          <a:xfrm>
+            <a:off x="-13320" y="3933056"/>
+            <a:ext cx="9157320" cy="707886"/>
+          </a:xfrm>
+          <a:prstGeom prst="rect">
+            <a:avLst/>
+          </a:prstGeom>
+          <a:noFill/>
+        </p:spPr>
+        <p:txBody>
+          <a:bodyPr wrap="square" rtlCol="0">
+            <a:spAutoFit/>
+          </a:bodyPr>
+          <a:lstStyle/>
+          <a:p>
+            <a:pPr algn="ctr"/>
+            <a:r>
+              <a:rPr lang="tr-TR" sz="4000" dirty="0" smtClean="0">
+                <a:solidFill>
+                  <a:srgbClr val="0070C0"/>
+                </a:solidFill>
+                <a:latin typeface="Consolas" panose="020B0609020204030204" pitchFamily="49" charset="0"/>
+                <a:cs typeface="Consolas" panose="020B0609020204030204" pitchFamily="49" charset="0"/>
+              </a:rPr>
+              <a:t>&lt;</a:t>
+            </a:r>
+            <a:r>
+              <a:rPr lang="tr-TR" sz="4000" b="1" dirty="0" smtClean="0">
+                <a:solidFill>
+                  <a:srgbClr val="00B050"/>
+                </a:solidFill>
+                <a:latin typeface="Consolas" panose="020B0609020204030204" pitchFamily="49" charset="0"/>
+                <a:cs typeface="Consolas" panose="020B0609020204030204" pitchFamily="49" charset="0"/>
+              </a:rPr>
+              <a:t>meta</a:t>
+            </a:r>
+            <a:r>
+              <a:rPr lang="tr-TR" sz="4000" dirty="0" smtClean="0">
+                <a:latin typeface="Consolas" panose="020B0609020204030204" pitchFamily="49" charset="0"/>
+                <a:cs typeface="Consolas" panose="020B0609020204030204" pitchFamily="49" charset="0"/>
+              </a:rPr>
+              <a:t> </a:t>
+            </a:r>
+            <a:r>
+              <a:rPr lang="tr-TR" sz="4000" dirty="0" smtClean="0">
+                <a:solidFill>
+                  <a:srgbClr val="C00000"/>
+                </a:solidFill>
+                <a:latin typeface="Consolas" panose="020B0609020204030204" pitchFamily="49" charset="0"/>
+                <a:cs typeface="Consolas" panose="020B0609020204030204" pitchFamily="49" charset="0"/>
+              </a:rPr>
+              <a:t>name</a:t>
+            </a:r>
+            <a:r>
+              <a:rPr lang="tr-TR" sz="4000" dirty="0" smtClean="0">
+                <a:latin typeface="Consolas" panose="020B0609020204030204" pitchFamily="49" charset="0"/>
+                <a:cs typeface="Consolas" panose="020B0609020204030204" pitchFamily="49" charset="0"/>
+              </a:rPr>
+              <a:t>=</a:t>
+            </a:r>
+            <a:r>
+              <a:rPr lang="tr-TR" sz="4000" b="1" dirty="0" smtClean="0">
+                <a:solidFill>
+                  <a:schemeClr val="accent6">
+                    <a:lumMod val="50000"/>
+                  </a:schemeClr>
+                </a:solidFill>
+                <a:latin typeface="Consolas" panose="020B0609020204030204" pitchFamily="49" charset="0"/>
+                <a:cs typeface="Consolas" panose="020B0609020204030204" pitchFamily="49" charset="0"/>
+              </a:rPr>
+              <a:t>"</a:t>
+            </a:r>
+            <a:r>
+              <a:rPr lang="tr-TR" sz="4000" dirty="0" err="1" smtClean="0">
+                <a:solidFill>
+                  <a:srgbClr val="7030A0"/>
+                </a:solidFill>
+                <a:latin typeface="Consolas" panose="020B0609020204030204" pitchFamily="49" charset="0"/>
+                <a:cs typeface="Consolas" panose="020B0609020204030204" pitchFamily="49" charset="0"/>
+              </a:rPr>
+              <a:t>any</a:t>
+            </a:r>
+            <a:r>
+              <a:rPr lang="tr-TR" sz="4000" b="1" dirty="0" smtClean="0">
+                <a:solidFill>
+                  <a:schemeClr val="accent6">
+                    <a:lumMod val="50000"/>
+                  </a:schemeClr>
+                </a:solidFill>
+                <a:latin typeface="Consolas" panose="020B0609020204030204" pitchFamily="49" charset="0"/>
+                <a:cs typeface="Consolas" panose="020B0609020204030204" pitchFamily="49" charset="0"/>
+              </a:rPr>
+              <a:t>"</a:t>
+            </a:r>
+            <a:r>
+              <a:rPr lang="tr-TR" sz="4000" dirty="0" smtClean="0">
+                <a:solidFill>
+                  <a:srgbClr val="C00000"/>
+                </a:solidFill>
+                <a:latin typeface="Consolas" panose="020B0609020204030204" pitchFamily="49" charset="0"/>
+                <a:cs typeface="Consolas" panose="020B0609020204030204" pitchFamily="49" charset="0"/>
+              </a:rPr>
+              <a:t> </a:t>
+            </a:r>
+            <a:r>
+              <a:rPr lang="tr-TR" sz="4000" dirty="0" err="1" smtClean="0">
+                <a:solidFill>
+                  <a:srgbClr val="C00000"/>
+                </a:solidFill>
+                <a:latin typeface="Consolas" panose="020B0609020204030204" pitchFamily="49" charset="0"/>
+                <a:cs typeface="Consolas" panose="020B0609020204030204" pitchFamily="49" charset="0"/>
+              </a:rPr>
+              <a:t>content</a:t>
+            </a:r>
+            <a:r>
+              <a:rPr lang="tr-TR" sz="4000" dirty="0" smtClean="0">
+                <a:latin typeface="Consolas" panose="020B0609020204030204" pitchFamily="49" charset="0"/>
+                <a:cs typeface="Consolas" panose="020B0609020204030204" pitchFamily="49" charset="0"/>
+              </a:rPr>
+              <a:t>=</a:t>
+            </a:r>
+            <a:r>
+              <a:rPr lang="tr-TR" sz="4000" b="1" dirty="0" smtClean="0">
+                <a:solidFill>
+                  <a:schemeClr val="accent6">
+                    <a:lumMod val="50000"/>
+                  </a:schemeClr>
+                </a:solidFill>
+                <a:latin typeface="Consolas" panose="020B0609020204030204" pitchFamily="49" charset="0"/>
+                <a:cs typeface="Consolas" panose="020B0609020204030204" pitchFamily="49" charset="0"/>
+              </a:rPr>
+              <a:t>"</a:t>
+            </a:r>
+            <a:r>
+              <a:rPr lang="tr-TR" sz="4000" dirty="0" smtClean="0">
+                <a:solidFill>
+                  <a:srgbClr val="7030A0"/>
+                </a:solidFill>
+                <a:latin typeface="Consolas" panose="020B0609020204030204" pitchFamily="49" charset="0"/>
+                <a:cs typeface="Consolas" panose="020B0609020204030204" pitchFamily="49" charset="0"/>
+              </a:rPr>
+              <a:t>42</a:t>
+            </a:r>
+            <a:r>
+              <a:rPr lang="tr-TR" sz="4000" b="1" dirty="0" smtClean="0">
+                <a:solidFill>
+                  <a:schemeClr val="accent6">
+                    <a:lumMod val="50000"/>
+                  </a:schemeClr>
+                </a:solidFill>
+                <a:latin typeface="Consolas" panose="020B0609020204030204" pitchFamily="49" charset="0"/>
+                <a:cs typeface="Consolas" panose="020B0609020204030204" pitchFamily="49" charset="0"/>
+              </a:rPr>
+              <a:t>" </a:t>
+            </a:r>
+            <a:r>
+              <a:rPr lang="tr-TR" sz="4000" b="1" dirty="0" smtClean="0">
+                <a:solidFill>
+                  <a:srgbClr val="00B050"/>
+                </a:solidFill>
+                <a:latin typeface="Consolas" panose="020B0609020204030204" pitchFamily="49" charset="0"/>
+                <a:cs typeface="Consolas" panose="020B0609020204030204" pitchFamily="49" charset="0"/>
+              </a:rPr>
+              <a:t>/</a:t>
+            </a:r>
+            <a:r>
+              <a:rPr lang="tr-TR" sz="4000" dirty="0" smtClean="0">
+                <a:solidFill>
+                  <a:srgbClr val="0070C0"/>
+                </a:solidFill>
+                <a:latin typeface="Consolas" panose="020B0609020204030204" pitchFamily="49" charset="0"/>
+                <a:cs typeface="Consolas" panose="020B0609020204030204" pitchFamily="49" charset="0"/>
+              </a:rPr>
+              <a:t>&gt;</a:t>
+            </a:r>
+            <a:endParaRPr lang="tr-TR" sz="4000" dirty="0">
+              <a:latin typeface="Consolas" panose="020B0609020204030204" pitchFamily="49" charset="0"/>
+              <a:cs typeface="Consolas" panose="020B0609020204030204" pitchFamily="49" charset="0"/>
+            </a:endParaRPr>
+          </a:p>
+        </p:txBody>
+      </p:sp>
+    </p:spTree>
+    <p:extLst>
+      <p:ext uri="{BB962C8B-B14F-4D97-AF65-F5344CB8AC3E}">
+        <p14:creationId xmlns:p14="http://schemas.microsoft.com/office/powerpoint/2010/main" val="1992210459"/>
+      </p:ext>
+    </p:extLst>
+  </p:cSld>
+  <p:clrMapOvr>
+    <a:masterClrMapping/>
+  </p:clrMapOvr>
+</p:sld>
+</file>
+
+<file path=ppt/slides/slide18.xml><?xml version="1.0" encoding="utf-8"?>
+<p:sld xmlns:a="http://schemas.openxmlformats.org/drawingml/2006/main" xmlns:r="http://schemas.openxmlformats.org/officeDocument/2006/relationships" xmlns:p="http://schemas.openxmlformats.org/presentationml/2006/main">
+  <p:cSld>
+    <p:spTree>
+      <p:nvGrpSpPr>
+        <p:cNvPr id="1" name=""/>
+        <p:cNvGrpSpPr/>
+        <p:nvPr/>
+      </p:nvGrpSpPr>
+      <p:grpSpPr>
+        <a:xfrm>
+          <a:off x="0" y="0"/>
+          <a:ext cx="0" cy="0"/>
+          <a:chOff x="0" y="0"/>
+          <a:chExt cx="0" cy="0"/>
+        </a:xfrm>
+      </p:grpSpPr>
+      <p:sp>
+        <p:nvSpPr>
           <p:cNvPr id="3" name="İçerik Yer Tutucusu 2"/>
           <p:cNvSpPr>
             <a:spLocks noGrp="1"/>
@@ -6174,7 +8401,7 @@
 </p:sld>
 </file>
 
-<file path=ppt/slides/slide16.xml><?xml version="1.0" encoding="utf-8"?>
+<file path=ppt/slides/slide19.xml><?xml version="1.0" encoding="utf-8"?>
 <p:sld xmlns:a="http://schemas.openxmlformats.org/drawingml/2006/main" xmlns:r="http://schemas.openxmlformats.org/officeDocument/2006/relationships" xmlns:p="http://schemas.openxmlformats.org/presentationml/2006/main">
   <p:cSld>
     <p:spTree>
@@ -6286,655 +8513,6 @@
 </p:sld>
 </file>
 
-<file path=ppt/slides/slide17.xml><?xml version="1.0" encoding="utf-8"?>
-<p:sld xmlns:a="http://schemas.openxmlformats.org/drawingml/2006/main" xmlns:r="http://schemas.openxmlformats.org/officeDocument/2006/relationships" xmlns:p="http://schemas.openxmlformats.org/presentationml/2006/main">
-  <p:cSld>
-    <p:spTree>
-      <p:nvGrpSpPr>
-        <p:cNvPr id="1" name=""/>
-        <p:cNvGrpSpPr/>
-        <p:nvPr/>
-      </p:nvGrpSpPr>
-      <p:grpSpPr>
-        <a:xfrm>
-          <a:off x="0" y="0"/>
-          <a:ext cx="0" cy="0"/>
-          <a:chOff x="0" y="0"/>
-          <a:chExt cx="0" cy="0"/>
-        </a:xfrm>
-      </p:grpSpPr>
-      <p:sp>
-        <p:nvSpPr>
-          <p:cNvPr id="5" name="Başlık 1"/>
-          <p:cNvSpPr>
-            <a:spLocks noGrp="1"/>
-          </p:cNvSpPr>
-          <p:nvPr>
-            <p:ph type="title"/>
-          </p:nvPr>
-        </p:nvSpPr>
-        <p:spPr>
-          <a:xfrm>
-            <a:off x="457200" y="274638"/>
-            <a:ext cx="8229600" cy="1143000"/>
-          </a:xfrm>
-        </p:spPr>
-        <p:txBody>
-          <a:bodyPr>
-            <a:normAutofit/>
-          </a:bodyPr>
-          <a:lstStyle/>
-          <a:p>
-            <a:r>
-              <a:rPr lang="tr-TR" sz="2800" dirty="0" smtClean="0"/>
-              <a:t>Doküman Nesne Modeli - </a:t>
-            </a:r>
-            <a:r>
-              <a:rPr lang="tr-TR" sz="2800" b="1" dirty="0" err="1" smtClean="0"/>
-              <a:t>Document</a:t>
-            </a:r>
-            <a:r>
-              <a:rPr lang="tr-TR" sz="2800" b="1" dirty="0" smtClean="0"/>
-              <a:t> Object Model</a:t>
-            </a:r>
-            <a:br>
-              <a:rPr lang="tr-TR" sz="2800" b="1" dirty="0" smtClean="0"/>
-            </a:br>
-            <a:r>
-              <a:rPr lang="tr-TR" sz="2800" dirty="0" smtClean="0"/>
-              <a:t>Erişim</a:t>
-            </a:r>
-            <a:r>
-              <a:rPr lang="tr-TR" sz="2800" b="1" dirty="0" smtClean="0"/>
-              <a:t> – </a:t>
-            </a:r>
-            <a:r>
-              <a:rPr lang="tr-TR" sz="2800" b="1" dirty="0" smtClean="0">
-                <a:solidFill>
-                  <a:srgbClr val="C00000"/>
-                </a:solidFill>
-              </a:rPr>
-              <a:t>U</a:t>
-            </a:r>
-            <a:r>
-              <a:rPr lang="tr-TR" sz="2800" b="1" dirty="0" smtClean="0"/>
-              <a:t>ygulama </a:t>
-            </a:r>
-            <a:r>
-              <a:rPr lang="tr-TR" sz="2800" b="1" dirty="0" smtClean="0">
-                <a:solidFill>
-                  <a:srgbClr val="C00000"/>
-                </a:solidFill>
-              </a:rPr>
-              <a:t>P</a:t>
-            </a:r>
-            <a:r>
-              <a:rPr lang="tr-TR" sz="2800" b="1" dirty="0" smtClean="0"/>
-              <a:t>rogramlama </a:t>
-            </a:r>
-            <a:r>
-              <a:rPr lang="tr-TR" sz="2800" b="1" dirty="0" smtClean="0">
-                <a:solidFill>
-                  <a:srgbClr val="C00000"/>
-                </a:solidFill>
-              </a:rPr>
-              <a:t>A</a:t>
-            </a:r>
-            <a:r>
-              <a:rPr lang="tr-TR" sz="2800" b="1" dirty="0" smtClean="0"/>
-              <a:t>rabirimi</a:t>
-            </a:r>
-            <a:endParaRPr lang="tr-TR" sz="2800" b="1" dirty="0"/>
-          </a:p>
-        </p:txBody>
-      </p:sp>
-      <p:sp>
-        <p:nvSpPr>
-          <p:cNvPr id="2" name="İçerik Yer Tutucusu 1"/>
-          <p:cNvSpPr>
-            <a:spLocks noGrp="1"/>
-          </p:cNvSpPr>
-          <p:nvPr>
-            <p:ph idx="1"/>
-          </p:nvPr>
-        </p:nvSpPr>
-        <p:spPr/>
-        <p:txBody>
-          <a:bodyPr/>
-          <a:lstStyle/>
-          <a:p>
-            <a:r>
-              <a:rPr lang="tr-TR" sz="3600" b="1" dirty="0" smtClean="0">
-                <a:solidFill>
-                  <a:srgbClr val="FF0000"/>
-                </a:solidFill>
-                <a:latin typeface="+mj-lt"/>
-                <a:cs typeface="Consolas" panose="020B0609020204030204" pitchFamily="49" charset="0"/>
-              </a:rPr>
-              <a:t>A</a:t>
-            </a:r>
-            <a:r>
-              <a:rPr lang="tr-TR" sz="3600" dirty="0" smtClean="0">
-                <a:latin typeface="+mj-lt"/>
-                <a:cs typeface="Consolas" panose="020B0609020204030204" pitchFamily="49" charset="0"/>
-              </a:rPr>
-              <a:t>pplication </a:t>
-            </a:r>
-            <a:r>
-              <a:rPr lang="tr-TR" sz="3600" b="1" dirty="0" smtClean="0">
-                <a:solidFill>
-                  <a:srgbClr val="FF0000"/>
-                </a:solidFill>
-                <a:latin typeface="+mj-lt"/>
-                <a:cs typeface="Consolas" panose="020B0609020204030204" pitchFamily="49" charset="0"/>
-              </a:rPr>
-              <a:t>P</a:t>
-            </a:r>
-            <a:r>
-              <a:rPr lang="tr-TR" sz="3600" dirty="0" smtClean="0">
-                <a:latin typeface="+mj-lt"/>
-                <a:cs typeface="Consolas" panose="020B0609020204030204" pitchFamily="49" charset="0"/>
-              </a:rPr>
-              <a:t>rogramming </a:t>
-            </a:r>
-            <a:r>
-              <a:rPr lang="tr-TR" sz="3600" b="1" dirty="0" err="1" smtClean="0">
-                <a:solidFill>
-                  <a:srgbClr val="FF0000"/>
-                </a:solidFill>
-                <a:latin typeface="+mj-lt"/>
-                <a:cs typeface="Consolas" panose="020B0609020204030204" pitchFamily="49" charset="0"/>
-              </a:rPr>
-              <a:t>I</a:t>
-            </a:r>
-            <a:r>
-              <a:rPr lang="tr-TR" sz="3600" dirty="0" err="1" smtClean="0">
-                <a:latin typeface="+mj-lt"/>
-                <a:cs typeface="Consolas" panose="020B0609020204030204" pitchFamily="49" charset="0"/>
-              </a:rPr>
-              <a:t>nterface</a:t>
-            </a:r>
-            <a:r>
-              <a:rPr lang="tr-TR" sz="3600" dirty="0" smtClean="0">
-                <a:latin typeface="+mj-lt"/>
-                <a:cs typeface="Consolas" panose="020B0609020204030204" pitchFamily="49" charset="0"/>
-              </a:rPr>
-              <a:t> </a:t>
-            </a:r>
-            <a:r>
-              <a:rPr lang="tr-TR" sz="3600" b="1" dirty="0" smtClean="0">
-                <a:solidFill>
-                  <a:srgbClr val="FF0000"/>
-                </a:solidFill>
-                <a:latin typeface="+mj-lt"/>
-                <a:cs typeface="Consolas" panose="020B0609020204030204" pitchFamily="49" charset="0"/>
-              </a:rPr>
-              <a:t>API</a:t>
-            </a:r>
-          </a:p>
-          <a:p>
-            <a:r>
-              <a:rPr lang="tr-TR" sz="3600" dirty="0" err="1" smtClean="0">
-                <a:latin typeface="Consolas" panose="020B0609020204030204" pitchFamily="49" charset="0"/>
-                <a:cs typeface="Consolas" panose="020B0609020204030204" pitchFamily="49" charset="0"/>
-              </a:rPr>
-              <a:t>window.document.body</a:t>
-            </a:r>
-            <a:endParaRPr lang="tr-TR" sz="3600" dirty="0" smtClean="0">
-              <a:latin typeface="Consolas" panose="020B0609020204030204" pitchFamily="49" charset="0"/>
-              <a:cs typeface="Consolas" panose="020B0609020204030204" pitchFamily="49" charset="0"/>
-            </a:endParaRPr>
-          </a:p>
-          <a:p>
-            <a:endParaRPr lang="tr-TR" dirty="0">
-              <a:latin typeface="Consolas" panose="020B0609020204030204" pitchFamily="49" charset="0"/>
-              <a:cs typeface="Consolas" panose="020B0609020204030204" pitchFamily="49" charset="0"/>
-            </a:endParaRPr>
-          </a:p>
-        </p:txBody>
-      </p:sp>
-    </p:spTree>
-    <p:extLst>
-      <p:ext uri="{BB962C8B-B14F-4D97-AF65-F5344CB8AC3E}">
-        <p14:creationId xmlns:p14="http://schemas.microsoft.com/office/powerpoint/2010/main" val="20697538"/>
-      </p:ext>
-    </p:extLst>
-  </p:cSld>
-  <p:clrMapOvr>
-    <a:masterClrMapping/>
-  </p:clrMapOvr>
-</p:sld>
-</file>
-
-<file path=ppt/slides/slide18.xml><?xml version="1.0" encoding="utf-8"?>
-<p:sld xmlns:a="http://schemas.openxmlformats.org/drawingml/2006/main" xmlns:r="http://schemas.openxmlformats.org/officeDocument/2006/relationships" xmlns:p="http://schemas.openxmlformats.org/presentationml/2006/main">
-  <p:cSld>
-    <p:spTree>
-      <p:nvGrpSpPr>
-        <p:cNvPr id="1" name=""/>
-        <p:cNvGrpSpPr/>
-        <p:nvPr/>
-      </p:nvGrpSpPr>
-      <p:grpSpPr>
-        <a:xfrm>
-          <a:off x="0" y="0"/>
-          <a:ext cx="0" cy="0"/>
-          <a:chOff x="0" y="0"/>
-          <a:chExt cx="0" cy="0"/>
-        </a:xfrm>
-      </p:grpSpPr>
-      <p:sp>
-        <p:nvSpPr>
-          <p:cNvPr id="5" name="Başlık 1"/>
-          <p:cNvSpPr>
-            <a:spLocks noGrp="1"/>
-          </p:cNvSpPr>
-          <p:nvPr>
-            <p:ph type="title"/>
-          </p:nvPr>
-        </p:nvSpPr>
-        <p:spPr>
-          <a:xfrm>
-            <a:off x="457200" y="274638"/>
-            <a:ext cx="8229600" cy="1143000"/>
-          </a:xfrm>
-        </p:spPr>
-        <p:txBody>
-          <a:bodyPr>
-            <a:normAutofit/>
-          </a:bodyPr>
-          <a:lstStyle/>
-          <a:p>
-            <a:r>
-              <a:rPr lang="tr-TR" sz="2800" dirty="0" smtClean="0"/>
-              <a:t>Doküman Nesne Modeli - </a:t>
-            </a:r>
-            <a:r>
-              <a:rPr lang="tr-TR" sz="2800" b="1" dirty="0" err="1" smtClean="0"/>
-              <a:t>Document</a:t>
-            </a:r>
-            <a:r>
-              <a:rPr lang="tr-TR" sz="2800" b="1" dirty="0" smtClean="0"/>
-              <a:t> Object Model</a:t>
-            </a:r>
-            <a:br>
-              <a:rPr lang="tr-TR" sz="2800" b="1" dirty="0" smtClean="0"/>
-            </a:br>
-            <a:r>
-              <a:rPr lang="tr-TR" sz="2800" dirty="0" smtClean="0"/>
-              <a:t>Etkileşim</a:t>
-            </a:r>
-            <a:r>
-              <a:rPr lang="tr-TR" sz="2800" b="1" dirty="0" smtClean="0"/>
-              <a:t> – </a:t>
-            </a:r>
-            <a:r>
-              <a:rPr lang="tr-TR" sz="2800" b="1" dirty="0" err="1" smtClean="0"/>
-              <a:t>Javascript</a:t>
-            </a:r>
-            <a:r>
-              <a:rPr lang="tr-TR" sz="2800" b="1" dirty="0" smtClean="0"/>
-              <a:t> + DOM </a:t>
-            </a:r>
-            <a:r>
-              <a:rPr lang="tr-TR" sz="2800" b="1" dirty="0" err="1" smtClean="0"/>
-              <a:t>Events</a:t>
-            </a:r>
-            <a:endParaRPr lang="tr-TR" sz="2800" b="1" dirty="0"/>
-          </a:p>
-        </p:txBody>
-      </p:sp>
-      <p:sp>
-        <p:nvSpPr>
-          <p:cNvPr id="2" name="İçerik Yer Tutucusu 1"/>
-          <p:cNvSpPr>
-            <a:spLocks noGrp="1"/>
-          </p:cNvSpPr>
-          <p:nvPr>
-            <p:ph idx="1"/>
-          </p:nvPr>
-        </p:nvSpPr>
-        <p:spPr/>
-        <p:txBody>
-          <a:bodyPr>
-            <a:normAutofit/>
-          </a:bodyPr>
-          <a:lstStyle/>
-          <a:p>
-            <a:pPr marL="0" indent="0">
-              <a:buNone/>
-            </a:pPr>
-            <a:r>
-              <a:rPr lang="tr-TR" sz="2600" dirty="0">
-                <a:latin typeface="Consolas" panose="020B0609020204030204" pitchFamily="49" charset="0"/>
-                <a:cs typeface="Consolas" panose="020B0609020204030204" pitchFamily="49" charset="0"/>
-              </a:rPr>
-              <a:t>&lt;p </a:t>
-            </a:r>
-            <a:r>
-              <a:rPr lang="tr-TR" sz="2600" dirty="0" err="1">
-                <a:latin typeface="Consolas" panose="020B0609020204030204" pitchFamily="49" charset="0"/>
-                <a:cs typeface="Consolas" panose="020B0609020204030204" pitchFamily="49" charset="0"/>
-              </a:rPr>
-              <a:t>id</a:t>
-            </a:r>
-            <a:r>
-              <a:rPr lang="tr-TR" sz="2600" dirty="0" smtClean="0">
-                <a:latin typeface="Consolas" panose="020B0609020204030204" pitchFamily="49" charset="0"/>
-                <a:cs typeface="Consolas" panose="020B0609020204030204" pitchFamily="49" charset="0"/>
-              </a:rPr>
-              <a:t>="</a:t>
-            </a:r>
-            <a:r>
-              <a:rPr lang="tr-TR" sz="2600" b="1" dirty="0" err="1" smtClean="0">
-                <a:latin typeface="Consolas" panose="020B0609020204030204" pitchFamily="49" charset="0"/>
-                <a:cs typeface="Consolas" panose="020B0609020204030204" pitchFamily="49" charset="0"/>
-              </a:rPr>
-              <a:t>trg</a:t>
-            </a:r>
-            <a:r>
-              <a:rPr lang="tr-TR" sz="2600" dirty="0" smtClean="0">
-                <a:latin typeface="Consolas" panose="020B0609020204030204" pitchFamily="49" charset="0"/>
-                <a:cs typeface="Consolas" panose="020B0609020204030204" pitchFamily="49" charset="0"/>
-              </a:rPr>
-              <a:t>"</a:t>
-            </a:r>
-            <a:r>
-              <a:rPr lang="tr-TR" sz="2600" dirty="0">
-                <a:latin typeface="Consolas" panose="020B0609020204030204" pitchFamily="49" charset="0"/>
-                <a:cs typeface="Consolas" panose="020B0609020204030204" pitchFamily="49" charset="0"/>
-              </a:rPr>
-              <a:t> </a:t>
-            </a:r>
-            <a:r>
-              <a:rPr lang="tr-TR" sz="2600" dirty="0" err="1">
-                <a:latin typeface="Consolas" panose="020B0609020204030204" pitchFamily="49" charset="0"/>
-                <a:cs typeface="Consolas" panose="020B0609020204030204" pitchFamily="49" charset="0"/>
-              </a:rPr>
-              <a:t>onclick</a:t>
-            </a:r>
-            <a:r>
-              <a:rPr lang="tr-TR" sz="2600" dirty="0" smtClean="0">
-                <a:latin typeface="Consolas" panose="020B0609020204030204" pitchFamily="49" charset="0"/>
-                <a:cs typeface="Consolas" panose="020B0609020204030204" pitchFamily="49" charset="0"/>
-              </a:rPr>
-              <a:t>="</a:t>
-            </a:r>
-            <a:r>
-              <a:rPr lang="tr-TR" sz="2600" dirty="0" err="1" smtClean="0">
-                <a:latin typeface="Consolas" panose="020B0609020204030204" pitchFamily="49" charset="0"/>
-                <a:cs typeface="Consolas" panose="020B0609020204030204" pitchFamily="49" charset="0"/>
-              </a:rPr>
-              <a:t>handler</a:t>
-            </a:r>
-            <a:r>
-              <a:rPr lang="tr-TR" sz="2600" dirty="0" smtClean="0">
-                <a:latin typeface="Consolas" panose="020B0609020204030204" pitchFamily="49" charset="0"/>
-                <a:cs typeface="Consolas" panose="020B0609020204030204" pitchFamily="49" charset="0"/>
-              </a:rPr>
-              <a:t>()"&gt;tıkla&lt;/p&gt;</a:t>
-            </a:r>
-          </a:p>
-          <a:p>
-            <a:pPr marL="0" indent="0">
-              <a:buNone/>
-            </a:pPr>
-            <a:endParaRPr lang="tr-TR" sz="2600" dirty="0" smtClean="0">
-              <a:latin typeface="Consolas" panose="020B0609020204030204" pitchFamily="49" charset="0"/>
-              <a:cs typeface="Consolas" panose="020B0609020204030204" pitchFamily="49" charset="0"/>
-            </a:endParaRPr>
-          </a:p>
-          <a:p>
-            <a:pPr marL="0" indent="0">
-              <a:buNone/>
-            </a:pPr>
-            <a:r>
-              <a:rPr lang="tr-TR" sz="2600" dirty="0" smtClean="0">
-                <a:latin typeface="Consolas" panose="020B0609020204030204" pitchFamily="49" charset="0"/>
-                <a:cs typeface="Consolas" panose="020B0609020204030204" pitchFamily="49" charset="0"/>
-              </a:rPr>
-              <a:t>&lt;</a:t>
-            </a:r>
-            <a:r>
-              <a:rPr lang="tr-TR" sz="2600" dirty="0" err="1">
-                <a:latin typeface="Consolas" panose="020B0609020204030204" pitchFamily="49" charset="0"/>
-                <a:cs typeface="Consolas" panose="020B0609020204030204" pitchFamily="49" charset="0"/>
-              </a:rPr>
-              <a:t>script</a:t>
-            </a:r>
-            <a:r>
-              <a:rPr lang="tr-TR" sz="2600" dirty="0">
-                <a:latin typeface="Consolas" panose="020B0609020204030204" pitchFamily="49" charset="0"/>
-                <a:cs typeface="Consolas" panose="020B0609020204030204" pitchFamily="49" charset="0"/>
-              </a:rPr>
-              <a:t>&gt;</a:t>
-            </a:r>
-            <a:br>
-              <a:rPr lang="tr-TR" sz="2600" dirty="0">
-                <a:latin typeface="Consolas" panose="020B0609020204030204" pitchFamily="49" charset="0"/>
-                <a:cs typeface="Consolas" panose="020B0609020204030204" pitchFamily="49" charset="0"/>
-              </a:rPr>
-            </a:br>
-            <a:r>
-              <a:rPr lang="tr-TR" sz="2600" dirty="0" smtClean="0">
-                <a:latin typeface="Consolas" panose="020B0609020204030204" pitchFamily="49" charset="0"/>
-                <a:cs typeface="Consolas" panose="020B0609020204030204" pitchFamily="49" charset="0"/>
-              </a:rPr>
-              <a:t>  </a:t>
-            </a:r>
-            <a:r>
-              <a:rPr lang="tr-TR" sz="2600" b="1" dirty="0" err="1" smtClean="0">
-                <a:latin typeface="Consolas" panose="020B0609020204030204" pitchFamily="49" charset="0"/>
-                <a:cs typeface="Consolas" panose="020B0609020204030204" pitchFamily="49" charset="0"/>
-              </a:rPr>
-              <a:t>function</a:t>
-            </a:r>
-            <a:r>
-              <a:rPr lang="tr-TR" sz="2600" dirty="0">
-                <a:latin typeface="Consolas" panose="020B0609020204030204" pitchFamily="49" charset="0"/>
-                <a:cs typeface="Consolas" panose="020B0609020204030204" pitchFamily="49" charset="0"/>
-              </a:rPr>
-              <a:t> </a:t>
-            </a:r>
-            <a:r>
-              <a:rPr lang="tr-TR" sz="2600" dirty="0" err="1" smtClean="0">
-                <a:latin typeface="Consolas" panose="020B0609020204030204" pitchFamily="49" charset="0"/>
-                <a:cs typeface="Consolas" panose="020B0609020204030204" pitchFamily="49" charset="0"/>
-              </a:rPr>
-              <a:t>handler</a:t>
-            </a:r>
-            <a:r>
-              <a:rPr lang="tr-TR" sz="2600" b="1" dirty="0" smtClean="0">
-                <a:latin typeface="Consolas" panose="020B0609020204030204" pitchFamily="49" charset="0"/>
-                <a:cs typeface="Consolas" panose="020B0609020204030204" pitchFamily="49" charset="0"/>
-              </a:rPr>
-              <a:t>()</a:t>
-            </a:r>
-            <a:r>
-              <a:rPr lang="tr-TR" sz="2600" dirty="0" smtClean="0">
-                <a:latin typeface="Consolas" panose="020B0609020204030204" pitchFamily="49" charset="0"/>
-                <a:cs typeface="Consolas" panose="020B0609020204030204" pitchFamily="49" charset="0"/>
-              </a:rPr>
-              <a:t> </a:t>
-            </a:r>
-            <a:r>
-              <a:rPr lang="tr-TR" sz="2600" b="1" dirty="0" smtClean="0">
-                <a:latin typeface="Consolas" panose="020B0609020204030204" pitchFamily="49" charset="0"/>
-                <a:cs typeface="Consolas" panose="020B0609020204030204" pitchFamily="49" charset="0"/>
-              </a:rPr>
-              <a:t>{</a:t>
-            </a:r>
-          </a:p>
-          <a:p>
-            <a:pPr marL="0" indent="0">
-              <a:buNone/>
-            </a:pPr>
-            <a:r>
-              <a:rPr lang="tr-TR" sz="2600" dirty="0" smtClean="0">
-                <a:latin typeface="Consolas" panose="020B0609020204030204" pitchFamily="49" charset="0"/>
-                <a:cs typeface="Consolas" panose="020B0609020204030204" pitchFamily="49" charset="0"/>
-              </a:rPr>
-              <a:t>    </a:t>
-            </a:r>
-            <a:r>
-              <a:rPr lang="tr-TR" sz="2600" b="1" dirty="0" smtClean="0">
-                <a:latin typeface="Consolas" panose="020B0609020204030204" pitchFamily="49" charset="0"/>
-                <a:cs typeface="Consolas" panose="020B0609020204030204" pitchFamily="49" charset="0"/>
-              </a:rPr>
-              <a:t>var</a:t>
-            </a:r>
-            <a:r>
-              <a:rPr lang="tr-TR" sz="2600" dirty="0" smtClean="0">
-                <a:latin typeface="Consolas" panose="020B0609020204030204" pitchFamily="49" charset="0"/>
-                <a:cs typeface="Consolas" panose="020B0609020204030204" pitchFamily="49" charset="0"/>
-              </a:rPr>
-              <a:t> el = </a:t>
-            </a:r>
-            <a:r>
-              <a:rPr lang="tr-TR" sz="2600" dirty="0" err="1" smtClean="0">
-                <a:latin typeface="Consolas" panose="020B0609020204030204" pitchFamily="49" charset="0"/>
-                <a:cs typeface="Consolas" panose="020B0609020204030204" pitchFamily="49" charset="0"/>
-              </a:rPr>
-              <a:t>document.getElementById</a:t>
-            </a:r>
-            <a:r>
-              <a:rPr lang="tr-TR" sz="2600" dirty="0" smtClean="0">
-                <a:latin typeface="Consolas" panose="020B0609020204030204" pitchFamily="49" charset="0"/>
-                <a:cs typeface="Consolas" panose="020B0609020204030204" pitchFamily="49" charset="0"/>
-              </a:rPr>
-              <a:t>("</a:t>
-            </a:r>
-            <a:r>
-              <a:rPr lang="tr-TR" sz="2600" b="1" dirty="0" err="1" smtClean="0">
-                <a:latin typeface="Consolas" panose="020B0609020204030204" pitchFamily="49" charset="0"/>
-                <a:cs typeface="Consolas" panose="020B0609020204030204" pitchFamily="49" charset="0"/>
-              </a:rPr>
-              <a:t>trg</a:t>
-            </a:r>
-            <a:r>
-              <a:rPr lang="tr-TR" sz="2600" dirty="0" smtClean="0">
-                <a:latin typeface="Consolas" panose="020B0609020204030204" pitchFamily="49" charset="0"/>
-                <a:cs typeface="Consolas" panose="020B0609020204030204" pitchFamily="49" charset="0"/>
-              </a:rPr>
-              <a:t>");</a:t>
-            </a:r>
-          </a:p>
-          <a:p>
-            <a:pPr marL="0" indent="0">
-              <a:buNone/>
-            </a:pPr>
-            <a:r>
-              <a:rPr lang="tr-TR" sz="2600" dirty="0" smtClean="0">
-                <a:latin typeface="Consolas" panose="020B0609020204030204" pitchFamily="49" charset="0"/>
-                <a:cs typeface="Consolas" panose="020B0609020204030204" pitchFamily="49" charset="0"/>
-              </a:rPr>
-              <a:t>    </a:t>
-            </a:r>
-            <a:r>
-              <a:rPr lang="tr-TR" sz="2600" dirty="0" err="1" smtClean="0">
-                <a:latin typeface="Consolas" panose="020B0609020204030204" pitchFamily="49" charset="0"/>
-                <a:cs typeface="Consolas" panose="020B0609020204030204" pitchFamily="49" charset="0"/>
-              </a:rPr>
-              <a:t>el.style.color</a:t>
-            </a:r>
-            <a:r>
-              <a:rPr lang="tr-TR" sz="2600" dirty="0" smtClean="0">
-                <a:latin typeface="Consolas" panose="020B0609020204030204" pitchFamily="49" charset="0"/>
-                <a:cs typeface="Consolas" panose="020B0609020204030204" pitchFamily="49" charset="0"/>
-              </a:rPr>
-              <a:t> </a:t>
-            </a:r>
-            <a:r>
-              <a:rPr lang="tr-TR" sz="2600" dirty="0">
-                <a:latin typeface="Consolas" panose="020B0609020204030204" pitchFamily="49" charset="0"/>
-                <a:cs typeface="Consolas" panose="020B0609020204030204" pitchFamily="49" charset="0"/>
-              </a:rPr>
-              <a:t>= "</a:t>
-            </a:r>
-            <a:r>
-              <a:rPr lang="tr-TR" sz="2600" dirty="0" err="1">
-                <a:latin typeface="Consolas" panose="020B0609020204030204" pitchFamily="49" charset="0"/>
-                <a:cs typeface="Consolas" panose="020B0609020204030204" pitchFamily="49" charset="0"/>
-              </a:rPr>
-              <a:t>red</a:t>
-            </a:r>
-            <a:r>
-              <a:rPr lang="tr-TR" sz="2600" dirty="0">
-                <a:latin typeface="Consolas" panose="020B0609020204030204" pitchFamily="49" charset="0"/>
-                <a:cs typeface="Consolas" panose="020B0609020204030204" pitchFamily="49" charset="0"/>
-              </a:rPr>
-              <a:t>";</a:t>
-            </a:r>
-            <a:br>
-              <a:rPr lang="tr-TR" sz="2600" dirty="0">
-                <a:latin typeface="Consolas" panose="020B0609020204030204" pitchFamily="49" charset="0"/>
-                <a:cs typeface="Consolas" panose="020B0609020204030204" pitchFamily="49" charset="0"/>
-              </a:rPr>
-            </a:br>
-            <a:r>
-              <a:rPr lang="tr-TR" sz="2600" dirty="0" smtClean="0">
-                <a:latin typeface="Consolas" panose="020B0609020204030204" pitchFamily="49" charset="0"/>
-                <a:cs typeface="Consolas" panose="020B0609020204030204" pitchFamily="49" charset="0"/>
-              </a:rPr>
-              <a:t>  </a:t>
-            </a:r>
-            <a:r>
-              <a:rPr lang="tr-TR" sz="2600" b="1" dirty="0" smtClean="0">
-                <a:latin typeface="Consolas" panose="020B0609020204030204" pitchFamily="49" charset="0"/>
-                <a:cs typeface="Consolas" panose="020B0609020204030204" pitchFamily="49" charset="0"/>
-              </a:rPr>
-              <a:t>}</a:t>
-            </a:r>
-            <a:r>
-              <a:rPr lang="tr-TR" sz="2600" dirty="0">
-                <a:latin typeface="Consolas" panose="020B0609020204030204" pitchFamily="49" charset="0"/>
-                <a:cs typeface="Consolas" panose="020B0609020204030204" pitchFamily="49" charset="0"/>
-              </a:rPr>
-              <a:t/>
-            </a:r>
-            <a:br>
-              <a:rPr lang="tr-TR" sz="2600" dirty="0">
-                <a:latin typeface="Consolas" panose="020B0609020204030204" pitchFamily="49" charset="0"/>
-                <a:cs typeface="Consolas" panose="020B0609020204030204" pitchFamily="49" charset="0"/>
-              </a:rPr>
-            </a:br>
-            <a:r>
-              <a:rPr lang="tr-TR" sz="2600" dirty="0" smtClean="0">
-                <a:latin typeface="Consolas" panose="020B0609020204030204" pitchFamily="49" charset="0"/>
-                <a:cs typeface="Consolas" panose="020B0609020204030204" pitchFamily="49" charset="0"/>
-              </a:rPr>
-              <a:t>&lt;/</a:t>
-            </a:r>
-            <a:r>
-              <a:rPr lang="tr-TR" sz="2600" dirty="0" err="1">
-                <a:latin typeface="Consolas" panose="020B0609020204030204" pitchFamily="49" charset="0"/>
-                <a:cs typeface="Consolas" panose="020B0609020204030204" pitchFamily="49" charset="0"/>
-              </a:rPr>
-              <a:t>script</a:t>
-            </a:r>
-            <a:r>
-              <a:rPr lang="tr-TR" sz="2600" dirty="0">
-                <a:latin typeface="Consolas" panose="020B0609020204030204" pitchFamily="49" charset="0"/>
-                <a:cs typeface="Consolas" panose="020B0609020204030204" pitchFamily="49" charset="0"/>
-              </a:rPr>
-              <a:t>&gt;</a:t>
-            </a:r>
-          </a:p>
-        </p:txBody>
-      </p:sp>
-    </p:spTree>
-    <p:extLst>
-      <p:ext uri="{BB962C8B-B14F-4D97-AF65-F5344CB8AC3E}">
-        <p14:creationId xmlns:p14="http://schemas.microsoft.com/office/powerpoint/2010/main" val="20697538"/>
-      </p:ext>
-    </p:extLst>
-  </p:cSld>
-  <p:clrMapOvr>
-    <a:masterClrMapping/>
-  </p:clrMapOvr>
-</p:sld>
-</file>
-
 <file path=ppt/slides/slide2.xml><?xml version="1.0" encoding="utf-8"?>
 <p:sld xmlns:a="http://schemas.openxmlformats.org/drawingml/2006/main" xmlns:r="http://schemas.openxmlformats.org/officeDocument/2006/relationships" xmlns:p="http://schemas.openxmlformats.org/presentationml/2006/main">
   <p:cSld>
@@ -7502,6 +9080,655 @@
     <p:extLst>
       <p:ext uri="{BB962C8B-B14F-4D97-AF65-F5344CB8AC3E}">
         <p14:creationId xmlns:p14="http://schemas.microsoft.com/office/powerpoint/2010/main" val="3246752569"/>
+      </p:ext>
+    </p:extLst>
+  </p:cSld>
+  <p:clrMapOvr>
+    <a:masterClrMapping/>
+  </p:clrMapOvr>
+</p:sld>
+</file>
+
+<file path=ppt/slides/slide20.xml><?xml version="1.0" encoding="utf-8"?>
+<p:sld xmlns:a="http://schemas.openxmlformats.org/drawingml/2006/main" xmlns:r="http://schemas.openxmlformats.org/officeDocument/2006/relationships" xmlns:p="http://schemas.openxmlformats.org/presentationml/2006/main">
+  <p:cSld>
+    <p:spTree>
+      <p:nvGrpSpPr>
+        <p:cNvPr id="1" name=""/>
+        <p:cNvGrpSpPr/>
+        <p:nvPr/>
+      </p:nvGrpSpPr>
+      <p:grpSpPr>
+        <a:xfrm>
+          <a:off x="0" y="0"/>
+          <a:ext cx="0" cy="0"/>
+          <a:chOff x="0" y="0"/>
+          <a:chExt cx="0" cy="0"/>
+        </a:xfrm>
+      </p:grpSpPr>
+      <p:sp>
+        <p:nvSpPr>
+          <p:cNvPr id="5" name="Başlık 1"/>
+          <p:cNvSpPr>
+            <a:spLocks noGrp="1"/>
+          </p:cNvSpPr>
+          <p:nvPr>
+            <p:ph type="title"/>
+          </p:nvPr>
+        </p:nvSpPr>
+        <p:spPr>
+          <a:xfrm>
+            <a:off x="457200" y="274638"/>
+            <a:ext cx="8229600" cy="1143000"/>
+          </a:xfrm>
+        </p:spPr>
+        <p:txBody>
+          <a:bodyPr>
+            <a:normAutofit/>
+          </a:bodyPr>
+          <a:lstStyle/>
+          <a:p>
+            <a:r>
+              <a:rPr lang="tr-TR" sz="2800" dirty="0" smtClean="0"/>
+              <a:t>Doküman Nesne Modeli - </a:t>
+            </a:r>
+            <a:r>
+              <a:rPr lang="tr-TR" sz="2800" b="1" dirty="0" err="1" smtClean="0"/>
+              <a:t>Document</a:t>
+            </a:r>
+            <a:r>
+              <a:rPr lang="tr-TR" sz="2800" b="1" dirty="0" smtClean="0"/>
+              <a:t> Object Model</a:t>
+            </a:r>
+            <a:br>
+              <a:rPr lang="tr-TR" sz="2800" b="1" dirty="0" smtClean="0"/>
+            </a:br>
+            <a:r>
+              <a:rPr lang="tr-TR" sz="2800" dirty="0" smtClean="0"/>
+              <a:t>Erişim</a:t>
+            </a:r>
+            <a:r>
+              <a:rPr lang="tr-TR" sz="2800" b="1" dirty="0" smtClean="0"/>
+              <a:t> – </a:t>
+            </a:r>
+            <a:r>
+              <a:rPr lang="tr-TR" sz="2800" b="1" dirty="0" smtClean="0">
+                <a:solidFill>
+                  <a:srgbClr val="C00000"/>
+                </a:solidFill>
+              </a:rPr>
+              <a:t>U</a:t>
+            </a:r>
+            <a:r>
+              <a:rPr lang="tr-TR" sz="2800" b="1" dirty="0" smtClean="0"/>
+              <a:t>ygulama </a:t>
+            </a:r>
+            <a:r>
+              <a:rPr lang="tr-TR" sz="2800" b="1" dirty="0" smtClean="0">
+                <a:solidFill>
+                  <a:srgbClr val="C00000"/>
+                </a:solidFill>
+              </a:rPr>
+              <a:t>P</a:t>
+            </a:r>
+            <a:r>
+              <a:rPr lang="tr-TR" sz="2800" b="1" dirty="0" smtClean="0"/>
+              <a:t>rogramlama </a:t>
+            </a:r>
+            <a:r>
+              <a:rPr lang="tr-TR" sz="2800" b="1" dirty="0" smtClean="0">
+                <a:solidFill>
+                  <a:srgbClr val="C00000"/>
+                </a:solidFill>
+              </a:rPr>
+              <a:t>A</a:t>
+            </a:r>
+            <a:r>
+              <a:rPr lang="tr-TR" sz="2800" b="1" dirty="0" smtClean="0"/>
+              <a:t>rabirimi</a:t>
+            </a:r>
+            <a:endParaRPr lang="tr-TR" sz="2800" b="1" dirty="0"/>
+          </a:p>
+        </p:txBody>
+      </p:sp>
+      <p:sp>
+        <p:nvSpPr>
+          <p:cNvPr id="2" name="İçerik Yer Tutucusu 1"/>
+          <p:cNvSpPr>
+            <a:spLocks noGrp="1"/>
+          </p:cNvSpPr>
+          <p:nvPr>
+            <p:ph idx="1"/>
+          </p:nvPr>
+        </p:nvSpPr>
+        <p:spPr/>
+        <p:txBody>
+          <a:bodyPr/>
+          <a:lstStyle/>
+          <a:p>
+            <a:r>
+              <a:rPr lang="tr-TR" sz="3600" b="1" dirty="0" smtClean="0">
+                <a:solidFill>
+                  <a:srgbClr val="FF0000"/>
+                </a:solidFill>
+                <a:latin typeface="+mj-lt"/>
+                <a:cs typeface="Consolas" panose="020B0609020204030204" pitchFamily="49" charset="0"/>
+              </a:rPr>
+              <a:t>A</a:t>
+            </a:r>
+            <a:r>
+              <a:rPr lang="tr-TR" sz="3600" dirty="0" smtClean="0">
+                <a:latin typeface="+mj-lt"/>
+                <a:cs typeface="Consolas" panose="020B0609020204030204" pitchFamily="49" charset="0"/>
+              </a:rPr>
+              <a:t>pplication </a:t>
+            </a:r>
+            <a:r>
+              <a:rPr lang="tr-TR" sz="3600" b="1" dirty="0" smtClean="0">
+                <a:solidFill>
+                  <a:srgbClr val="FF0000"/>
+                </a:solidFill>
+                <a:latin typeface="+mj-lt"/>
+                <a:cs typeface="Consolas" panose="020B0609020204030204" pitchFamily="49" charset="0"/>
+              </a:rPr>
+              <a:t>P</a:t>
+            </a:r>
+            <a:r>
+              <a:rPr lang="tr-TR" sz="3600" dirty="0" smtClean="0">
+                <a:latin typeface="+mj-lt"/>
+                <a:cs typeface="Consolas" panose="020B0609020204030204" pitchFamily="49" charset="0"/>
+              </a:rPr>
+              <a:t>rogramming </a:t>
+            </a:r>
+            <a:r>
+              <a:rPr lang="tr-TR" sz="3600" b="1" dirty="0" err="1" smtClean="0">
+                <a:solidFill>
+                  <a:srgbClr val="FF0000"/>
+                </a:solidFill>
+                <a:latin typeface="+mj-lt"/>
+                <a:cs typeface="Consolas" panose="020B0609020204030204" pitchFamily="49" charset="0"/>
+              </a:rPr>
+              <a:t>I</a:t>
+            </a:r>
+            <a:r>
+              <a:rPr lang="tr-TR" sz="3600" dirty="0" err="1" smtClean="0">
+                <a:latin typeface="+mj-lt"/>
+                <a:cs typeface="Consolas" panose="020B0609020204030204" pitchFamily="49" charset="0"/>
+              </a:rPr>
+              <a:t>nterface</a:t>
+            </a:r>
+            <a:r>
+              <a:rPr lang="tr-TR" sz="3600" dirty="0" smtClean="0">
+                <a:latin typeface="+mj-lt"/>
+                <a:cs typeface="Consolas" panose="020B0609020204030204" pitchFamily="49" charset="0"/>
+              </a:rPr>
+              <a:t> </a:t>
+            </a:r>
+            <a:r>
+              <a:rPr lang="tr-TR" sz="3600" b="1" dirty="0" smtClean="0">
+                <a:solidFill>
+                  <a:srgbClr val="FF0000"/>
+                </a:solidFill>
+                <a:latin typeface="+mj-lt"/>
+                <a:cs typeface="Consolas" panose="020B0609020204030204" pitchFamily="49" charset="0"/>
+              </a:rPr>
+              <a:t>API</a:t>
+            </a:r>
+          </a:p>
+          <a:p>
+            <a:r>
+              <a:rPr lang="tr-TR" sz="3600" dirty="0" err="1" smtClean="0">
+                <a:latin typeface="Consolas" panose="020B0609020204030204" pitchFamily="49" charset="0"/>
+                <a:cs typeface="Consolas" panose="020B0609020204030204" pitchFamily="49" charset="0"/>
+              </a:rPr>
+              <a:t>window.document.body</a:t>
+            </a:r>
+            <a:endParaRPr lang="tr-TR" sz="3600" dirty="0" smtClean="0">
+              <a:latin typeface="Consolas" panose="020B0609020204030204" pitchFamily="49" charset="0"/>
+              <a:cs typeface="Consolas" panose="020B0609020204030204" pitchFamily="49" charset="0"/>
+            </a:endParaRPr>
+          </a:p>
+          <a:p>
+            <a:endParaRPr lang="tr-TR" dirty="0">
+              <a:latin typeface="Consolas" panose="020B0609020204030204" pitchFamily="49" charset="0"/>
+              <a:cs typeface="Consolas" panose="020B0609020204030204" pitchFamily="49" charset="0"/>
+            </a:endParaRPr>
+          </a:p>
+        </p:txBody>
+      </p:sp>
+    </p:spTree>
+    <p:extLst>
+      <p:ext uri="{BB962C8B-B14F-4D97-AF65-F5344CB8AC3E}">
+        <p14:creationId xmlns:p14="http://schemas.microsoft.com/office/powerpoint/2010/main" val="20697538"/>
+      </p:ext>
+    </p:extLst>
+  </p:cSld>
+  <p:clrMapOvr>
+    <a:masterClrMapping/>
+  </p:clrMapOvr>
+</p:sld>
+</file>
+
+<file path=ppt/slides/slide21.xml><?xml version="1.0" encoding="utf-8"?>
+<p:sld xmlns:a="http://schemas.openxmlformats.org/drawingml/2006/main" xmlns:r="http://schemas.openxmlformats.org/officeDocument/2006/relationships" xmlns:p="http://schemas.openxmlformats.org/presentationml/2006/main">
+  <p:cSld>
+    <p:spTree>
+      <p:nvGrpSpPr>
+        <p:cNvPr id="1" name=""/>
+        <p:cNvGrpSpPr/>
+        <p:nvPr/>
+      </p:nvGrpSpPr>
+      <p:grpSpPr>
+        <a:xfrm>
+          <a:off x="0" y="0"/>
+          <a:ext cx="0" cy="0"/>
+          <a:chOff x="0" y="0"/>
+          <a:chExt cx="0" cy="0"/>
+        </a:xfrm>
+      </p:grpSpPr>
+      <p:sp>
+        <p:nvSpPr>
+          <p:cNvPr id="5" name="Başlık 1"/>
+          <p:cNvSpPr>
+            <a:spLocks noGrp="1"/>
+          </p:cNvSpPr>
+          <p:nvPr>
+            <p:ph type="title"/>
+          </p:nvPr>
+        </p:nvSpPr>
+        <p:spPr>
+          <a:xfrm>
+            <a:off x="457200" y="274638"/>
+            <a:ext cx="8229600" cy="1143000"/>
+          </a:xfrm>
+        </p:spPr>
+        <p:txBody>
+          <a:bodyPr>
+            <a:normAutofit/>
+          </a:bodyPr>
+          <a:lstStyle/>
+          <a:p>
+            <a:r>
+              <a:rPr lang="tr-TR" sz="2800" dirty="0" smtClean="0"/>
+              <a:t>Doküman Nesne Modeli - </a:t>
+            </a:r>
+            <a:r>
+              <a:rPr lang="tr-TR" sz="2800" b="1" dirty="0" err="1" smtClean="0"/>
+              <a:t>Document</a:t>
+            </a:r>
+            <a:r>
+              <a:rPr lang="tr-TR" sz="2800" b="1" dirty="0" smtClean="0"/>
+              <a:t> Object Model</a:t>
+            </a:r>
+            <a:br>
+              <a:rPr lang="tr-TR" sz="2800" b="1" dirty="0" smtClean="0"/>
+            </a:br>
+            <a:r>
+              <a:rPr lang="tr-TR" sz="2800" dirty="0" smtClean="0"/>
+              <a:t>Etkileşim</a:t>
+            </a:r>
+            <a:r>
+              <a:rPr lang="tr-TR" sz="2800" b="1" dirty="0" smtClean="0"/>
+              <a:t> – </a:t>
+            </a:r>
+            <a:r>
+              <a:rPr lang="tr-TR" sz="2800" b="1" dirty="0" err="1" smtClean="0"/>
+              <a:t>Javascript</a:t>
+            </a:r>
+            <a:r>
+              <a:rPr lang="tr-TR" sz="2800" b="1" dirty="0" smtClean="0"/>
+              <a:t> + DOM </a:t>
+            </a:r>
+            <a:r>
+              <a:rPr lang="tr-TR" sz="2800" b="1" dirty="0" err="1" smtClean="0"/>
+              <a:t>Events</a:t>
+            </a:r>
+            <a:endParaRPr lang="tr-TR" sz="2800" b="1" dirty="0"/>
+          </a:p>
+        </p:txBody>
+      </p:sp>
+      <p:sp>
+        <p:nvSpPr>
+          <p:cNvPr id="2" name="İçerik Yer Tutucusu 1"/>
+          <p:cNvSpPr>
+            <a:spLocks noGrp="1"/>
+          </p:cNvSpPr>
+          <p:nvPr>
+            <p:ph idx="1"/>
+          </p:nvPr>
+        </p:nvSpPr>
+        <p:spPr/>
+        <p:txBody>
+          <a:bodyPr>
+            <a:normAutofit/>
+          </a:bodyPr>
+          <a:lstStyle/>
+          <a:p>
+            <a:pPr marL="0" indent="0">
+              <a:buNone/>
+            </a:pPr>
+            <a:r>
+              <a:rPr lang="tr-TR" sz="2600" dirty="0">
+                <a:latin typeface="Consolas" panose="020B0609020204030204" pitchFamily="49" charset="0"/>
+                <a:cs typeface="Consolas" panose="020B0609020204030204" pitchFamily="49" charset="0"/>
+              </a:rPr>
+              <a:t>&lt;p </a:t>
+            </a:r>
+            <a:r>
+              <a:rPr lang="tr-TR" sz="2600" dirty="0" err="1">
+                <a:latin typeface="Consolas" panose="020B0609020204030204" pitchFamily="49" charset="0"/>
+                <a:cs typeface="Consolas" panose="020B0609020204030204" pitchFamily="49" charset="0"/>
+              </a:rPr>
+              <a:t>id</a:t>
+            </a:r>
+            <a:r>
+              <a:rPr lang="tr-TR" sz="2600" dirty="0" smtClean="0">
+                <a:latin typeface="Consolas" panose="020B0609020204030204" pitchFamily="49" charset="0"/>
+                <a:cs typeface="Consolas" panose="020B0609020204030204" pitchFamily="49" charset="0"/>
+              </a:rPr>
+              <a:t>="</a:t>
+            </a:r>
+            <a:r>
+              <a:rPr lang="tr-TR" sz="2600" b="1" dirty="0" err="1" smtClean="0">
+                <a:latin typeface="Consolas" panose="020B0609020204030204" pitchFamily="49" charset="0"/>
+                <a:cs typeface="Consolas" panose="020B0609020204030204" pitchFamily="49" charset="0"/>
+              </a:rPr>
+              <a:t>trg</a:t>
+            </a:r>
+            <a:r>
+              <a:rPr lang="tr-TR" sz="2600" dirty="0" smtClean="0">
+                <a:latin typeface="Consolas" panose="020B0609020204030204" pitchFamily="49" charset="0"/>
+                <a:cs typeface="Consolas" panose="020B0609020204030204" pitchFamily="49" charset="0"/>
+              </a:rPr>
+              <a:t>"</a:t>
+            </a:r>
+            <a:r>
+              <a:rPr lang="tr-TR" sz="2600" dirty="0">
+                <a:latin typeface="Consolas" panose="020B0609020204030204" pitchFamily="49" charset="0"/>
+                <a:cs typeface="Consolas" panose="020B0609020204030204" pitchFamily="49" charset="0"/>
+              </a:rPr>
+              <a:t> </a:t>
+            </a:r>
+            <a:r>
+              <a:rPr lang="tr-TR" sz="2600" dirty="0" err="1">
+                <a:latin typeface="Consolas" panose="020B0609020204030204" pitchFamily="49" charset="0"/>
+                <a:cs typeface="Consolas" panose="020B0609020204030204" pitchFamily="49" charset="0"/>
+              </a:rPr>
+              <a:t>onclick</a:t>
+            </a:r>
+            <a:r>
+              <a:rPr lang="tr-TR" sz="2600" dirty="0" smtClean="0">
+                <a:latin typeface="Consolas" panose="020B0609020204030204" pitchFamily="49" charset="0"/>
+                <a:cs typeface="Consolas" panose="020B0609020204030204" pitchFamily="49" charset="0"/>
+              </a:rPr>
+              <a:t>="</a:t>
+            </a:r>
+            <a:r>
+              <a:rPr lang="tr-TR" sz="2600" dirty="0" err="1" smtClean="0">
+                <a:latin typeface="Consolas" panose="020B0609020204030204" pitchFamily="49" charset="0"/>
+                <a:cs typeface="Consolas" panose="020B0609020204030204" pitchFamily="49" charset="0"/>
+              </a:rPr>
+              <a:t>handler</a:t>
+            </a:r>
+            <a:r>
+              <a:rPr lang="tr-TR" sz="2600" dirty="0" smtClean="0">
+                <a:latin typeface="Consolas" panose="020B0609020204030204" pitchFamily="49" charset="0"/>
+                <a:cs typeface="Consolas" panose="020B0609020204030204" pitchFamily="49" charset="0"/>
+              </a:rPr>
+              <a:t>()"&gt;tıkla&lt;/p&gt;</a:t>
+            </a:r>
+          </a:p>
+          <a:p>
+            <a:pPr marL="0" indent="0">
+              <a:buNone/>
+            </a:pPr>
+            <a:endParaRPr lang="tr-TR" sz="2600" dirty="0" smtClean="0">
+              <a:latin typeface="Consolas" panose="020B0609020204030204" pitchFamily="49" charset="0"/>
+              <a:cs typeface="Consolas" panose="020B0609020204030204" pitchFamily="49" charset="0"/>
+            </a:endParaRPr>
+          </a:p>
+          <a:p>
+            <a:pPr marL="0" indent="0">
+              <a:buNone/>
+            </a:pPr>
+            <a:r>
+              <a:rPr lang="tr-TR" sz="2600" dirty="0" smtClean="0">
+                <a:latin typeface="Consolas" panose="020B0609020204030204" pitchFamily="49" charset="0"/>
+                <a:cs typeface="Consolas" panose="020B0609020204030204" pitchFamily="49" charset="0"/>
+              </a:rPr>
+              <a:t>&lt;</a:t>
+            </a:r>
+            <a:r>
+              <a:rPr lang="tr-TR" sz="2600" dirty="0" err="1">
+                <a:latin typeface="Consolas" panose="020B0609020204030204" pitchFamily="49" charset="0"/>
+                <a:cs typeface="Consolas" panose="020B0609020204030204" pitchFamily="49" charset="0"/>
+              </a:rPr>
+              <a:t>script</a:t>
+            </a:r>
+            <a:r>
+              <a:rPr lang="tr-TR" sz="2600" dirty="0">
+                <a:latin typeface="Consolas" panose="020B0609020204030204" pitchFamily="49" charset="0"/>
+                <a:cs typeface="Consolas" panose="020B0609020204030204" pitchFamily="49" charset="0"/>
+              </a:rPr>
+              <a:t>&gt;</a:t>
+            </a:r>
+            <a:br>
+              <a:rPr lang="tr-TR" sz="2600" dirty="0">
+                <a:latin typeface="Consolas" panose="020B0609020204030204" pitchFamily="49" charset="0"/>
+                <a:cs typeface="Consolas" panose="020B0609020204030204" pitchFamily="49" charset="0"/>
+              </a:rPr>
+            </a:br>
+            <a:r>
+              <a:rPr lang="tr-TR" sz="2600" dirty="0" smtClean="0">
+                <a:latin typeface="Consolas" panose="020B0609020204030204" pitchFamily="49" charset="0"/>
+                <a:cs typeface="Consolas" panose="020B0609020204030204" pitchFamily="49" charset="0"/>
+              </a:rPr>
+              <a:t>  </a:t>
+            </a:r>
+            <a:r>
+              <a:rPr lang="tr-TR" sz="2600" b="1" dirty="0" err="1" smtClean="0">
+                <a:latin typeface="Consolas" panose="020B0609020204030204" pitchFamily="49" charset="0"/>
+                <a:cs typeface="Consolas" panose="020B0609020204030204" pitchFamily="49" charset="0"/>
+              </a:rPr>
+              <a:t>function</a:t>
+            </a:r>
+            <a:r>
+              <a:rPr lang="tr-TR" sz="2600" dirty="0">
+                <a:latin typeface="Consolas" panose="020B0609020204030204" pitchFamily="49" charset="0"/>
+                <a:cs typeface="Consolas" panose="020B0609020204030204" pitchFamily="49" charset="0"/>
+              </a:rPr>
+              <a:t> </a:t>
+            </a:r>
+            <a:r>
+              <a:rPr lang="tr-TR" sz="2600" dirty="0" err="1" smtClean="0">
+                <a:latin typeface="Consolas" panose="020B0609020204030204" pitchFamily="49" charset="0"/>
+                <a:cs typeface="Consolas" panose="020B0609020204030204" pitchFamily="49" charset="0"/>
+              </a:rPr>
+              <a:t>handler</a:t>
+            </a:r>
+            <a:r>
+              <a:rPr lang="tr-TR" sz="2600" b="1" dirty="0" smtClean="0">
+                <a:latin typeface="Consolas" panose="020B0609020204030204" pitchFamily="49" charset="0"/>
+                <a:cs typeface="Consolas" panose="020B0609020204030204" pitchFamily="49" charset="0"/>
+              </a:rPr>
+              <a:t>()</a:t>
+            </a:r>
+            <a:r>
+              <a:rPr lang="tr-TR" sz="2600" dirty="0" smtClean="0">
+                <a:latin typeface="Consolas" panose="020B0609020204030204" pitchFamily="49" charset="0"/>
+                <a:cs typeface="Consolas" panose="020B0609020204030204" pitchFamily="49" charset="0"/>
+              </a:rPr>
+              <a:t> </a:t>
+            </a:r>
+            <a:r>
+              <a:rPr lang="tr-TR" sz="2600" b="1" dirty="0" smtClean="0">
+                <a:latin typeface="Consolas" panose="020B0609020204030204" pitchFamily="49" charset="0"/>
+                <a:cs typeface="Consolas" panose="020B0609020204030204" pitchFamily="49" charset="0"/>
+              </a:rPr>
+              <a:t>{</a:t>
+            </a:r>
+          </a:p>
+          <a:p>
+            <a:pPr marL="0" indent="0">
+              <a:buNone/>
+            </a:pPr>
+            <a:r>
+              <a:rPr lang="tr-TR" sz="2600" dirty="0" smtClean="0">
+                <a:latin typeface="Consolas" panose="020B0609020204030204" pitchFamily="49" charset="0"/>
+                <a:cs typeface="Consolas" panose="020B0609020204030204" pitchFamily="49" charset="0"/>
+              </a:rPr>
+              <a:t>    </a:t>
+            </a:r>
+            <a:r>
+              <a:rPr lang="tr-TR" sz="2600" b="1" dirty="0" smtClean="0">
+                <a:latin typeface="Consolas" panose="020B0609020204030204" pitchFamily="49" charset="0"/>
+                <a:cs typeface="Consolas" panose="020B0609020204030204" pitchFamily="49" charset="0"/>
+              </a:rPr>
+              <a:t>var</a:t>
+            </a:r>
+            <a:r>
+              <a:rPr lang="tr-TR" sz="2600" dirty="0" smtClean="0">
+                <a:latin typeface="Consolas" panose="020B0609020204030204" pitchFamily="49" charset="0"/>
+                <a:cs typeface="Consolas" panose="020B0609020204030204" pitchFamily="49" charset="0"/>
+              </a:rPr>
+              <a:t> el = </a:t>
+            </a:r>
+            <a:r>
+              <a:rPr lang="tr-TR" sz="2600" dirty="0" err="1" smtClean="0">
+                <a:latin typeface="Consolas" panose="020B0609020204030204" pitchFamily="49" charset="0"/>
+                <a:cs typeface="Consolas" panose="020B0609020204030204" pitchFamily="49" charset="0"/>
+              </a:rPr>
+              <a:t>document.getElementById</a:t>
+            </a:r>
+            <a:r>
+              <a:rPr lang="tr-TR" sz="2600" dirty="0" smtClean="0">
+                <a:latin typeface="Consolas" panose="020B0609020204030204" pitchFamily="49" charset="0"/>
+                <a:cs typeface="Consolas" panose="020B0609020204030204" pitchFamily="49" charset="0"/>
+              </a:rPr>
+              <a:t>("</a:t>
+            </a:r>
+            <a:r>
+              <a:rPr lang="tr-TR" sz="2600" b="1" dirty="0" err="1" smtClean="0">
+                <a:latin typeface="Consolas" panose="020B0609020204030204" pitchFamily="49" charset="0"/>
+                <a:cs typeface="Consolas" panose="020B0609020204030204" pitchFamily="49" charset="0"/>
+              </a:rPr>
+              <a:t>trg</a:t>
+            </a:r>
+            <a:r>
+              <a:rPr lang="tr-TR" sz="2600" dirty="0" smtClean="0">
+                <a:latin typeface="Consolas" panose="020B0609020204030204" pitchFamily="49" charset="0"/>
+                <a:cs typeface="Consolas" panose="020B0609020204030204" pitchFamily="49" charset="0"/>
+              </a:rPr>
+              <a:t>");</a:t>
+            </a:r>
+          </a:p>
+          <a:p>
+            <a:pPr marL="0" indent="0">
+              <a:buNone/>
+            </a:pPr>
+            <a:r>
+              <a:rPr lang="tr-TR" sz="2600" dirty="0" smtClean="0">
+                <a:latin typeface="Consolas" panose="020B0609020204030204" pitchFamily="49" charset="0"/>
+                <a:cs typeface="Consolas" panose="020B0609020204030204" pitchFamily="49" charset="0"/>
+              </a:rPr>
+              <a:t>    </a:t>
+            </a:r>
+            <a:r>
+              <a:rPr lang="tr-TR" sz="2600" dirty="0" err="1" smtClean="0">
+                <a:latin typeface="Consolas" panose="020B0609020204030204" pitchFamily="49" charset="0"/>
+                <a:cs typeface="Consolas" panose="020B0609020204030204" pitchFamily="49" charset="0"/>
+              </a:rPr>
+              <a:t>el.style.color</a:t>
+            </a:r>
+            <a:r>
+              <a:rPr lang="tr-TR" sz="2600" dirty="0" smtClean="0">
+                <a:latin typeface="Consolas" panose="020B0609020204030204" pitchFamily="49" charset="0"/>
+                <a:cs typeface="Consolas" panose="020B0609020204030204" pitchFamily="49" charset="0"/>
+              </a:rPr>
+              <a:t> </a:t>
+            </a:r>
+            <a:r>
+              <a:rPr lang="tr-TR" sz="2600" dirty="0">
+                <a:latin typeface="Consolas" panose="020B0609020204030204" pitchFamily="49" charset="0"/>
+                <a:cs typeface="Consolas" panose="020B0609020204030204" pitchFamily="49" charset="0"/>
+              </a:rPr>
+              <a:t>= "</a:t>
+            </a:r>
+            <a:r>
+              <a:rPr lang="tr-TR" sz="2600" dirty="0" err="1">
+                <a:latin typeface="Consolas" panose="020B0609020204030204" pitchFamily="49" charset="0"/>
+                <a:cs typeface="Consolas" panose="020B0609020204030204" pitchFamily="49" charset="0"/>
+              </a:rPr>
+              <a:t>red</a:t>
+            </a:r>
+            <a:r>
+              <a:rPr lang="tr-TR" sz="2600" dirty="0">
+                <a:latin typeface="Consolas" panose="020B0609020204030204" pitchFamily="49" charset="0"/>
+                <a:cs typeface="Consolas" panose="020B0609020204030204" pitchFamily="49" charset="0"/>
+              </a:rPr>
+              <a:t>";</a:t>
+            </a:r>
+            <a:br>
+              <a:rPr lang="tr-TR" sz="2600" dirty="0">
+                <a:latin typeface="Consolas" panose="020B0609020204030204" pitchFamily="49" charset="0"/>
+                <a:cs typeface="Consolas" panose="020B0609020204030204" pitchFamily="49" charset="0"/>
+              </a:rPr>
+            </a:br>
+            <a:r>
+              <a:rPr lang="tr-TR" sz="2600" dirty="0" smtClean="0">
+                <a:latin typeface="Consolas" panose="020B0609020204030204" pitchFamily="49" charset="0"/>
+                <a:cs typeface="Consolas" panose="020B0609020204030204" pitchFamily="49" charset="0"/>
+              </a:rPr>
+              <a:t>  </a:t>
+            </a:r>
+            <a:r>
+              <a:rPr lang="tr-TR" sz="2600" b="1" dirty="0" smtClean="0">
+                <a:latin typeface="Consolas" panose="020B0609020204030204" pitchFamily="49" charset="0"/>
+                <a:cs typeface="Consolas" panose="020B0609020204030204" pitchFamily="49" charset="0"/>
+              </a:rPr>
+              <a:t>}</a:t>
+            </a:r>
+            <a:r>
+              <a:rPr lang="tr-TR" sz="2600" dirty="0">
+                <a:latin typeface="Consolas" panose="020B0609020204030204" pitchFamily="49" charset="0"/>
+                <a:cs typeface="Consolas" panose="020B0609020204030204" pitchFamily="49" charset="0"/>
+              </a:rPr>
+              <a:t/>
+            </a:r>
+            <a:br>
+              <a:rPr lang="tr-TR" sz="2600" dirty="0">
+                <a:latin typeface="Consolas" panose="020B0609020204030204" pitchFamily="49" charset="0"/>
+                <a:cs typeface="Consolas" panose="020B0609020204030204" pitchFamily="49" charset="0"/>
+              </a:rPr>
+            </a:br>
+            <a:r>
+              <a:rPr lang="tr-TR" sz="2600" dirty="0" smtClean="0">
+                <a:latin typeface="Consolas" panose="020B0609020204030204" pitchFamily="49" charset="0"/>
+                <a:cs typeface="Consolas" panose="020B0609020204030204" pitchFamily="49" charset="0"/>
+              </a:rPr>
+              <a:t>&lt;/</a:t>
+            </a:r>
+            <a:r>
+              <a:rPr lang="tr-TR" sz="2600" dirty="0" err="1">
+                <a:latin typeface="Consolas" panose="020B0609020204030204" pitchFamily="49" charset="0"/>
+                <a:cs typeface="Consolas" panose="020B0609020204030204" pitchFamily="49" charset="0"/>
+              </a:rPr>
+              <a:t>script</a:t>
+            </a:r>
+            <a:r>
+              <a:rPr lang="tr-TR" sz="2600" dirty="0">
+                <a:latin typeface="Consolas" panose="020B0609020204030204" pitchFamily="49" charset="0"/>
+                <a:cs typeface="Consolas" panose="020B0609020204030204" pitchFamily="49" charset="0"/>
+              </a:rPr>
+              <a:t>&gt;</a:t>
+            </a:r>
+          </a:p>
+        </p:txBody>
+      </p:sp>
+    </p:spTree>
+    <p:extLst>
+      <p:ext uri="{BB962C8B-B14F-4D97-AF65-F5344CB8AC3E}">
+        <p14:creationId xmlns:p14="http://schemas.microsoft.com/office/powerpoint/2010/main" val="20697538"/>
       </p:ext>
     </p:extLst>
   </p:cSld>
@@ -11667,6 +13894,402 @@
         </p:nvSpPr>
         <p:spPr>
           <a:xfrm>
+            <a:off x="0" y="3795133"/>
+            <a:ext cx="9144000" cy="3046988"/>
+          </a:xfrm>
+          <a:prstGeom prst="rect">
+            <a:avLst/>
+          </a:prstGeom>
+          <a:noFill/>
+        </p:spPr>
+        <p:txBody>
+          <a:bodyPr wrap="square" rtlCol="0">
+            <a:spAutoFit/>
+          </a:bodyPr>
+          <a:lstStyle/>
+          <a:p>
+            <a:r>
+              <a:rPr lang="tr-TR" sz="4800" dirty="0" err="1" smtClean="0"/>
+              <a:t>area</a:t>
+            </a:r>
+            <a:r>
+              <a:rPr lang="tr-TR" sz="4800" dirty="0" smtClean="0"/>
+              <a:t>  </a:t>
+            </a:r>
+            <a:r>
+              <a:rPr lang="tr-TR" sz="4800" dirty="0" err="1" smtClean="0"/>
+              <a:t>base</a:t>
+            </a:r>
+            <a:r>
+              <a:rPr lang="tr-TR" sz="4800" dirty="0" smtClean="0"/>
+              <a:t>  </a:t>
+            </a:r>
+            <a:r>
+              <a:rPr lang="tr-TR" sz="4800" dirty="0" err="1" smtClean="0"/>
+              <a:t>br</a:t>
+            </a:r>
+            <a:r>
+              <a:rPr lang="tr-TR" sz="4800" dirty="0" smtClean="0"/>
+              <a:t>  </a:t>
+            </a:r>
+            <a:r>
+              <a:rPr lang="tr-TR" sz="4800" dirty="0" err="1" smtClean="0"/>
+              <a:t>col</a:t>
+            </a:r>
+            <a:r>
+              <a:rPr lang="tr-TR" sz="4800" dirty="0" smtClean="0"/>
+              <a:t>  </a:t>
+            </a:r>
+            <a:r>
+              <a:rPr lang="tr-TR" sz="4800" dirty="0" err="1" smtClean="0"/>
+              <a:t>command</a:t>
+            </a:r>
+            <a:r>
+              <a:rPr lang="tr-TR" sz="4800" dirty="0" smtClean="0"/>
+              <a:t>  </a:t>
+            </a:r>
+            <a:r>
+              <a:rPr lang="tr-TR" sz="4800" dirty="0" err="1" smtClean="0"/>
+              <a:t>embed</a:t>
+            </a:r>
+            <a:r>
+              <a:rPr lang="tr-TR" sz="4800" dirty="0" smtClean="0"/>
+              <a:t> </a:t>
+            </a:r>
+            <a:r>
+              <a:rPr lang="tr-TR" sz="4800" dirty="0" err="1" smtClean="0"/>
+              <a:t>hr</a:t>
+            </a:r>
+            <a:r>
+              <a:rPr lang="tr-TR" sz="4800" dirty="0" smtClean="0"/>
+              <a:t> </a:t>
+            </a:r>
+            <a:r>
+              <a:rPr lang="tr-TR" sz="4800" dirty="0" err="1" smtClean="0"/>
+              <a:t>img</a:t>
+            </a:r>
+            <a:r>
+              <a:rPr lang="tr-TR" sz="4800" dirty="0" smtClean="0"/>
+              <a:t>  </a:t>
+            </a:r>
+            <a:r>
+              <a:rPr lang="tr-TR" sz="4800" dirty="0" err="1" smtClean="0"/>
+              <a:t>input</a:t>
+            </a:r>
+            <a:endParaRPr lang="tr-TR" sz="4800" dirty="0"/>
+          </a:p>
+          <a:p>
+            <a:r>
+              <a:rPr lang="tr-TR" sz="4800" dirty="0" err="1" smtClean="0"/>
+              <a:t>keygen</a:t>
+            </a:r>
+            <a:r>
+              <a:rPr lang="tr-TR" sz="4800" dirty="0" smtClean="0"/>
+              <a:t> link meta  param </a:t>
+            </a:r>
+            <a:r>
+              <a:rPr lang="tr-TR" sz="4800" dirty="0" err="1" smtClean="0"/>
+              <a:t>source</a:t>
+            </a:r>
+            <a:r>
+              <a:rPr lang="tr-TR" sz="4800" dirty="0" smtClean="0"/>
+              <a:t>  </a:t>
+            </a:r>
+            <a:r>
+              <a:rPr lang="tr-TR" sz="4800" dirty="0" err="1" smtClean="0"/>
+              <a:t>track</a:t>
+            </a:r>
+            <a:r>
+              <a:rPr lang="tr-TR" sz="4800" dirty="0" smtClean="0"/>
+              <a:t>  </a:t>
+            </a:r>
+            <a:r>
+              <a:rPr lang="tr-TR" sz="4800" dirty="0" err="1"/>
+              <a:t>wbr</a:t>
+            </a:r>
+            <a:endParaRPr lang="tr-TR" sz="4800" dirty="0"/>
+          </a:p>
+        </p:txBody>
+      </p:sp>
+      <p:sp>
+        <p:nvSpPr>
+          <p:cNvPr id="20" name="Metin kutusu 19"/>
+          <p:cNvSpPr txBox="1"/>
+          <p:nvPr/>
+        </p:nvSpPr>
+        <p:spPr>
+          <a:xfrm>
+            <a:off x="107504" y="332656"/>
+            <a:ext cx="8928992" cy="1569660"/>
+          </a:xfrm>
+          <a:prstGeom prst="rect">
+            <a:avLst/>
+          </a:prstGeom>
+          <a:noFill/>
+        </p:spPr>
+        <p:txBody>
+          <a:bodyPr wrap="square" rtlCol="0">
+            <a:spAutoFit/>
+          </a:bodyPr>
+          <a:lstStyle/>
+          <a:p>
+            <a:pPr algn="ctr"/>
+            <a:r>
+              <a:rPr lang="tr-TR" sz="4800" dirty="0" smtClean="0">
+                <a:solidFill>
+                  <a:srgbClr val="0070C0"/>
+                </a:solidFill>
+              </a:rPr>
+              <a:t>boş elemanlar</a:t>
+            </a:r>
+            <a:endParaRPr lang="tr-TR" sz="4800" dirty="0" smtClean="0">
+              <a:solidFill>
+                <a:srgbClr val="0070C0"/>
+              </a:solidFill>
+            </a:endParaRPr>
+          </a:p>
+          <a:p>
+            <a:pPr algn="ctr"/>
+            <a:r>
+              <a:rPr lang="tr-TR" sz="4800" b="1" dirty="0" err="1" smtClean="0">
+                <a:solidFill>
+                  <a:srgbClr val="0070C0"/>
+                </a:solidFill>
+              </a:rPr>
+              <a:t>void</a:t>
+            </a:r>
+            <a:r>
+              <a:rPr lang="tr-TR" sz="4800" b="1" dirty="0" smtClean="0">
+                <a:solidFill>
+                  <a:srgbClr val="0070C0"/>
+                </a:solidFill>
+              </a:rPr>
+              <a:t> </a:t>
+            </a:r>
+            <a:r>
+              <a:rPr lang="tr-TR" sz="4800" b="1" dirty="0" err="1" smtClean="0">
+                <a:solidFill>
+                  <a:srgbClr val="0070C0"/>
+                </a:solidFill>
+              </a:rPr>
+              <a:t>elements</a:t>
+            </a:r>
+            <a:endParaRPr lang="tr-TR" sz="4800" b="1" dirty="0">
+              <a:solidFill>
+                <a:srgbClr val="0070C0"/>
+              </a:solidFill>
+            </a:endParaRPr>
+          </a:p>
+        </p:txBody>
+      </p:sp>
+      <p:sp>
+        <p:nvSpPr>
+          <p:cNvPr id="5" name="Metin kutusu 4"/>
+          <p:cNvSpPr txBox="1"/>
+          <p:nvPr/>
+        </p:nvSpPr>
+        <p:spPr>
+          <a:xfrm>
+            <a:off x="201398" y="1772816"/>
+            <a:ext cx="8835098" cy="2062103"/>
+          </a:xfrm>
+          <a:prstGeom prst="rect">
+            <a:avLst/>
+          </a:prstGeom>
+          <a:noFill/>
+        </p:spPr>
+        <p:txBody>
+          <a:bodyPr wrap="square" rtlCol="0">
+            <a:spAutoFit/>
+          </a:bodyPr>
+          <a:lstStyle/>
+          <a:p>
+            <a:r>
+              <a:rPr lang="tr-TR" sz="3200" b="1" dirty="0" smtClean="0">
+                <a:solidFill>
+                  <a:schemeClr val="tx1">
+                    <a:lumMod val="65000"/>
+                    <a:lumOff val="35000"/>
+                  </a:schemeClr>
+                </a:solidFill>
+                <a:cs typeface="Consolas" panose="020B0609020204030204" pitchFamily="49" charset="0"/>
+              </a:rPr>
+              <a:t>boş eleman</a:t>
+            </a:r>
+            <a:r>
+              <a:rPr lang="tr-TR" sz="3200" dirty="0" smtClean="0">
+                <a:solidFill>
+                  <a:schemeClr val="tx1">
+                    <a:lumMod val="65000"/>
+                    <a:lumOff val="35000"/>
+                  </a:schemeClr>
+                </a:solidFill>
+                <a:cs typeface="Consolas" panose="020B0609020204030204" pitchFamily="49" charset="0"/>
+              </a:rPr>
+              <a:t>lar kendi </a:t>
+            </a:r>
+            <a:r>
+              <a:rPr lang="tr-TR" sz="3200" dirty="0">
+                <a:solidFill>
+                  <a:schemeClr val="tx1">
+                    <a:lumMod val="65000"/>
+                    <a:lumOff val="35000"/>
+                  </a:schemeClr>
+                </a:solidFill>
+                <a:cs typeface="Consolas" panose="020B0609020204030204" pitchFamily="49" charset="0"/>
+              </a:rPr>
+              <a:t>kapanan </a:t>
+            </a:r>
+            <a:r>
+              <a:rPr lang="tr-TR" sz="3200" dirty="0" smtClean="0">
+                <a:solidFill>
+                  <a:schemeClr val="tx1">
+                    <a:lumMod val="65000"/>
+                    <a:lumOff val="35000"/>
+                  </a:schemeClr>
+                </a:solidFill>
+                <a:cs typeface="Consolas" panose="020B0609020204030204" pitchFamily="49" charset="0"/>
+              </a:rPr>
+              <a:t>etiketlerdir. Sadece </a:t>
+            </a:r>
+            <a:r>
+              <a:rPr lang="tr-TR" sz="3200" b="1" dirty="0" smtClean="0">
+                <a:solidFill>
+                  <a:schemeClr val="tx1">
+                    <a:lumMod val="65000"/>
+                    <a:lumOff val="35000"/>
+                  </a:schemeClr>
+                </a:solidFill>
+                <a:cs typeface="Consolas" panose="020B0609020204030204" pitchFamily="49" charset="0"/>
+              </a:rPr>
+              <a:t>nitelik</a:t>
+            </a:r>
+            <a:r>
+              <a:rPr lang="tr-TR" sz="3200" dirty="0" smtClean="0">
+                <a:solidFill>
+                  <a:schemeClr val="tx1">
+                    <a:lumMod val="65000"/>
+                    <a:lumOff val="35000"/>
+                  </a:schemeClr>
+                </a:solidFill>
+                <a:cs typeface="Consolas" panose="020B0609020204030204" pitchFamily="49" charset="0"/>
+              </a:rPr>
+              <a:t> (</a:t>
+            </a:r>
+            <a:r>
+              <a:rPr lang="tr-TR" sz="3200" dirty="0" err="1" smtClean="0">
+                <a:solidFill>
+                  <a:schemeClr val="tx1">
+                    <a:lumMod val="65000"/>
+                    <a:lumOff val="35000"/>
+                  </a:schemeClr>
+                </a:solidFill>
+                <a:cs typeface="Consolas" panose="020B0609020204030204" pitchFamily="49" charset="0"/>
+              </a:rPr>
+              <a:t>attribute</a:t>
+            </a:r>
+            <a:r>
+              <a:rPr lang="tr-TR" sz="3200" dirty="0" smtClean="0">
+                <a:solidFill>
+                  <a:schemeClr val="tx1">
+                    <a:lumMod val="65000"/>
+                    <a:lumOff val="35000"/>
+                  </a:schemeClr>
+                </a:solidFill>
+                <a:cs typeface="Consolas" panose="020B0609020204030204" pitchFamily="49" charset="0"/>
+              </a:rPr>
+              <a:t>) içerebilirler. Html </a:t>
+            </a:r>
+            <a:r>
+              <a:rPr lang="tr-TR" sz="3200" b="1" dirty="0" smtClean="0">
+                <a:solidFill>
+                  <a:schemeClr val="tx1">
+                    <a:lumMod val="65000"/>
+                    <a:lumOff val="35000"/>
+                  </a:schemeClr>
+                </a:solidFill>
+                <a:cs typeface="Consolas" panose="020B0609020204030204" pitchFamily="49" charset="0"/>
+              </a:rPr>
+              <a:t>boş eleman</a:t>
+            </a:r>
+            <a:r>
+              <a:rPr lang="tr-TR" sz="3200" dirty="0" smtClean="0">
+                <a:solidFill>
+                  <a:schemeClr val="tx1">
+                    <a:lumMod val="65000"/>
+                    <a:lumOff val="35000"/>
+                  </a:schemeClr>
+                </a:solidFill>
+                <a:cs typeface="Consolas" panose="020B0609020204030204" pitchFamily="49" charset="0"/>
+              </a:rPr>
+              <a:t>ları</a:t>
+            </a:r>
+            <a:r>
+              <a:rPr lang="tr-TR" sz="3200" b="1" dirty="0" smtClean="0">
+                <a:solidFill>
+                  <a:schemeClr val="tx1">
+                    <a:lumMod val="65000"/>
+                    <a:lumOff val="35000"/>
+                  </a:schemeClr>
+                </a:solidFill>
+                <a:cs typeface="Consolas" panose="020B0609020204030204" pitchFamily="49" charset="0"/>
+              </a:rPr>
+              <a:t> </a:t>
+            </a:r>
+            <a:r>
+              <a:rPr lang="tr-TR" sz="3200" dirty="0" smtClean="0">
+                <a:solidFill>
+                  <a:schemeClr val="tx1">
+                    <a:lumMod val="65000"/>
+                    <a:lumOff val="35000"/>
+                  </a:schemeClr>
+                </a:solidFill>
+                <a:cs typeface="Consolas" panose="020B0609020204030204" pitchFamily="49" charset="0"/>
+              </a:rPr>
+              <a:t>içerik veya başka html elemanı içeremez, kapanış etiketleri yoktur.</a:t>
+            </a:r>
+            <a:endParaRPr lang="tr-TR" sz="3200" dirty="0"/>
+          </a:p>
+        </p:txBody>
+      </p:sp>
+    </p:spTree>
+    <p:extLst>
+      <p:ext uri="{BB962C8B-B14F-4D97-AF65-F5344CB8AC3E}">
+        <p14:creationId xmlns:p14="http://schemas.microsoft.com/office/powerpoint/2010/main" val="2985005025"/>
+      </p:ext>
+    </p:extLst>
+  </p:cSld>
+  <p:clrMapOvr>
+    <a:masterClrMapping/>
+  </p:clrMapOvr>
+</p:sld>
+</file>
+
+<file path=ppt/slides/slide9.xml><?xml version="1.0" encoding="utf-8"?>
+<p:sld xmlns:a="http://schemas.openxmlformats.org/drawingml/2006/main" xmlns:r="http://schemas.openxmlformats.org/officeDocument/2006/relationships" xmlns:p="http://schemas.openxmlformats.org/presentationml/2006/main">
+  <p:cSld>
+    <p:spTree>
+      <p:nvGrpSpPr>
+        <p:cNvPr id="1" name=""/>
+        <p:cNvGrpSpPr/>
+        <p:nvPr/>
+      </p:nvGrpSpPr>
+      <p:grpSpPr>
+        <a:xfrm>
+          <a:off x="0" y="0"/>
+          <a:ext cx="0" cy="0"/>
+          <a:chOff x="0" y="0"/>
+          <a:chExt cx="0" cy="0"/>
+        </a:xfrm>
+      </p:grpSpPr>
+      <p:sp>
+        <p:nvSpPr>
+          <p:cNvPr id="2" name="Metin kutusu 1"/>
+          <p:cNvSpPr txBox="1"/>
+          <p:nvPr/>
+        </p:nvSpPr>
+        <p:spPr>
+          <a:xfrm>
             <a:off x="1191968" y="3350476"/>
             <a:ext cx="7661208" cy="2123658"/>
           </a:xfrm>
@@ -12196,407 +14819,6 @@
     <p:extLst>
       <p:ext uri="{BB962C8B-B14F-4D97-AF65-F5344CB8AC3E}">
         <p14:creationId xmlns:p14="http://schemas.microsoft.com/office/powerpoint/2010/main" val="1359721634"/>
-      </p:ext>
-    </p:extLst>
-  </p:cSld>
-  <p:clrMapOvr>
-    <a:masterClrMapping/>
-  </p:clrMapOvr>
-</p:sld>
-</file>
-
-<file path=ppt/slides/slide9.xml><?xml version="1.0" encoding="utf-8"?>
-<p:sld xmlns:a="http://schemas.openxmlformats.org/drawingml/2006/main" xmlns:r="http://schemas.openxmlformats.org/officeDocument/2006/relationships" xmlns:p="http://schemas.openxmlformats.org/presentationml/2006/main">
-  <p:cSld>
-    <p:spTree>
-      <p:nvGrpSpPr>
-        <p:cNvPr id="1" name=""/>
-        <p:cNvGrpSpPr/>
-        <p:nvPr/>
-      </p:nvGrpSpPr>
-      <p:grpSpPr>
-        <a:xfrm>
-          <a:off x="0" y="0"/>
-          <a:ext cx="0" cy="0"/>
-          <a:chOff x="0" y="0"/>
-          <a:chExt cx="0" cy="0"/>
-        </a:xfrm>
-      </p:grpSpPr>
-      <p:sp>
-        <p:nvSpPr>
-          <p:cNvPr id="2" name="Başlık 1"/>
-          <p:cNvSpPr txBox="1">
-            <a:spLocks/>
-          </p:cNvSpPr>
-          <p:nvPr/>
-        </p:nvSpPr>
-        <p:spPr>
-          <a:xfrm>
-            <a:off x="457200" y="274638"/>
-            <a:ext cx="8229600" cy="1426170"/>
-          </a:xfrm>
-          <a:prstGeom prst="rect">
-            <a:avLst/>
-          </a:prstGeom>
-        </p:spPr>
-        <p:txBody>
-          <a:bodyPr/>
-          <a:lstStyle>
-            <a:lvl1pPr algn="ctr" defTabSz="914400" rtl="0" eaLnBrk="1" latinLnBrk="0" hangingPunct="1">
-              <a:spcBef>
-                <a:spcPct val="0"/>
-              </a:spcBef>
-              <a:buNone/>
-              <a:defRPr sz="4400" kern="1200">
-                <a:solidFill>
-                  <a:schemeClr val="tx1"/>
-                </a:solidFill>
-                <a:latin typeface="+mj-lt"/>
-                <a:ea typeface="+mj-ea"/>
-                <a:cs typeface="+mj-cs"/>
-              </a:defRPr>
-            </a:lvl1pPr>
-          </a:lstStyle>
-          <a:p>
-            <a:r>
-              <a:rPr lang="tr-TR" dirty="0" smtClean="0"/>
-              <a:t>beyaz boşluklar </a:t>
-            </a:r>
-          </a:p>
-          <a:p>
-            <a:r>
-              <a:rPr lang="tr-TR" dirty="0" err="1" smtClean="0"/>
-              <a:t>white</a:t>
-            </a:r>
-            <a:r>
-              <a:rPr lang="tr-TR" dirty="0" smtClean="0"/>
-              <a:t> </a:t>
-            </a:r>
-            <a:r>
-              <a:rPr lang="tr-TR" dirty="0" err="1" smtClean="0"/>
-              <a:t>spaces</a:t>
-            </a:r>
-            <a:endParaRPr lang="tr-TR" dirty="0"/>
-          </a:p>
-        </p:txBody>
-      </p:sp>
-      <p:sp>
-        <p:nvSpPr>
-          <p:cNvPr id="4" name="İçerik Yer Tutucusu 1"/>
-          <p:cNvSpPr txBox="1">
-            <a:spLocks/>
-          </p:cNvSpPr>
-          <p:nvPr/>
-        </p:nvSpPr>
-        <p:spPr>
-          <a:xfrm>
-            <a:off x="457200" y="1600200"/>
-            <a:ext cx="8579296" cy="4525963"/>
-          </a:xfrm>
-          <a:prstGeom prst="rect">
-            <a:avLst/>
-          </a:prstGeom>
-        </p:spPr>
-        <p:txBody>
-          <a:bodyPr/>
-          <a:lstStyle>
-            <a:lvl1pPr marL="342900" indent="-342900" algn="l" defTabSz="914400" rtl="0" eaLnBrk="1" latinLnBrk="0" hangingPunct="1">
-              <a:spcBef>
-                <a:spcPct val="20000"/>
-              </a:spcBef>
-              <a:buFont typeface="Arial" panose="020B0604020202020204" pitchFamily="34" charset="0"/>
-              <a:buChar char="•"/>
-              <a:defRPr sz="3200" kern="1200">
-                <a:solidFill>
-                  <a:schemeClr val="tx1"/>
-                </a:solidFill>
-                <a:latin typeface="+mn-lt"/>
-                <a:ea typeface="+mn-ea"/>
-                <a:cs typeface="+mn-cs"/>
-              </a:defRPr>
-            </a:lvl1pPr>
-            <a:lvl2pPr marL="742950" indent="-285750" algn="l" defTabSz="914400" rtl="0" eaLnBrk="1" latinLnBrk="0" hangingPunct="1">
-              <a:spcBef>
-                <a:spcPct val="20000"/>
-              </a:spcBef>
-              <a:buFont typeface="Arial" panose="020B0604020202020204" pitchFamily="34" charset="0"/>
-              <a:buChar char="–"/>
-              <a:defRPr sz="2800" kern="1200">
-                <a:solidFill>
-                  <a:schemeClr val="tx1"/>
-                </a:solidFill>
-                <a:latin typeface="+mn-lt"/>
-                <a:ea typeface="+mn-ea"/>
-                <a:cs typeface="+mn-cs"/>
-              </a:defRPr>
-            </a:lvl2pPr>
-            <a:lvl3pPr marL="1143000" indent="-228600" algn="l" defTabSz="914400" rtl="0" eaLnBrk="1" latinLnBrk="0" hangingPunct="1">
-              <a:spcBef>
-                <a:spcPct val="20000"/>
-              </a:spcBef>
-              <a:buFont typeface="Arial" panose="020B0604020202020204" pitchFamily="34" charset="0"/>
-              <a:buChar char="•"/>
-              <a:defRPr sz="2400" kern="1200">
-                <a:solidFill>
-                  <a:schemeClr val="tx1"/>
-                </a:solidFill>
-                <a:latin typeface="+mn-lt"/>
-                <a:ea typeface="+mn-ea"/>
-                <a:cs typeface="+mn-cs"/>
-              </a:defRPr>
-            </a:lvl3pPr>
-            <a:lvl4pPr marL="1600200" indent="-228600" algn="l" defTabSz="914400" rtl="0" eaLnBrk="1" latinLnBrk="0" hangingPunct="1">
-              <a:spcBef>
-                <a:spcPct val="20000"/>
-              </a:spcBef>
-              <a:buFont typeface="Arial" panose="020B0604020202020204" pitchFamily="34" charset="0"/>
-              <a:buChar char="–"/>
-              <a:defRPr sz="2000" kern="1200">
-                <a:solidFill>
-                  <a:schemeClr val="tx1"/>
-                </a:solidFill>
-                <a:latin typeface="+mn-lt"/>
-                <a:ea typeface="+mn-ea"/>
-                <a:cs typeface="+mn-cs"/>
-              </a:defRPr>
-            </a:lvl4pPr>
-            <a:lvl5pPr marL="2057400" indent="-228600" algn="l" defTabSz="914400" rtl="0" eaLnBrk="1" latinLnBrk="0" hangingPunct="1">
-              <a:spcBef>
-                <a:spcPct val="20000"/>
-              </a:spcBef>
-              <a:buFont typeface="Arial" panose="020B0604020202020204" pitchFamily="34" charset="0"/>
-              <a:buChar char="»"/>
-              <a:defRPr sz="2000" kern="1200">
-                <a:solidFill>
-                  <a:schemeClr val="tx1"/>
-                </a:solidFill>
-                <a:latin typeface="+mn-lt"/>
-                <a:ea typeface="+mn-ea"/>
-                <a:cs typeface="+mn-cs"/>
-              </a:defRPr>
-            </a:lvl5pPr>
-            <a:lvl6pPr marL="2514600" indent="-228600" algn="l" defTabSz="914400" rtl="0" eaLnBrk="1" latinLnBrk="0" hangingPunct="1">
-              <a:spcBef>
-                <a:spcPct val="20000"/>
-              </a:spcBef>
-              <a:buFont typeface="Arial" panose="020B0604020202020204" pitchFamily="34" charset="0"/>
-              <a:buChar char="•"/>
-              <a:defRPr sz="2000" kern="1200">
-                <a:solidFill>
-                  <a:schemeClr val="tx1"/>
-                </a:solidFill>
-                <a:latin typeface="+mn-lt"/>
-                <a:ea typeface="+mn-ea"/>
-                <a:cs typeface="+mn-cs"/>
-              </a:defRPr>
-            </a:lvl6pPr>
-            <a:lvl7pPr marL="2971800" indent="-228600" algn="l" defTabSz="914400" rtl="0" eaLnBrk="1" latinLnBrk="0" hangingPunct="1">
-              <a:spcBef>
-                <a:spcPct val="20000"/>
-              </a:spcBef>
-              <a:buFont typeface="Arial" panose="020B0604020202020204" pitchFamily="34" charset="0"/>
-              <a:buChar char="•"/>
-              <a:defRPr sz="2000" kern="1200">
-                <a:solidFill>
-                  <a:schemeClr val="tx1"/>
-                </a:solidFill>
-                <a:latin typeface="+mn-lt"/>
-                <a:ea typeface="+mn-ea"/>
-                <a:cs typeface="+mn-cs"/>
-              </a:defRPr>
-            </a:lvl7pPr>
-            <a:lvl8pPr marL="3429000" indent="-228600" algn="l" defTabSz="914400" rtl="0" eaLnBrk="1" latinLnBrk="0" hangingPunct="1">
-              <a:spcBef>
-                <a:spcPct val="20000"/>
-              </a:spcBef>
-              <a:buFont typeface="Arial" panose="020B0604020202020204" pitchFamily="34" charset="0"/>
-              <a:buChar char="•"/>
-              <a:defRPr sz="2000" kern="1200">
-                <a:solidFill>
-                  <a:schemeClr val="tx1"/>
-                </a:solidFill>
-                <a:latin typeface="+mn-lt"/>
-                <a:ea typeface="+mn-ea"/>
-                <a:cs typeface="+mn-cs"/>
-              </a:defRPr>
-            </a:lvl8pPr>
-            <a:lvl9pPr marL="3886200" indent="-228600" algn="l" defTabSz="914400" rtl="0" eaLnBrk="1" latinLnBrk="0" hangingPunct="1">
-              <a:spcBef>
-                <a:spcPct val="20000"/>
-              </a:spcBef>
-              <a:buFont typeface="Arial" panose="020B0604020202020204" pitchFamily="34" charset="0"/>
-              <a:buChar char="•"/>
-              <a:defRPr sz="2000" kern="1200">
-                <a:solidFill>
-                  <a:schemeClr val="tx1"/>
-                </a:solidFill>
-                <a:latin typeface="+mn-lt"/>
-                <a:ea typeface="+mn-ea"/>
-                <a:cs typeface="+mn-cs"/>
-              </a:defRPr>
-            </a:lvl9pPr>
-          </a:lstStyle>
-          <a:p>
-            <a:pPr marL="0" indent="0" algn="just">
-              <a:buNone/>
-            </a:pPr>
-            <a:r>
-              <a:rPr lang="tr-TR" sz="3600" dirty="0" smtClean="0">
-                <a:solidFill>
-                  <a:schemeClr val="tx1">
-                    <a:lumMod val="65000"/>
-                    <a:lumOff val="35000"/>
-                  </a:schemeClr>
-                </a:solidFill>
-                <a:latin typeface="+mj-lt"/>
-                <a:cs typeface="Consolas" panose="020B0609020204030204" pitchFamily="49" charset="0"/>
-              </a:rPr>
-              <a:t>Html </a:t>
-            </a:r>
-            <a:r>
-              <a:rPr lang="tr-TR" sz="3600" b="1" dirty="0" smtClean="0">
-                <a:solidFill>
-                  <a:schemeClr val="tx1">
-                    <a:lumMod val="65000"/>
-                    <a:lumOff val="35000"/>
-                  </a:schemeClr>
-                </a:solidFill>
-                <a:latin typeface="+mj-lt"/>
-                <a:cs typeface="Consolas" panose="020B0609020204030204" pitchFamily="49" charset="0"/>
-              </a:rPr>
-              <a:t>içeriğinde</a:t>
-            </a:r>
-            <a:r>
-              <a:rPr lang="tr-TR" sz="3600" dirty="0" smtClean="0">
-                <a:solidFill>
-                  <a:schemeClr val="tx1">
-                    <a:lumMod val="65000"/>
-                    <a:lumOff val="35000"/>
-                  </a:schemeClr>
-                </a:solidFill>
-                <a:latin typeface="+mj-lt"/>
-                <a:cs typeface="Consolas" panose="020B0609020204030204" pitchFamily="49" charset="0"/>
-              </a:rPr>
-              <a:t> </a:t>
-            </a:r>
-            <a:r>
-              <a:rPr lang="tr-TR" sz="3600" dirty="0" err="1" smtClean="0">
-                <a:solidFill>
-                  <a:schemeClr val="tx1">
-                    <a:lumMod val="65000"/>
-                    <a:lumOff val="35000"/>
-                  </a:schemeClr>
-                </a:solidFill>
-                <a:latin typeface="+mj-lt"/>
-                <a:cs typeface="Consolas" panose="020B0609020204030204" pitchFamily="49" charset="0"/>
-              </a:rPr>
-              <a:t>yeralan</a:t>
-            </a:r>
-            <a:r>
-              <a:rPr lang="tr-TR" sz="3600" dirty="0" smtClean="0">
-                <a:solidFill>
-                  <a:schemeClr val="tx1">
-                    <a:lumMod val="65000"/>
-                    <a:lumOff val="35000"/>
-                  </a:schemeClr>
-                </a:solidFill>
-                <a:latin typeface="+mj-lt"/>
-                <a:cs typeface="Consolas" panose="020B0609020204030204" pitchFamily="49" charset="0"/>
-              </a:rPr>
-              <a:t> aşağıdaki karakterler (beyaz boşluklar) </a:t>
-            </a:r>
-            <a:r>
-              <a:rPr lang="tr-TR" sz="3600" b="1" dirty="0" smtClean="0">
-                <a:solidFill>
-                  <a:schemeClr val="tx1">
-                    <a:lumMod val="65000"/>
-                    <a:lumOff val="35000"/>
-                  </a:schemeClr>
-                </a:solidFill>
-                <a:latin typeface="+mj-lt"/>
-                <a:cs typeface="Consolas" panose="020B0609020204030204" pitchFamily="49" charset="0"/>
-              </a:rPr>
-              <a:t>sayfa gösterimi</a:t>
-            </a:r>
-            <a:r>
-              <a:rPr lang="tr-TR" sz="3600" dirty="0" smtClean="0">
-                <a:solidFill>
-                  <a:schemeClr val="tx1">
-                    <a:lumMod val="65000"/>
-                    <a:lumOff val="35000"/>
-                  </a:schemeClr>
-                </a:solidFill>
-                <a:latin typeface="+mj-lt"/>
-                <a:cs typeface="Consolas" panose="020B0609020204030204" pitchFamily="49" charset="0"/>
-              </a:rPr>
-              <a:t> sırasında </a:t>
-            </a:r>
-            <a:r>
-              <a:rPr lang="tr-TR" sz="3600" dirty="0" err="1" smtClean="0">
-                <a:solidFill>
-                  <a:schemeClr val="tx1">
-                    <a:lumMod val="65000"/>
-                    <a:lumOff val="35000"/>
-                  </a:schemeClr>
-                </a:solidFill>
-                <a:latin typeface="+mj-lt"/>
-                <a:cs typeface="Consolas" panose="020B0609020204030204" pitchFamily="49" charset="0"/>
-              </a:rPr>
-              <a:t>gözardı</a:t>
-            </a:r>
-            <a:r>
-              <a:rPr lang="tr-TR" sz="3600" dirty="0" smtClean="0">
-                <a:solidFill>
-                  <a:schemeClr val="tx1">
-                    <a:lumMod val="65000"/>
-                    <a:lumOff val="35000"/>
-                  </a:schemeClr>
-                </a:solidFill>
-                <a:latin typeface="+mj-lt"/>
-                <a:cs typeface="Consolas" panose="020B0609020204030204" pitchFamily="49" charset="0"/>
-              </a:rPr>
-              <a:t> edilirler.</a:t>
-            </a:r>
-          </a:p>
-          <a:p>
-            <a:r>
-              <a:rPr lang="tr-TR" sz="3600" dirty="0" smtClean="0">
-                <a:latin typeface="Consolas" panose="020B0609020204030204" pitchFamily="49" charset="0"/>
-                <a:cs typeface="Consolas" panose="020B0609020204030204" pitchFamily="49" charset="0"/>
-              </a:rPr>
-              <a:t>TAB   (sekme)</a:t>
-            </a:r>
-          </a:p>
-          <a:p>
-            <a:r>
-              <a:rPr lang="tr-TR" sz="3600" dirty="0" smtClean="0">
-                <a:latin typeface="Consolas" panose="020B0609020204030204" pitchFamily="49" charset="0"/>
-                <a:cs typeface="Consolas" panose="020B0609020204030204" pitchFamily="49" charset="0"/>
-              </a:rPr>
-              <a:t>ENTER (satır sonu)</a:t>
-            </a:r>
-          </a:p>
-          <a:p>
-            <a:r>
-              <a:rPr lang="tr-TR" sz="3600" dirty="0" smtClean="0">
-                <a:latin typeface="Consolas" panose="020B0609020204030204" pitchFamily="49" charset="0"/>
-                <a:cs typeface="Consolas" panose="020B0609020204030204" pitchFamily="49" charset="0"/>
-              </a:rPr>
-              <a:t>SPACE (birden fazla boşluk)</a:t>
-            </a:r>
-          </a:p>
-          <a:p>
-            <a:endParaRPr lang="tr-TR" dirty="0">
-              <a:latin typeface="Consolas" panose="020B0609020204030204" pitchFamily="49" charset="0"/>
-              <a:cs typeface="Consolas" panose="020B0609020204030204" pitchFamily="49" charset="0"/>
-            </a:endParaRPr>
-          </a:p>
-        </p:txBody>
-      </p:sp>
-    </p:spTree>
-    <p:extLst>
-      <p:ext uri="{BB962C8B-B14F-4D97-AF65-F5344CB8AC3E}">
-        <p14:creationId xmlns:p14="http://schemas.microsoft.com/office/powerpoint/2010/main" val="2518625489"/>
       </p:ext>
     </p:extLst>
   </p:cSld>
